--- a/ppt/PythonMath11-Pandas.pptx
+++ b/ppt/PythonMath11-Pandas.pptx
@@ -5,10 +5,10 @@
     <p:sldMasterId id="2147483653" r:id="rId1"/>
   </p:sldMasterIdLst>
   <p:notesMasterIdLst>
-    <p:notesMasterId r:id="rId13"/>
+    <p:notesMasterId r:id="rId14"/>
   </p:notesMasterIdLst>
   <p:handoutMasterIdLst>
-    <p:handoutMasterId r:id="rId14"/>
+    <p:handoutMasterId r:id="rId15"/>
   </p:handoutMasterIdLst>
   <p:sldIdLst>
     <p:sldId id="264" r:id="rId2"/>
@@ -19,9 +19,10 @@
     <p:sldId id="280" r:id="rId7"/>
     <p:sldId id="281" r:id="rId8"/>
     <p:sldId id="276" r:id="rId9"/>
-    <p:sldId id="278" r:id="rId10"/>
-    <p:sldId id="279" r:id="rId11"/>
-    <p:sldId id="277" r:id="rId12"/>
+    <p:sldId id="277" r:id="rId10"/>
+    <p:sldId id="282" r:id="rId11"/>
+    <p:sldId id="278" r:id="rId12"/>
+    <p:sldId id="279" r:id="rId13"/>
   </p:sldIdLst>
   <p:sldSz cx="9144000" cy="6858000" type="screen4x3"/>
   <p:notesSz cx="6648450" cy="9782175"/>
@@ -3699,11 +3700,7 @@
             <a:pPr eaLnBrk="1" hangingPunct="1"/>
             <a:r>
               <a:rPr lang="fr-FR" altLang="fr-FR" smtClean="0"/>
-              <a:t>Chapitre </a:t>
-            </a:r>
-            <a:r>
-              <a:rPr lang="fr-FR" altLang="fr-FR" smtClean="0"/>
-              <a:t>11</a:t>
+              <a:t>Chapitre 11</a:t>
             </a:r>
             <a:endParaRPr lang="fr-FR" altLang="fr-FR" dirty="0" smtClean="0"/>
           </a:p>
@@ -3843,7 +3840,7 @@
           <a:p>
             <a:r>
               <a:rPr lang="fr-FR" dirty="0" smtClean="0"/>
-              <a:t>MNIST</a:t>
+              <a:t>Filtrage</a:t>
             </a:r>
             <a:endParaRPr lang="fr-FR" dirty="0"/>
           </a:p>
@@ -3866,119 +3863,115 @@
           <a:p>
             <a:r>
               <a:rPr lang="fr-FR" dirty="0" smtClean="0"/>
-              <a:t>Chargement des données</a:t>
+              <a:t>Remplacer </a:t>
+            </a:r>
+            <a:r>
+              <a:rPr lang="fr-FR" dirty="0" smtClean="0"/>
+              <a:t>les champs nuls</a:t>
             </a:r>
           </a:p>
           <a:p>
             <a:pPr lvl="1"/>
             <a:r>
-              <a:rPr lang="fr-FR" dirty="0" err="1">
-                <a:latin typeface="Courier New" panose="02070309020205020404" pitchFamily="49" charset="0"/>
-                <a:cs typeface="Courier New" panose="02070309020205020404" pitchFamily="49" charset="0"/>
-              </a:rPr>
-              <a:t>mnist</a:t>
-            </a:r>
-            <a:r>
-              <a:rPr lang="fr-FR" dirty="0">
-                <a:latin typeface="Courier New" panose="02070309020205020404" pitchFamily="49" charset="0"/>
-                <a:cs typeface="Courier New" panose="02070309020205020404" pitchFamily="49" charset="0"/>
-              </a:rPr>
-              <a:t> = </a:t>
-            </a:r>
-            <a:r>
-              <a:rPr lang="fr-FR" dirty="0" err="1">
-                <a:latin typeface="Courier New" panose="02070309020205020404" pitchFamily="49" charset="0"/>
-                <a:cs typeface="Courier New" panose="02070309020205020404" pitchFamily="49" charset="0"/>
-              </a:rPr>
-              <a:t>ds.fetch_mldata</a:t>
-            </a:r>
-            <a:r>
-              <a:rPr lang="fr-FR" dirty="0">
-                <a:latin typeface="Courier New" panose="02070309020205020404" pitchFamily="49" charset="0"/>
-                <a:cs typeface="Courier New" panose="02070309020205020404" pitchFamily="49" charset="0"/>
-              </a:rPr>
-              <a:t>('MNIST original',</a:t>
-            </a:r>
-            <a:r>
-              <a:rPr lang="fr-FR" dirty="0" err="1">
-                <a:latin typeface="Courier New" panose="02070309020205020404" pitchFamily="49" charset="0"/>
-                <a:cs typeface="Courier New" panose="02070309020205020404" pitchFamily="49" charset="0"/>
-              </a:rPr>
-              <a:t>data_home</a:t>
-            </a:r>
-            <a:r>
-              <a:rPr lang="fr-FR" dirty="0">
-                <a:latin typeface="Courier New" panose="02070309020205020404" pitchFamily="49" charset="0"/>
-                <a:cs typeface="Courier New" panose="02070309020205020404" pitchFamily="49" charset="0"/>
-              </a:rPr>
-              <a:t>='./</a:t>
-            </a:r>
-            <a:r>
-              <a:rPr lang="fr-FR" dirty="0" err="1">
-                <a:latin typeface="Courier New" panose="02070309020205020404" pitchFamily="49" charset="0"/>
-                <a:cs typeface="Courier New" panose="02070309020205020404" pitchFamily="49" charset="0"/>
-              </a:rPr>
-              <a:t>mnist</a:t>
-            </a:r>
-            <a:r>
-              <a:rPr lang="fr-FR" dirty="0" smtClean="0">
-                <a:latin typeface="Courier New" panose="02070309020205020404" pitchFamily="49" charset="0"/>
-                <a:cs typeface="Courier New" panose="02070309020205020404" pitchFamily="49" charset="0"/>
-              </a:rPr>
-              <a:t>/')</a:t>
+              <a:rPr lang="fr-FR" dirty="0" err="1" smtClean="0"/>
+              <a:t>dataframe.codePostal</a:t>
+            </a:r>
+            <a:r>
+              <a:rPr lang="fr-FR" dirty="0" smtClean="0"/>
+              <a:t> </a:t>
+            </a:r>
+            <a:r>
+              <a:rPr lang="fr-FR" dirty="0"/>
+              <a:t>= </a:t>
+            </a:r>
+            <a:r>
+              <a:rPr lang="fr-FR" dirty="0" err="1" smtClean="0"/>
+              <a:t>dataframe.codePostal.fillna</a:t>
+            </a:r>
+            <a:r>
+              <a:rPr lang="fr-FR" dirty="0"/>
+              <a:t>('38000</a:t>
+            </a:r>
+            <a:r>
+              <a:rPr lang="fr-FR" dirty="0" smtClean="0"/>
+              <a:t>')</a:t>
+            </a:r>
+          </a:p>
+          <a:p>
+            <a:r>
+              <a:rPr lang="fr-FR" dirty="0" smtClean="0"/>
+              <a:t>Changement de valeurs</a:t>
             </a:r>
           </a:p>
           <a:p>
             <a:pPr lvl="1"/>
             <a:r>
-              <a:rPr lang="fr-FR" dirty="0" err="1" smtClean="0">
-                <a:latin typeface="Courier New" panose="02070309020205020404" pitchFamily="49" charset="0"/>
-                <a:cs typeface="Courier New" panose="02070309020205020404" pitchFamily="49" charset="0"/>
-              </a:rPr>
-              <a:t>mnist.data</a:t>
-            </a:r>
-            <a:r>
-              <a:rPr lang="fr-FR" dirty="0" smtClean="0">
-                <a:latin typeface="Courier New" panose="02070309020205020404" pitchFamily="49" charset="0"/>
-                <a:cs typeface="Courier New" panose="02070309020205020404" pitchFamily="49" charset="0"/>
-              </a:rPr>
-              <a:t> contient les images (70000)</a:t>
-            </a:r>
-          </a:p>
-          <a:p>
-            <a:pPr lvl="1"/>
-            <a:r>
-              <a:rPr lang="fr-FR" dirty="0" err="1">
-                <a:latin typeface="Courier New" panose="02070309020205020404" pitchFamily="49" charset="0"/>
-                <a:cs typeface="Courier New" panose="02070309020205020404" pitchFamily="49" charset="0"/>
-              </a:rPr>
-              <a:t>m</a:t>
-            </a:r>
-            <a:r>
-              <a:rPr lang="fr-FR" dirty="0" err="1" smtClean="0">
-                <a:latin typeface="Courier New" panose="02070309020205020404" pitchFamily="49" charset="0"/>
-                <a:cs typeface="Courier New" panose="02070309020205020404" pitchFamily="49" charset="0"/>
-              </a:rPr>
-              <a:t>nist.target</a:t>
-            </a:r>
-            <a:r>
-              <a:rPr lang="fr-FR" dirty="0" smtClean="0">
-                <a:latin typeface="Courier New" panose="02070309020205020404" pitchFamily="49" charset="0"/>
-                <a:cs typeface="Courier New" panose="02070309020205020404" pitchFamily="49" charset="0"/>
-              </a:rPr>
-              <a:t> contient les chiffres</a:t>
-            </a:r>
-          </a:p>
-          <a:p>
-            <a:pPr lvl="1"/>
+              <a:rPr lang="fr-FR" dirty="0" err="1" smtClean="0"/>
+              <a:t>dataframe.surface</a:t>
+            </a:r>
+            <a:r>
+              <a:rPr lang="fr-FR" dirty="0" smtClean="0"/>
+              <a:t> </a:t>
+            </a:r>
+            <a:r>
+              <a:rPr lang="fr-FR" dirty="0"/>
+              <a:t>= </a:t>
+            </a:r>
+            <a:r>
+              <a:rPr lang="fr-FR" dirty="0" err="1" smtClean="0"/>
+              <a:t>dataframe</a:t>
+            </a:r>
+            <a:r>
+              <a:rPr lang="fr-FR" dirty="0" smtClean="0"/>
+              <a:t>[‘surface'].</a:t>
+            </a:r>
+            <a:r>
+              <a:rPr lang="fr-FR" dirty="0"/>
+              <a:t>replace(',', '.',</a:t>
+            </a:r>
+            <a:r>
+              <a:rPr lang="fr-FR" dirty="0" err="1"/>
+              <a:t>regex</a:t>
+            </a:r>
+            <a:r>
+              <a:rPr lang="fr-FR" dirty="0"/>
+              <a:t>=</a:t>
+            </a:r>
+            <a:r>
+              <a:rPr lang="fr-FR" dirty="0" err="1"/>
+              <a:t>True</a:t>
+            </a:r>
+            <a:r>
+              <a:rPr lang="fr-FR" dirty="0"/>
+              <a:t>).</a:t>
+            </a:r>
+            <a:r>
+              <a:rPr lang="fr-FR" dirty="0" err="1"/>
+              <a:t>astype</a:t>
+            </a:r>
+            <a:r>
+              <a:rPr lang="fr-FR" dirty="0"/>
+              <a:t>(</a:t>
+            </a:r>
+            <a:r>
+              <a:rPr lang="fr-FR" dirty="0" err="1"/>
+              <a:t>float</a:t>
+            </a:r>
+            <a:r>
+              <a:rPr lang="fr-FR" dirty="0" smtClean="0"/>
+              <a:t>)</a:t>
+            </a:r>
             <a:endParaRPr lang="fr-FR" dirty="0"/>
+          </a:p>
+          <a:p>
+            <a:endParaRPr lang="fr-FR" dirty="0" smtClean="0"/>
           </a:p>
         </p:txBody>
       </p:sp>
     </p:spTree>
     <p:extLst>
       <p:ext uri="{BB962C8B-B14F-4D97-AF65-F5344CB8AC3E}">
-        <p14:creationId xmlns:p14="http://schemas.microsoft.com/office/powerpoint/2010/main" val="3227662392"/>
+        <p14:creationId xmlns:p14="http://schemas.microsoft.com/office/powerpoint/2010/main" val="2942252075"/>
       </p:ext>
     </p:extLst>
   </p:cSld>
@@ -4029,7 +4022,7 @@
           <a:p>
             <a:r>
               <a:rPr lang="fr-FR" dirty="0" smtClean="0"/>
-              <a:t>Structure de la base</a:t>
+              <a:t>MNIST</a:t>
             </a:r>
             <a:endParaRPr lang="fr-FR" dirty="0"/>
           </a:p>
@@ -4051,204 +4044,254 @@
           <a:lstStyle/>
           <a:p>
             <a:r>
-              <a:rPr lang="fr-FR" sz="2000" dirty="0" err="1" smtClean="0"/>
-              <a:t>Wdbc.data</a:t>
-            </a:r>
-            <a:endParaRPr lang="fr-FR" sz="2000" dirty="0" smtClean="0"/>
+              <a:rPr lang="fr-FR" dirty="0" smtClean="0"/>
+              <a:t>Banque de données</a:t>
+            </a:r>
           </a:p>
           <a:p>
             <a:pPr lvl="1"/>
             <a:r>
-              <a:rPr lang="fr-FR" sz="1800" dirty="0" smtClean="0"/>
-              <a:t>Id</a:t>
+              <a:rPr lang="fr-FR" dirty="0" smtClean="0"/>
+              <a:t>Ici des chiffres manuscrits 24x24 en 16 niveaux de gris</a:t>
             </a:r>
           </a:p>
           <a:p>
             <a:pPr lvl="1"/>
-            <a:r>
-              <a:rPr lang="fr-FR" sz="1800" dirty="0" smtClean="0"/>
-              <a:t>Diagnostique M = Maligne, B = </a:t>
-            </a:r>
-            <a:r>
-              <a:rPr lang="fr-FR" sz="1800" dirty="0" err="1" smtClean="0"/>
-              <a:t>Benigne</a:t>
-            </a:r>
-            <a:endParaRPr lang="fr-FR" sz="1800" dirty="0" smtClean="0"/>
-          </a:p>
-          <a:p>
-            <a:r>
-              <a:rPr lang="fr-FR" sz="2000" dirty="0" smtClean="0"/>
-              <a:t>Les données biologique sont interprétés depuis l’image de la tumeur</a:t>
-            </a:r>
-          </a:p>
-          <a:p>
-            <a:pPr lvl="1"/>
-            <a:r>
-              <a:rPr lang="fr-FR" sz="1800" dirty="0" smtClean="0"/>
-              <a:t>Rayon</a:t>
-            </a:r>
-          </a:p>
-          <a:p>
-            <a:pPr lvl="1"/>
-            <a:r>
-              <a:rPr lang="fr-FR" sz="1800" dirty="0" smtClean="0"/>
-              <a:t>Texture (</a:t>
-            </a:r>
-            <a:r>
-              <a:rPr lang="en-US" sz="1800" dirty="0"/>
-              <a:t>standard deviation of gray-scale </a:t>
-            </a:r>
-            <a:r>
-              <a:rPr lang="en-US" sz="1800" dirty="0" smtClean="0"/>
-              <a:t>values)</a:t>
-            </a:r>
-          </a:p>
-          <a:p>
-            <a:pPr lvl="1"/>
-            <a:r>
-              <a:rPr lang="en-US" sz="1800" dirty="0" err="1" smtClean="0"/>
-              <a:t>Périmetre</a:t>
-            </a:r>
-            <a:endParaRPr lang="en-US" sz="1800" dirty="0" smtClean="0"/>
-          </a:p>
-          <a:p>
-            <a:pPr lvl="1"/>
-            <a:r>
-              <a:rPr lang="en-US" sz="1800" dirty="0" err="1" smtClean="0"/>
-              <a:t>Superficie</a:t>
-            </a:r>
-            <a:endParaRPr lang="en-US" sz="1800" dirty="0" smtClean="0"/>
-          </a:p>
-          <a:p>
-            <a:pPr lvl="1"/>
-            <a:r>
-              <a:rPr lang="en-US" sz="1800" dirty="0" smtClean="0"/>
-              <a:t>Smoothness (variation du rayon)</a:t>
-            </a:r>
-          </a:p>
-          <a:p>
-            <a:pPr lvl="1"/>
-            <a:r>
-              <a:rPr lang="en-US" sz="1800" dirty="0" err="1" smtClean="0"/>
-              <a:t>Compacité</a:t>
-            </a:r>
-            <a:r>
-              <a:rPr lang="en-US" sz="1800" dirty="0" smtClean="0"/>
-              <a:t> (perimeter**2 / </a:t>
-            </a:r>
-            <a:r>
-              <a:rPr lang="en-US" sz="1800" dirty="0" err="1" smtClean="0"/>
-              <a:t>superficie</a:t>
-            </a:r>
-            <a:r>
-              <a:rPr lang="en-US" sz="1800" dirty="0" smtClean="0"/>
-              <a:t> – 1)</a:t>
-            </a:r>
-          </a:p>
-          <a:p>
-            <a:pPr lvl="1"/>
-            <a:r>
-              <a:rPr lang="en-US" sz="1800" dirty="0" err="1" smtClean="0"/>
-              <a:t>Concavité</a:t>
-            </a:r>
-            <a:r>
-              <a:rPr lang="en-US" sz="1800" dirty="0" smtClean="0"/>
-              <a:t> (</a:t>
-            </a:r>
-            <a:r>
-              <a:rPr lang="en-US" sz="1800" dirty="0"/>
-              <a:t>severity of concave portions of the </a:t>
-            </a:r>
-            <a:r>
-              <a:rPr lang="en-US" sz="1800" dirty="0" smtClean="0"/>
-              <a:t>contour)</a:t>
-            </a:r>
-          </a:p>
-          <a:p>
-            <a:pPr lvl="1"/>
-            <a:r>
-              <a:rPr lang="en-US" sz="1800" dirty="0" smtClean="0"/>
-              <a:t>Points concaves (</a:t>
-            </a:r>
-            <a:r>
-              <a:rPr lang="en-US" sz="1800" dirty="0" err="1" smtClean="0"/>
-              <a:t>nombre</a:t>
-            </a:r>
-            <a:r>
-              <a:rPr lang="en-US" sz="1800" dirty="0" smtClean="0"/>
-              <a:t> de portion concave)</a:t>
-            </a:r>
-          </a:p>
-          <a:p>
-            <a:pPr lvl="1"/>
-            <a:r>
-              <a:rPr lang="en-US" sz="1800" dirty="0" err="1" smtClean="0"/>
-              <a:t>Symetrie</a:t>
-            </a:r>
-            <a:endParaRPr lang="en-US" sz="1800" dirty="0" smtClean="0"/>
-          </a:p>
-          <a:p>
-            <a:pPr lvl="1"/>
-            <a:r>
-              <a:rPr lang="en-US" sz="1800" dirty="0" smtClean="0"/>
-              <a:t>Dimension </a:t>
-            </a:r>
-            <a:r>
-              <a:rPr lang="en-US" sz="1800" dirty="0" err="1" smtClean="0"/>
-              <a:t>Fractale</a:t>
-            </a:r>
-            <a:r>
-              <a:rPr lang="en-US" sz="1800" dirty="0" smtClean="0"/>
-              <a:t> (</a:t>
-            </a:r>
-            <a:r>
-              <a:rPr lang="fr-FR" sz="1800" dirty="0"/>
-              <a:t>"</a:t>
-            </a:r>
-            <a:r>
-              <a:rPr lang="fr-FR" sz="1800" dirty="0" err="1"/>
-              <a:t>coastline</a:t>
-            </a:r>
-            <a:r>
-              <a:rPr lang="fr-FR" sz="1800" dirty="0"/>
-              <a:t> approximation" </a:t>
-            </a:r>
-            <a:r>
-              <a:rPr lang="fr-FR" sz="1800" dirty="0" smtClean="0"/>
-              <a:t>– 1)</a:t>
-            </a:r>
-            <a:endParaRPr lang="en-US" sz="1800" dirty="0" smtClean="0"/>
+            <a:endParaRPr lang="fr-FR" dirty="0"/>
           </a:p>
         </p:txBody>
       </p:sp>
       <p:pic>
         <p:nvPicPr>
-          <p:cNvPr id="4" name="Image 3"/>
+          <p:cNvPr id="4098" name="Picture 2" descr="Résultat de recherche d'images pour &quot;mnist&quot;"/>
           <p:cNvPicPr>
-            <a:picLocks noChangeAspect="1"/>
+            <a:picLocks noChangeAspect="1" noChangeArrowheads="1"/>
           </p:cNvPicPr>
           <p:nvPr/>
         </p:nvPicPr>
         <p:blipFill>
-          <a:blip r:embed="rId2"/>
+          <a:blip r:embed="rId2">
+            <a:extLst>
+              <a:ext uri="{28A0092B-C50C-407E-A947-70E740481C1C}">
+                <a14:useLocalDpi xmlns:a14="http://schemas.microsoft.com/office/drawing/2010/main" val="0"/>
+              </a:ext>
+            </a:extLst>
+          </a:blip>
+          <a:srcRect/>
           <a:stretch>
             <a:fillRect/>
           </a:stretch>
         </p:blipFill>
-        <p:spPr>
+        <p:spPr bwMode="auto">
           <a:xfrm>
-            <a:off x="6528998" y="2852936"/>
-            <a:ext cx="2448272" cy="2378321"/>
+            <a:off x="1169296" y="2780928"/>
+            <a:ext cx="6969149" cy="3430129"/>
           </a:xfrm>
           <a:prstGeom prst="rect">
             <a:avLst/>
           </a:prstGeom>
+          <a:noFill/>
+          <a:extLst>
+            <a:ext uri="{909E8E84-426E-40DD-AFC4-6F175D3DCCD1}">
+              <a14:hiddenFill xmlns:a14="http://schemas.microsoft.com/office/drawing/2010/main">
+                <a:solidFill>
+                  <a:srgbClr val="FFFFFF"/>
+                </a:solidFill>
+              </a14:hiddenFill>
+            </a:ext>
+          </a:extLst>
         </p:spPr>
       </p:pic>
     </p:spTree>
     <p:extLst>
       <p:ext uri="{BB962C8B-B14F-4D97-AF65-F5344CB8AC3E}">
-        <p14:creationId xmlns:p14="http://schemas.microsoft.com/office/powerpoint/2010/main" val="70697007"/>
+        <p14:creationId xmlns:p14="http://schemas.microsoft.com/office/powerpoint/2010/main" val="3666731918"/>
+      </p:ext>
+    </p:extLst>
+  </p:cSld>
+  <p:clrMapOvr>
+    <a:masterClrMapping/>
+  </p:clrMapOvr>
+  <p:timing>
+    <p:tnLst>
+      <p:par>
+        <p:cTn id="1" dur="indefinite" restart="never" nodeType="tmRoot"/>
+      </p:par>
+    </p:tnLst>
+  </p:timing>
+</p:sld>
+</file>
+
+<file path=ppt/slides/slide12.xml><?xml version="1.0" encoding="utf-8"?>
+<p:sld xmlns:a="http://schemas.openxmlformats.org/drawingml/2006/main" xmlns:r="http://schemas.openxmlformats.org/officeDocument/2006/relationships" xmlns:p="http://schemas.openxmlformats.org/presentationml/2006/main">
+  <p:cSld>
+    <p:spTree>
+      <p:nvGrpSpPr>
+        <p:cNvPr id="1" name=""/>
+        <p:cNvGrpSpPr/>
+        <p:nvPr/>
+      </p:nvGrpSpPr>
+      <p:grpSpPr>
+        <a:xfrm>
+          <a:off x="0" y="0"/>
+          <a:ext cx="0" cy="0"/>
+          <a:chOff x="0" y="0"/>
+          <a:chExt cx="0" cy="0"/>
+        </a:xfrm>
+      </p:grpSpPr>
+      <p:sp>
+        <p:nvSpPr>
+          <p:cNvPr id="2" name="Titre 1"/>
+          <p:cNvSpPr>
+            <a:spLocks noGrp="1"/>
+          </p:cNvSpPr>
+          <p:nvPr>
+            <p:ph type="title"/>
+          </p:nvPr>
+        </p:nvSpPr>
+        <p:spPr/>
+        <p:txBody>
+          <a:bodyPr/>
+          <a:lstStyle/>
+          <a:p>
+            <a:r>
+              <a:rPr lang="fr-FR" dirty="0" smtClean="0"/>
+              <a:t>MNIST</a:t>
+            </a:r>
+            <a:endParaRPr lang="fr-FR" dirty="0"/>
+          </a:p>
+        </p:txBody>
+      </p:sp>
+      <p:sp>
+        <p:nvSpPr>
+          <p:cNvPr id="3" name="Espace réservé du contenu 2"/>
+          <p:cNvSpPr>
+            <a:spLocks noGrp="1"/>
+          </p:cNvSpPr>
+          <p:nvPr>
+            <p:ph idx="1"/>
+          </p:nvPr>
+        </p:nvSpPr>
+        <p:spPr/>
+        <p:txBody>
+          <a:bodyPr/>
+          <a:lstStyle/>
+          <a:p>
+            <a:r>
+              <a:rPr lang="fr-FR" dirty="0" smtClean="0"/>
+              <a:t>Chargement des données</a:t>
+            </a:r>
+          </a:p>
+          <a:p>
+            <a:pPr lvl="1"/>
+            <a:r>
+              <a:rPr lang="fr-FR" dirty="0" err="1">
+                <a:latin typeface="Courier New" panose="02070309020205020404" pitchFamily="49" charset="0"/>
+                <a:cs typeface="Courier New" panose="02070309020205020404" pitchFamily="49" charset="0"/>
+              </a:rPr>
+              <a:t>mnist</a:t>
+            </a:r>
+            <a:r>
+              <a:rPr lang="fr-FR" dirty="0">
+                <a:latin typeface="Courier New" panose="02070309020205020404" pitchFamily="49" charset="0"/>
+                <a:cs typeface="Courier New" panose="02070309020205020404" pitchFamily="49" charset="0"/>
+              </a:rPr>
+              <a:t> = </a:t>
+            </a:r>
+            <a:r>
+              <a:rPr lang="fr-FR" dirty="0" err="1">
+                <a:latin typeface="Courier New" panose="02070309020205020404" pitchFamily="49" charset="0"/>
+                <a:cs typeface="Courier New" panose="02070309020205020404" pitchFamily="49" charset="0"/>
+              </a:rPr>
+              <a:t>ds.fetch_mldata</a:t>
+            </a:r>
+            <a:r>
+              <a:rPr lang="fr-FR" dirty="0">
+                <a:latin typeface="Courier New" panose="02070309020205020404" pitchFamily="49" charset="0"/>
+                <a:cs typeface="Courier New" panose="02070309020205020404" pitchFamily="49" charset="0"/>
+              </a:rPr>
+              <a:t>('MNIST original',</a:t>
+            </a:r>
+            <a:r>
+              <a:rPr lang="fr-FR" dirty="0" err="1">
+                <a:latin typeface="Courier New" panose="02070309020205020404" pitchFamily="49" charset="0"/>
+                <a:cs typeface="Courier New" panose="02070309020205020404" pitchFamily="49" charset="0"/>
+              </a:rPr>
+              <a:t>data_home</a:t>
+            </a:r>
+            <a:r>
+              <a:rPr lang="fr-FR" dirty="0">
+                <a:latin typeface="Courier New" panose="02070309020205020404" pitchFamily="49" charset="0"/>
+                <a:cs typeface="Courier New" panose="02070309020205020404" pitchFamily="49" charset="0"/>
+              </a:rPr>
+              <a:t>='./</a:t>
+            </a:r>
+            <a:r>
+              <a:rPr lang="fr-FR" dirty="0" err="1">
+                <a:latin typeface="Courier New" panose="02070309020205020404" pitchFamily="49" charset="0"/>
+                <a:cs typeface="Courier New" panose="02070309020205020404" pitchFamily="49" charset="0"/>
+              </a:rPr>
+              <a:t>mnist</a:t>
+            </a:r>
+            <a:r>
+              <a:rPr lang="fr-FR" dirty="0" smtClean="0">
+                <a:latin typeface="Courier New" panose="02070309020205020404" pitchFamily="49" charset="0"/>
+                <a:cs typeface="Courier New" panose="02070309020205020404" pitchFamily="49" charset="0"/>
+              </a:rPr>
+              <a:t>/')</a:t>
+            </a:r>
+          </a:p>
+          <a:p>
+            <a:pPr lvl="1"/>
+            <a:r>
+              <a:rPr lang="fr-FR" dirty="0" err="1" smtClean="0">
+                <a:latin typeface="Courier New" panose="02070309020205020404" pitchFamily="49" charset="0"/>
+                <a:cs typeface="Courier New" panose="02070309020205020404" pitchFamily="49" charset="0"/>
+              </a:rPr>
+              <a:t>mnist.data</a:t>
+            </a:r>
+            <a:r>
+              <a:rPr lang="fr-FR" dirty="0" smtClean="0">
+                <a:latin typeface="Courier New" panose="02070309020205020404" pitchFamily="49" charset="0"/>
+                <a:cs typeface="Courier New" panose="02070309020205020404" pitchFamily="49" charset="0"/>
+              </a:rPr>
+              <a:t> contient les images (70000)</a:t>
+            </a:r>
+          </a:p>
+          <a:p>
+            <a:pPr lvl="1"/>
+            <a:r>
+              <a:rPr lang="fr-FR" dirty="0" err="1">
+                <a:latin typeface="Courier New" panose="02070309020205020404" pitchFamily="49" charset="0"/>
+                <a:cs typeface="Courier New" panose="02070309020205020404" pitchFamily="49" charset="0"/>
+              </a:rPr>
+              <a:t>m</a:t>
+            </a:r>
+            <a:r>
+              <a:rPr lang="fr-FR" dirty="0" err="1" smtClean="0">
+                <a:latin typeface="Courier New" panose="02070309020205020404" pitchFamily="49" charset="0"/>
+                <a:cs typeface="Courier New" panose="02070309020205020404" pitchFamily="49" charset="0"/>
+              </a:rPr>
+              <a:t>nist.target</a:t>
+            </a:r>
+            <a:r>
+              <a:rPr lang="fr-FR" dirty="0" smtClean="0">
+                <a:latin typeface="Courier New" panose="02070309020205020404" pitchFamily="49" charset="0"/>
+                <a:cs typeface="Courier New" panose="02070309020205020404" pitchFamily="49" charset="0"/>
+              </a:rPr>
+              <a:t> contient les chiffres</a:t>
+            </a:r>
+          </a:p>
+          <a:p>
+            <a:pPr lvl="1"/>
+            <a:endParaRPr lang="fr-FR" dirty="0"/>
+          </a:p>
+        </p:txBody>
+      </p:sp>
+    </p:spTree>
+    <p:extLst>
+      <p:ext uri="{BB962C8B-B14F-4D97-AF65-F5344CB8AC3E}">
+        <p14:creationId xmlns:p14="http://schemas.microsoft.com/office/powerpoint/2010/main" val="3227662392"/>
       </p:ext>
     </p:extLst>
   </p:cSld>
@@ -5321,6 +5364,13 @@
   <p:clrMapOvr>
     <a:masterClrMapping/>
   </p:clrMapOvr>
+  <p:timing>
+    <p:tnLst>
+      <p:par>
+        <p:cTn id="1" dur="indefinite" restart="never" nodeType="tmRoot"/>
+      </p:par>
+    </p:tnLst>
+  </p:timing>
 </p:sld>
 </file>
 
@@ -5586,105 +5636,6 @@
             </a:r>
           </a:p>
           <a:p>
-            <a:r>
-              <a:rPr lang="fr-FR" dirty="0" smtClean="0"/>
-              <a:t>Remplacer les champs nuls</a:t>
-            </a:r>
-          </a:p>
-          <a:p>
-            <a:pPr lvl="1"/>
-            <a:r>
-              <a:rPr lang="fr-FR" dirty="0" err="1" smtClean="0"/>
-              <a:t>dataframe.codePostal</a:t>
-            </a:r>
-            <a:r>
-              <a:rPr lang="fr-FR" dirty="0" smtClean="0"/>
-              <a:t> </a:t>
-            </a:r>
-            <a:r>
-              <a:rPr lang="fr-FR" dirty="0"/>
-              <a:t>= </a:t>
-            </a:r>
-            <a:r>
-              <a:rPr lang="fr-FR" dirty="0" err="1" smtClean="0"/>
-              <a:t>dataframe.codePostal.fillna</a:t>
-            </a:r>
-            <a:r>
-              <a:rPr lang="fr-FR" dirty="0"/>
-              <a:t>('38000</a:t>
-            </a:r>
-            <a:r>
-              <a:rPr lang="fr-FR" dirty="0" smtClean="0"/>
-              <a:t>')</a:t>
-            </a:r>
-          </a:p>
-          <a:p>
-            <a:r>
-              <a:rPr lang="fr-FR" dirty="0" smtClean="0"/>
-              <a:t>Changement de valeurs</a:t>
-            </a:r>
-          </a:p>
-          <a:p>
-            <a:pPr lvl="1"/>
-            <a:r>
-              <a:rPr lang="fr-FR" dirty="0" err="1" smtClean="0"/>
-              <a:t>dataframe.surface</a:t>
-            </a:r>
-            <a:r>
-              <a:rPr lang="fr-FR" dirty="0" smtClean="0"/>
-              <a:t> </a:t>
-            </a:r>
-            <a:r>
-              <a:rPr lang="fr-FR" dirty="0"/>
-              <a:t>= </a:t>
-            </a:r>
-            <a:r>
-              <a:rPr lang="fr-FR" dirty="0" err="1" smtClean="0"/>
-              <a:t>dataframe</a:t>
-            </a:r>
-            <a:r>
-              <a:rPr lang="fr-FR" dirty="0" smtClean="0"/>
-              <a:t>[‘surface'].</a:t>
-            </a:r>
-            <a:r>
-              <a:rPr lang="fr-FR" dirty="0"/>
-              <a:t>replace(',', '.',</a:t>
-            </a:r>
-            <a:r>
-              <a:rPr lang="fr-FR" dirty="0" err="1"/>
-              <a:t>regex</a:t>
-            </a:r>
-            <a:r>
-              <a:rPr lang="fr-FR" dirty="0"/>
-              <a:t>=</a:t>
-            </a:r>
-            <a:r>
-              <a:rPr lang="fr-FR" dirty="0" err="1"/>
-              <a:t>True</a:t>
-            </a:r>
-            <a:r>
-              <a:rPr lang="fr-FR" dirty="0"/>
-              <a:t>).</a:t>
-            </a:r>
-            <a:r>
-              <a:rPr lang="fr-FR" dirty="0" err="1"/>
-              <a:t>astype</a:t>
-            </a:r>
-            <a:r>
-              <a:rPr lang="fr-FR" dirty="0"/>
-              <a:t>(</a:t>
-            </a:r>
-            <a:r>
-              <a:rPr lang="fr-FR" dirty="0" err="1"/>
-              <a:t>float</a:t>
-            </a:r>
-            <a:r>
-              <a:rPr lang="fr-FR" dirty="0" smtClean="0"/>
-              <a:t>)</a:t>
-            </a:r>
-            <a:endParaRPr lang="fr-FR" dirty="0"/>
-          </a:p>
-          <a:p>
             <a:endParaRPr lang="fr-FR" dirty="0" smtClean="0"/>
           </a:p>
         </p:txBody>
@@ -5743,7 +5694,7 @@
           <a:p>
             <a:r>
               <a:rPr lang="fr-FR" dirty="0" smtClean="0"/>
-              <a:t>MNIST</a:t>
+              <a:t>Structure de la base</a:t>
             </a:r>
             <a:endParaRPr lang="fr-FR" dirty="0"/>
           </a:p>
@@ -5765,68 +5716,204 @@
           <a:lstStyle/>
           <a:p>
             <a:r>
-              <a:rPr lang="fr-FR" dirty="0" smtClean="0"/>
-              <a:t>Banque de données</a:t>
-            </a:r>
+              <a:rPr lang="fr-FR" sz="2000" dirty="0" err="1" smtClean="0"/>
+              <a:t>Wdbc.data</a:t>
+            </a:r>
+            <a:endParaRPr lang="fr-FR" sz="2000" dirty="0" smtClean="0"/>
           </a:p>
           <a:p>
             <a:pPr lvl="1"/>
             <a:r>
-              <a:rPr lang="fr-FR" dirty="0" smtClean="0"/>
-              <a:t>Ici des chiffres manuscrits 24x24 en 16 niveaux de gris</a:t>
+              <a:rPr lang="fr-FR" sz="1800" dirty="0" smtClean="0"/>
+              <a:t>Id</a:t>
             </a:r>
           </a:p>
           <a:p>
             <a:pPr lvl="1"/>
-            <a:endParaRPr lang="fr-FR" dirty="0"/>
+            <a:r>
+              <a:rPr lang="fr-FR" sz="1800" dirty="0" smtClean="0"/>
+              <a:t>Diagnostique M = Maligne, B = </a:t>
+            </a:r>
+            <a:r>
+              <a:rPr lang="fr-FR" sz="1800" dirty="0" err="1" smtClean="0"/>
+              <a:t>Benigne</a:t>
+            </a:r>
+            <a:endParaRPr lang="fr-FR" sz="1800" dirty="0" smtClean="0"/>
+          </a:p>
+          <a:p>
+            <a:r>
+              <a:rPr lang="fr-FR" sz="2000" dirty="0" smtClean="0"/>
+              <a:t>Les données biologique sont interprétés depuis l’image de la tumeur</a:t>
+            </a:r>
+          </a:p>
+          <a:p>
+            <a:pPr lvl="1"/>
+            <a:r>
+              <a:rPr lang="fr-FR" sz="1800" dirty="0" smtClean="0"/>
+              <a:t>Rayon</a:t>
+            </a:r>
+          </a:p>
+          <a:p>
+            <a:pPr lvl="1"/>
+            <a:r>
+              <a:rPr lang="fr-FR" sz="1800" dirty="0" smtClean="0"/>
+              <a:t>Texture (</a:t>
+            </a:r>
+            <a:r>
+              <a:rPr lang="en-US" sz="1800" dirty="0"/>
+              <a:t>standard deviation of gray-scale </a:t>
+            </a:r>
+            <a:r>
+              <a:rPr lang="en-US" sz="1800" dirty="0" smtClean="0"/>
+              <a:t>values)</a:t>
+            </a:r>
+          </a:p>
+          <a:p>
+            <a:pPr lvl="1"/>
+            <a:r>
+              <a:rPr lang="en-US" sz="1800" dirty="0" err="1" smtClean="0"/>
+              <a:t>Périmetre</a:t>
+            </a:r>
+            <a:endParaRPr lang="en-US" sz="1800" dirty="0" smtClean="0"/>
+          </a:p>
+          <a:p>
+            <a:pPr lvl="1"/>
+            <a:r>
+              <a:rPr lang="en-US" sz="1800" dirty="0" err="1" smtClean="0"/>
+              <a:t>Superficie</a:t>
+            </a:r>
+            <a:endParaRPr lang="en-US" sz="1800" dirty="0" smtClean="0"/>
+          </a:p>
+          <a:p>
+            <a:pPr lvl="1"/>
+            <a:r>
+              <a:rPr lang="en-US" sz="1800" dirty="0" smtClean="0"/>
+              <a:t>Smoothness (variation du rayon)</a:t>
+            </a:r>
+          </a:p>
+          <a:p>
+            <a:pPr lvl="1"/>
+            <a:r>
+              <a:rPr lang="en-US" sz="1800" dirty="0" err="1" smtClean="0"/>
+              <a:t>Compacité</a:t>
+            </a:r>
+            <a:r>
+              <a:rPr lang="en-US" sz="1800" dirty="0" smtClean="0"/>
+              <a:t> (perimeter**2 / </a:t>
+            </a:r>
+            <a:r>
+              <a:rPr lang="en-US" sz="1800" dirty="0" err="1" smtClean="0"/>
+              <a:t>superficie</a:t>
+            </a:r>
+            <a:r>
+              <a:rPr lang="en-US" sz="1800" dirty="0" smtClean="0"/>
+              <a:t> – 1)</a:t>
+            </a:r>
+          </a:p>
+          <a:p>
+            <a:pPr lvl="1"/>
+            <a:r>
+              <a:rPr lang="en-US" sz="1800" dirty="0" err="1" smtClean="0"/>
+              <a:t>Concavité</a:t>
+            </a:r>
+            <a:r>
+              <a:rPr lang="en-US" sz="1800" dirty="0" smtClean="0"/>
+              <a:t> (</a:t>
+            </a:r>
+            <a:r>
+              <a:rPr lang="en-US" sz="1800" dirty="0"/>
+              <a:t>severity of concave portions of the </a:t>
+            </a:r>
+            <a:r>
+              <a:rPr lang="en-US" sz="1800" dirty="0" smtClean="0"/>
+              <a:t>contour)</a:t>
+            </a:r>
+          </a:p>
+          <a:p>
+            <a:pPr lvl="1"/>
+            <a:r>
+              <a:rPr lang="en-US" sz="1800" dirty="0" smtClean="0"/>
+              <a:t>Points concaves (</a:t>
+            </a:r>
+            <a:r>
+              <a:rPr lang="en-US" sz="1800" dirty="0" err="1" smtClean="0"/>
+              <a:t>nombre</a:t>
+            </a:r>
+            <a:r>
+              <a:rPr lang="en-US" sz="1800" dirty="0" smtClean="0"/>
+              <a:t> de portion concave)</a:t>
+            </a:r>
+          </a:p>
+          <a:p>
+            <a:pPr lvl="1"/>
+            <a:r>
+              <a:rPr lang="en-US" sz="1800" dirty="0" err="1" smtClean="0"/>
+              <a:t>Symetrie</a:t>
+            </a:r>
+            <a:endParaRPr lang="en-US" sz="1800" dirty="0" smtClean="0"/>
+          </a:p>
+          <a:p>
+            <a:pPr lvl="1"/>
+            <a:r>
+              <a:rPr lang="en-US" sz="1800" dirty="0" smtClean="0"/>
+              <a:t>Dimension </a:t>
+            </a:r>
+            <a:r>
+              <a:rPr lang="en-US" sz="1800" dirty="0" err="1" smtClean="0"/>
+              <a:t>Fractale</a:t>
+            </a:r>
+            <a:r>
+              <a:rPr lang="en-US" sz="1800" dirty="0" smtClean="0"/>
+              <a:t> (</a:t>
+            </a:r>
+            <a:r>
+              <a:rPr lang="fr-FR" sz="1800" dirty="0"/>
+              <a:t>"</a:t>
+            </a:r>
+            <a:r>
+              <a:rPr lang="fr-FR" sz="1800" dirty="0" err="1"/>
+              <a:t>coastline</a:t>
+            </a:r>
+            <a:r>
+              <a:rPr lang="fr-FR" sz="1800" dirty="0"/>
+              <a:t> approximation" </a:t>
+            </a:r>
+            <a:r>
+              <a:rPr lang="fr-FR" sz="1800" dirty="0" smtClean="0"/>
+              <a:t>– 1)</a:t>
+            </a:r>
+            <a:endParaRPr lang="en-US" sz="1800" dirty="0" smtClean="0"/>
           </a:p>
         </p:txBody>
       </p:sp>
       <p:pic>
         <p:nvPicPr>
-          <p:cNvPr id="4098" name="Picture 2" descr="Résultat de recherche d'images pour &quot;mnist&quot;"/>
+          <p:cNvPr id="4" name="Image 3"/>
           <p:cNvPicPr>
-            <a:picLocks noChangeAspect="1" noChangeArrowheads="1"/>
+            <a:picLocks noChangeAspect="1"/>
           </p:cNvPicPr>
           <p:nvPr/>
         </p:nvPicPr>
         <p:blipFill>
-          <a:blip r:embed="rId2">
-            <a:extLst>
-              <a:ext uri="{28A0092B-C50C-407E-A947-70E740481C1C}">
-                <a14:useLocalDpi xmlns:a14="http://schemas.microsoft.com/office/drawing/2010/main" val="0"/>
-              </a:ext>
-            </a:extLst>
-          </a:blip>
-          <a:srcRect/>
+          <a:blip r:embed="rId2"/>
           <a:stretch>
             <a:fillRect/>
           </a:stretch>
         </p:blipFill>
-        <p:spPr bwMode="auto">
+        <p:spPr>
           <a:xfrm>
-            <a:off x="1169296" y="2780928"/>
-            <a:ext cx="6969149" cy="3430129"/>
+            <a:off x="6528998" y="2852936"/>
+            <a:ext cx="2448272" cy="2378321"/>
           </a:xfrm>
           <a:prstGeom prst="rect">
             <a:avLst/>
           </a:prstGeom>
-          <a:noFill/>
-          <a:extLst>
-            <a:ext uri="{909E8E84-426E-40DD-AFC4-6F175D3DCCD1}">
-              <a14:hiddenFill xmlns:a14="http://schemas.microsoft.com/office/drawing/2010/main">
-                <a:solidFill>
-                  <a:srgbClr val="FFFFFF"/>
-                </a:solidFill>
-              </a14:hiddenFill>
-            </a:ext>
-          </a:extLst>
         </p:spPr>
       </p:pic>
     </p:spTree>
     <p:extLst>
       <p:ext uri="{BB962C8B-B14F-4D97-AF65-F5344CB8AC3E}">
-        <p14:creationId xmlns:p14="http://schemas.microsoft.com/office/powerpoint/2010/main" val="3666731918"/>
+        <p14:creationId xmlns:p14="http://schemas.microsoft.com/office/powerpoint/2010/main" val="70697007"/>
       </p:ext>
     </p:extLst>
   </p:cSld>

--- a/ppt/PythonMath11-Pandas.pptx
+++ b/ppt/PythonMath11-Pandas.pptx
@@ -3896,6 +3896,31 @@
               <a:rPr lang="fr-FR" dirty="0" smtClean="0"/>
               <a:t>')</a:t>
             </a:r>
+          </a:p>
+          <a:p>
+            <a:r>
+              <a:rPr lang="fr-FR" dirty="0" smtClean="0"/>
+              <a:t>Effacer les lignes nuls</a:t>
+            </a:r>
+          </a:p>
+          <a:p>
+            <a:pPr lvl="1"/>
+            <a:r>
+              <a:rPr lang="fr-FR" dirty="0" err="1" smtClean="0"/>
+              <a:t>Dropna</a:t>
+            </a:r>
+            <a:r>
+              <a:rPr lang="fr-FR" dirty="0" smtClean="0"/>
+              <a:t>()</a:t>
+            </a:r>
+          </a:p>
+          <a:p>
+            <a:pPr lvl="1"/>
+            <a:r>
+              <a:rPr lang="fr-FR" dirty="0" smtClean="0"/>
+              <a:t>Par défaut</a:t>
+            </a:r>
+            <a:endParaRPr lang="fr-FR" dirty="0" smtClean="0"/>
           </a:p>
           <a:p>
             <a:r>

--- a/ppt/PythonMath11-Pandas.pptx
+++ b/ppt/PythonMath11-Pandas.pptx
@@ -3863,11 +3863,7 @@
           <a:p>
             <a:r>
               <a:rPr lang="fr-FR" dirty="0" smtClean="0"/>
-              <a:t>Remplacer </a:t>
-            </a:r>
-            <a:r>
-              <a:rPr lang="fr-FR" dirty="0" smtClean="0"/>
-              <a:t>les champs nuls</a:t>
+              <a:t>Remplacer les champs nuls</a:t>
             </a:r>
           </a:p>
           <a:p>
@@ -3906,8 +3902,12 @@
           <a:p>
             <a:pPr lvl="1"/>
             <a:r>
+              <a:rPr lang="fr-FR" dirty="0" err="1"/>
+              <a:t>d</a:t>
+            </a:r>
+            <a:r>
               <a:rPr lang="fr-FR" dirty="0" err="1" smtClean="0"/>
-              <a:t>Dropna</a:t>
+              <a:t>ropna</a:t>
             </a:r>
             <a:r>
               <a:rPr lang="fr-FR" dirty="0" smtClean="0"/>
@@ -3915,17 +3915,13 @@
             </a:r>
           </a:p>
           <a:p>
-            <a:pPr lvl="1"/>
+            <a:r>
+              <a:rPr lang="fr-FR" smtClean="0"/>
+              <a:t>Changement </a:t>
+            </a:r>
             <a:r>
               <a:rPr lang="fr-FR" dirty="0" smtClean="0"/>
-              <a:t>Par défaut</a:t>
-            </a:r>
-            <a:endParaRPr lang="fr-FR" dirty="0" smtClean="0"/>
-          </a:p>
-          <a:p>
-            <a:r>
-              <a:rPr lang="fr-FR" dirty="0" smtClean="0"/>
-              <a:t>Changement de valeurs</a:t>
+              <a:t>de valeurs</a:t>
             </a:r>
           </a:p>
           <a:p>

--- a/ppt/PythonMath11-Pandas.pptx
+++ b/ppt/PythonMath11-Pandas.pptx
@@ -19,8 +19,8 @@
     <p:sldId id="280" r:id="rId7"/>
     <p:sldId id="281" r:id="rId8"/>
     <p:sldId id="276" r:id="rId9"/>
-    <p:sldId id="277" r:id="rId10"/>
-    <p:sldId id="282" r:id="rId11"/>
+    <p:sldId id="282" r:id="rId10"/>
+    <p:sldId id="283" r:id="rId11"/>
     <p:sldId id="278" r:id="rId12"/>
     <p:sldId id="279" r:id="rId13"/>
   </p:sldIdLst>
@@ -3840,7 +3840,7 @@
           <a:p>
             <a:r>
               <a:rPr lang="fr-FR" dirty="0" smtClean="0"/>
-              <a:t>Filtrage</a:t>
+              <a:t>Structure de la base</a:t>
             </a:r>
             <a:endParaRPr lang="fr-FR" dirty="0"/>
           </a:p>
@@ -3862,137 +3862,204 @@
           <a:lstStyle/>
           <a:p>
             <a:r>
-              <a:rPr lang="fr-FR" dirty="0" smtClean="0"/>
-              <a:t>Remplacer les champs nuls</a:t>
-            </a:r>
+              <a:rPr lang="fr-FR" sz="2000" dirty="0" err="1" smtClean="0"/>
+              <a:t>Wdbc.data</a:t>
+            </a:r>
+            <a:endParaRPr lang="fr-FR" sz="2000" dirty="0" smtClean="0"/>
           </a:p>
           <a:p>
             <a:pPr lvl="1"/>
             <a:r>
-              <a:rPr lang="fr-FR" dirty="0" err="1" smtClean="0"/>
-              <a:t>dataframe.codePostal</a:t>
-            </a:r>
-            <a:r>
-              <a:rPr lang="fr-FR" dirty="0" smtClean="0"/>
-              <a:t> </a:t>
-            </a:r>
-            <a:r>
-              <a:rPr lang="fr-FR" dirty="0"/>
-              <a:t>= </a:t>
-            </a:r>
-            <a:r>
-              <a:rPr lang="fr-FR" dirty="0" err="1" smtClean="0"/>
-              <a:t>dataframe.codePostal.fillna</a:t>
-            </a:r>
-            <a:r>
-              <a:rPr lang="fr-FR" dirty="0"/>
-              <a:t>('38000</a:t>
-            </a:r>
-            <a:r>
-              <a:rPr lang="fr-FR" dirty="0" smtClean="0"/>
-              <a:t>')</a:t>
-            </a:r>
-          </a:p>
-          <a:p>
-            <a:r>
-              <a:rPr lang="fr-FR" dirty="0" smtClean="0"/>
-              <a:t>Effacer les lignes nuls</a:t>
+              <a:rPr lang="fr-FR" sz="1800" dirty="0" smtClean="0"/>
+              <a:t>Id</a:t>
             </a:r>
           </a:p>
           <a:p>
             <a:pPr lvl="1"/>
             <a:r>
-              <a:rPr lang="fr-FR" dirty="0" err="1"/>
-              <a:t>d</a:t>
-            </a:r>
-            <a:r>
-              <a:rPr lang="fr-FR" dirty="0" err="1" smtClean="0"/>
-              <a:t>ropna</a:t>
-            </a:r>
-            <a:r>
-              <a:rPr lang="fr-FR" dirty="0" smtClean="0"/>
-              <a:t>()</a:t>
-            </a:r>
-          </a:p>
-          <a:p>
-            <a:r>
-              <a:rPr lang="fr-FR" smtClean="0"/>
-              <a:t>Changement </a:t>
-            </a:r>
-            <a:r>
-              <a:rPr lang="fr-FR" dirty="0" smtClean="0"/>
-              <a:t>de valeurs</a:t>
+              <a:rPr lang="fr-FR" sz="1800" dirty="0" smtClean="0"/>
+              <a:t>Diagnostique M = Maligne, B = </a:t>
+            </a:r>
+            <a:r>
+              <a:rPr lang="fr-FR" sz="1800" dirty="0" err="1" smtClean="0"/>
+              <a:t>Benigne</a:t>
+            </a:r>
+            <a:endParaRPr lang="fr-FR" sz="1800" dirty="0" smtClean="0"/>
+          </a:p>
+          <a:p>
+            <a:r>
+              <a:rPr lang="fr-FR" sz="2000" dirty="0" smtClean="0"/>
+              <a:t>Les données biologique sont interprétés depuis l’image de la tumeur</a:t>
             </a:r>
           </a:p>
           <a:p>
             <a:pPr lvl="1"/>
             <a:r>
-              <a:rPr lang="fr-FR" dirty="0" err="1" smtClean="0"/>
-              <a:t>dataframe.surface</a:t>
-            </a:r>
-            <a:r>
-              <a:rPr lang="fr-FR" dirty="0" smtClean="0"/>
-              <a:t> </a:t>
-            </a:r>
-            <a:r>
-              <a:rPr lang="fr-FR" dirty="0"/>
-              <a:t>= </a:t>
-            </a:r>
-            <a:r>
-              <a:rPr lang="fr-FR" dirty="0" err="1" smtClean="0"/>
-              <a:t>dataframe</a:t>
-            </a:r>
-            <a:r>
-              <a:rPr lang="fr-FR" dirty="0" smtClean="0"/>
-              <a:t>[‘surface'].</a:t>
-            </a:r>
-            <a:r>
-              <a:rPr lang="fr-FR" dirty="0"/>
-              <a:t>replace(',', '.',</a:t>
-            </a:r>
-            <a:r>
-              <a:rPr lang="fr-FR" dirty="0" err="1"/>
-              <a:t>regex</a:t>
-            </a:r>
-            <a:r>
-              <a:rPr lang="fr-FR" dirty="0"/>
-              <a:t>=</a:t>
-            </a:r>
-            <a:r>
-              <a:rPr lang="fr-FR" dirty="0" err="1"/>
-              <a:t>True</a:t>
-            </a:r>
-            <a:r>
-              <a:rPr lang="fr-FR" dirty="0"/>
-              <a:t>).</a:t>
-            </a:r>
-            <a:r>
-              <a:rPr lang="fr-FR" dirty="0" err="1"/>
-              <a:t>astype</a:t>
-            </a:r>
-            <a:r>
-              <a:rPr lang="fr-FR" dirty="0"/>
-              <a:t>(</a:t>
-            </a:r>
-            <a:r>
-              <a:rPr lang="fr-FR" dirty="0" err="1"/>
-              <a:t>float</a:t>
-            </a:r>
-            <a:r>
-              <a:rPr lang="fr-FR" dirty="0" smtClean="0"/>
-              <a:t>)</a:t>
-            </a:r>
-            <a:endParaRPr lang="fr-FR" dirty="0"/>
-          </a:p>
-          <a:p>
-            <a:endParaRPr lang="fr-FR" dirty="0" smtClean="0"/>
+              <a:rPr lang="fr-FR" sz="1800" dirty="0" smtClean="0"/>
+              <a:t>Rayon</a:t>
+            </a:r>
+          </a:p>
+          <a:p>
+            <a:pPr lvl="1"/>
+            <a:r>
+              <a:rPr lang="fr-FR" sz="1800" dirty="0" smtClean="0"/>
+              <a:t>Texture (</a:t>
+            </a:r>
+            <a:r>
+              <a:rPr lang="en-US" sz="1800" dirty="0"/>
+              <a:t>standard deviation of gray-scale </a:t>
+            </a:r>
+            <a:r>
+              <a:rPr lang="en-US" sz="1800" dirty="0" smtClean="0"/>
+              <a:t>values)</a:t>
+            </a:r>
+          </a:p>
+          <a:p>
+            <a:pPr lvl="1"/>
+            <a:r>
+              <a:rPr lang="en-US" sz="1800" dirty="0" err="1" smtClean="0"/>
+              <a:t>Périmetre</a:t>
+            </a:r>
+            <a:endParaRPr lang="en-US" sz="1800" dirty="0" smtClean="0"/>
+          </a:p>
+          <a:p>
+            <a:pPr lvl="1"/>
+            <a:r>
+              <a:rPr lang="en-US" sz="1800" dirty="0" err="1" smtClean="0"/>
+              <a:t>Superficie</a:t>
+            </a:r>
+            <a:endParaRPr lang="en-US" sz="1800" dirty="0" smtClean="0"/>
+          </a:p>
+          <a:p>
+            <a:pPr lvl="1"/>
+            <a:r>
+              <a:rPr lang="en-US" sz="1800" dirty="0" smtClean="0"/>
+              <a:t>Smoothness (variation du rayon)</a:t>
+            </a:r>
+          </a:p>
+          <a:p>
+            <a:pPr lvl="1"/>
+            <a:r>
+              <a:rPr lang="en-US" sz="1800" dirty="0" err="1" smtClean="0"/>
+              <a:t>Compacité</a:t>
+            </a:r>
+            <a:r>
+              <a:rPr lang="en-US" sz="1800" dirty="0" smtClean="0"/>
+              <a:t> (perimeter**2 / </a:t>
+            </a:r>
+            <a:r>
+              <a:rPr lang="en-US" sz="1800" dirty="0" err="1" smtClean="0"/>
+              <a:t>superficie</a:t>
+            </a:r>
+            <a:r>
+              <a:rPr lang="en-US" sz="1800" dirty="0" smtClean="0"/>
+              <a:t> – 1)</a:t>
+            </a:r>
+          </a:p>
+          <a:p>
+            <a:pPr lvl="1"/>
+            <a:r>
+              <a:rPr lang="en-US" sz="1800" dirty="0" err="1" smtClean="0"/>
+              <a:t>Concavité</a:t>
+            </a:r>
+            <a:r>
+              <a:rPr lang="en-US" sz="1800" dirty="0" smtClean="0"/>
+              <a:t> (</a:t>
+            </a:r>
+            <a:r>
+              <a:rPr lang="en-US" sz="1800" dirty="0"/>
+              <a:t>severity of concave portions of the </a:t>
+            </a:r>
+            <a:r>
+              <a:rPr lang="en-US" sz="1800" dirty="0" smtClean="0"/>
+              <a:t>contour)</a:t>
+            </a:r>
+          </a:p>
+          <a:p>
+            <a:pPr lvl="1"/>
+            <a:r>
+              <a:rPr lang="en-US" sz="1800" dirty="0" smtClean="0"/>
+              <a:t>Points concaves (</a:t>
+            </a:r>
+            <a:r>
+              <a:rPr lang="en-US" sz="1800" dirty="0" err="1" smtClean="0"/>
+              <a:t>nombre</a:t>
+            </a:r>
+            <a:r>
+              <a:rPr lang="en-US" sz="1800" dirty="0" smtClean="0"/>
+              <a:t> de portion concave)</a:t>
+            </a:r>
+          </a:p>
+          <a:p>
+            <a:pPr lvl="1"/>
+            <a:r>
+              <a:rPr lang="en-US" sz="1800" dirty="0" err="1" smtClean="0"/>
+              <a:t>Symetrie</a:t>
+            </a:r>
+            <a:endParaRPr lang="en-US" sz="1800" dirty="0" smtClean="0"/>
+          </a:p>
+          <a:p>
+            <a:pPr lvl="1"/>
+            <a:r>
+              <a:rPr lang="en-US" sz="1800" dirty="0" smtClean="0"/>
+              <a:t>Dimension </a:t>
+            </a:r>
+            <a:r>
+              <a:rPr lang="en-US" sz="1800" dirty="0" err="1" smtClean="0"/>
+              <a:t>Fractale</a:t>
+            </a:r>
+            <a:r>
+              <a:rPr lang="en-US" sz="1800" dirty="0" smtClean="0"/>
+              <a:t> (</a:t>
+            </a:r>
+            <a:r>
+              <a:rPr lang="fr-FR" sz="1800" dirty="0"/>
+              <a:t>"</a:t>
+            </a:r>
+            <a:r>
+              <a:rPr lang="fr-FR" sz="1800" dirty="0" err="1"/>
+              <a:t>coastline</a:t>
+            </a:r>
+            <a:r>
+              <a:rPr lang="fr-FR" sz="1800" dirty="0"/>
+              <a:t> approximation" </a:t>
+            </a:r>
+            <a:r>
+              <a:rPr lang="fr-FR" sz="1800" dirty="0" smtClean="0"/>
+              <a:t>– 1)</a:t>
+            </a:r>
+            <a:endParaRPr lang="en-US" sz="1800" dirty="0" smtClean="0"/>
           </a:p>
         </p:txBody>
       </p:sp>
+      <p:pic>
+        <p:nvPicPr>
+          <p:cNvPr id="4" name="Image 3"/>
+          <p:cNvPicPr>
+            <a:picLocks noChangeAspect="1"/>
+          </p:cNvPicPr>
+          <p:nvPr/>
+        </p:nvPicPr>
+        <p:blipFill>
+          <a:blip r:embed="rId2"/>
+          <a:stretch>
+            <a:fillRect/>
+          </a:stretch>
+        </p:blipFill>
+        <p:spPr>
+          <a:xfrm>
+            <a:off x="6528998" y="2852936"/>
+            <a:ext cx="2448272" cy="2378321"/>
+          </a:xfrm>
+          <a:prstGeom prst="rect">
+            <a:avLst/>
+          </a:prstGeom>
+        </p:spPr>
+      </p:pic>
     </p:spTree>
     <p:extLst>
       <p:ext uri="{BB962C8B-B14F-4D97-AF65-F5344CB8AC3E}">
-        <p14:creationId xmlns:p14="http://schemas.microsoft.com/office/powerpoint/2010/main" val="2942252075"/>
+        <p14:creationId xmlns:p14="http://schemas.microsoft.com/office/powerpoint/2010/main" val="3101526758"/>
       </p:ext>
     </p:extLst>
   </p:cSld>
@@ -5715,7 +5782,7 @@
           <a:p>
             <a:r>
               <a:rPr lang="fr-FR" dirty="0" smtClean="0"/>
-              <a:t>Structure de la base</a:t>
+              <a:t>Filtrage</a:t>
             </a:r>
             <a:endParaRPr lang="fr-FR" dirty="0"/>
           </a:p>
@@ -5737,204 +5804,137 @@
           <a:lstStyle/>
           <a:p>
             <a:r>
-              <a:rPr lang="fr-FR" sz="2000" dirty="0" err="1" smtClean="0"/>
-              <a:t>Wdbc.data</a:t>
-            </a:r>
-            <a:endParaRPr lang="fr-FR" sz="2000" dirty="0" smtClean="0"/>
+              <a:rPr lang="fr-FR" dirty="0" smtClean="0"/>
+              <a:t>Remplacer les champs nuls</a:t>
+            </a:r>
           </a:p>
           <a:p>
             <a:pPr lvl="1"/>
             <a:r>
-              <a:rPr lang="fr-FR" sz="1800" dirty="0" smtClean="0"/>
-              <a:t>Id</a:t>
+              <a:rPr lang="fr-FR" dirty="0" err="1" smtClean="0"/>
+              <a:t>dataframe.codePostal</a:t>
+            </a:r>
+            <a:r>
+              <a:rPr lang="fr-FR" dirty="0" smtClean="0"/>
+              <a:t> </a:t>
+            </a:r>
+            <a:r>
+              <a:rPr lang="fr-FR" dirty="0"/>
+              <a:t>= </a:t>
+            </a:r>
+            <a:r>
+              <a:rPr lang="fr-FR" dirty="0" err="1" smtClean="0"/>
+              <a:t>dataframe.codePostal.fillna</a:t>
+            </a:r>
+            <a:r>
+              <a:rPr lang="fr-FR" dirty="0"/>
+              <a:t>('38000</a:t>
+            </a:r>
+            <a:r>
+              <a:rPr lang="fr-FR" dirty="0" smtClean="0"/>
+              <a:t>')</a:t>
+            </a:r>
+          </a:p>
+          <a:p>
+            <a:r>
+              <a:rPr lang="fr-FR" dirty="0" smtClean="0"/>
+              <a:t>Effacer les lignes nuls</a:t>
             </a:r>
           </a:p>
           <a:p>
             <a:pPr lvl="1"/>
             <a:r>
-              <a:rPr lang="fr-FR" sz="1800" dirty="0" smtClean="0"/>
-              <a:t>Diagnostique M = Maligne, B = </a:t>
-            </a:r>
-            <a:r>
-              <a:rPr lang="fr-FR" sz="1800" dirty="0" err="1" smtClean="0"/>
-              <a:t>Benigne</a:t>
-            </a:r>
-            <a:endParaRPr lang="fr-FR" sz="1800" dirty="0" smtClean="0"/>
-          </a:p>
-          <a:p>
-            <a:r>
-              <a:rPr lang="fr-FR" sz="2000" dirty="0" smtClean="0"/>
-              <a:t>Les données biologique sont interprétés depuis l’image de la tumeur</a:t>
+              <a:rPr lang="fr-FR" dirty="0" err="1"/>
+              <a:t>d</a:t>
+            </a:r>
+            <a:r>
+              <a:rPr lang="fr-FR" dirty="0" err="1" smtClean="0"/>
+              <a:t>ropna</a:t>
+            </a:r>
+            <a:r>
+              <a:rPr lang="fr-FR" dirty="0" smtClean="0"/>
+              <a:t>()</a:t>
+            </a:r>
+          </a:p>
+          <a:p>
+            <a:r>
+              <a:rPr lang="fr-FR" smtClean="0"/>
+              <a:t>Changement </a:t>
+            </a:r>
+            <a:r>
+              <a:rPr lang="fr-FR" dirty="0" smtClean="0"/>
+              <a:t>de valeurs</a:t>
             </a:r>
           </a:p>
           <a:p>
             <a:pPr lvl="1"/>
             <a:r>
-              <a:rPr lang="fr-FR" sz="1800" dirty="0" smtClean="0"/>
-              <a:t>Rayon</a:t>
-            </a:r>
-          </a:p>
-          <a:p>
-            <a:pPr lvl="1"/>
-            <a:r>
-              <a:rPr lang="fr-FR" sz="1800" dirty="0" smtClean="0"/>
-              <a:t>Texture (</a:t>
-            </a:r>
-            <a:r>
-              <a:rPr lang="en-US" sz="1800" dirty="0"/>
-              <a:t>standard deviation of gray-scale </a:t>
-            </a:r>
-            <a:r>
-              <a:rPr lang="en-US" sz="1800" dirty="0" smtClean="0"/>
-              <a:t>values)</a:t>
-            </a:r>
-          </a:p>
-          <a:p>
-            <a:pPr lvl="1"/>
-            <a:r>
-              <a:rPr lang="en-US" sz="1800" dirty="0" err="1" smtClean="0"/>
-              <a:t>Périmetre</a:t>
-            </a:r>
-            <a:endParaRPr lang="en-US" sz="1800" dirty="0" smtClean="0"/>
-          </a:p>
-          <a:p>
-            <a:pPr lvl="1"/>
-            <a:r>
-              <a:rPr lang="en-US" sz="1800" dirty="0" err="1" smtClean="0"/>
-              <a:t>Superficie</a:t>
-            </a:r>
-            <a:endParaRPr lang="en-US" sz="1800" dirty="0" smtClean="0"/>
-          </a:p>
-          <a:p>
-            <a:pPr lvl="1"/>
-            <a:r>
-              <a:rPr lang="en-US" sz="1800" dirty="0" smtClean="0"/>
-              <a:t>Smoothness (variation du rayon)</a:t>
-            </a:r>
-          </a:p>
-          <a:p>
-            <a:pPr lvl="1"/>
-            <a:r>
-              <a:rPr lang="en-US" sz="1800" dirty="0" err="1" smtClean="0"/>
-              <a:t>Compacité</a:t>
-            </a:r>
-            <a:r>
-              <a:rPr lang="en-US" sz="1800" dirty="0" smtClean="0"/>
-              <a:t> (perimeter**2 / </a:t>
-            </a:r>
-            <a:r>
-              <a:rPr lang="en-US" sz="1800" dirty="0" err="1" smtClean="0"/>
-              <a:t>superficie</a:t>
-            </a:r>
-            <a:r>
-              <a:rPr lang="en-US" sz="1800" dirty="0" smtClean="0"/>
-              <a:t> – 1)</a:t>
-            </a:r>
-          </a:p>
-          <a:p>
-            <a:pPr lvl="1"/>
-            <a:r>
-              <a:rPr lang="en-US" sz="1800" dirty="0" err="1" smtClean="0"/>
-              <a:t>Concavité</a:t>
-            </a:r>
-            <a:r>
-              <a:rPr lang="en-US" sz="1800" dirty="0" smtClean="0"/>
-              <a:t> (</a:t>
-            </a:r>
-            <a:r>
-              <a:rPr lang="en-US" sz="1800" dirty="0"/>
-              <a:t>severity of concave portions of the </a:t>
-            </a:r>
-            <a:r>
-              <a:rPr lang="en-US" sz="1800" dirty="0" smtClean="0"/>
-              <a:t>contour)</a:t>
-            </a:r>
-          </a:p>
-          <a:p>
-            <a:pPr lvl="1"/>
-            <a:r>
-              <a:rPr lang="en-US" sz="1800" dirty="0" smtClean="0"/>
-              <a:t>Points concaves (</a:t>
-            </a:r>
-            <a:r>
-              <a:rPr lang="en-US" sz="1800" dirty="0" err="1" smtClean="0"/>
-              <a:t>nombre</a:t>
-            </a:r>
-            <a:r>
-              <a:rPr lang="en-US" sz="1800" dirty="0" smtClean="0"/>
-              <a:t> de portion concave)</a:t>
-            </a:r>
-          </a:p>
-          <a:p>
-            <a:pPr lvl="1"/>
-            <a:r>
-              <a:rPr lang="en-US" sz="1800" dirty="0" err="1" smtClean="0"/>
-              <a:t>Symetrie</a:t>
-            </a:r>
-            <a:endParaRPr lang="en-US" sz="1800" dirty="0" smtClean="0"/>
-          </a:p>
-          <a:p>
-            <a:pPr lvl="1"/>
-            <a:r>
-              <a:rPr lang="en-US" sz="1800" dirty="0" smtClean="0"/>
-              <a:t>Dimension </a:t>
-            </a:r>
-            <a:r>
-              <a:rPr lang="en-US" sz="1800" dirty="0" err="1" smtClean="0"/>
-              <a:t>Fractale</a:t>
-            </a:r>
-            <a:r>
-              <a:rPr lang="en-US" sz="1800" dirty="0" smtClean="0"/>
-              <a:t> (</a:t>
-            </a:r>
-            <a:r>
-              <a:rPr lang="fr-FR" sz="1800" dirty="0"/>
-              <a:t>"</a:t>
-            </a:r>
-            <a:r>
-              <a:rPr lang="fr-FR" sz="1800" dirty="0" err="1"/>
-              <a:t>coastline</a:t>
-            </a:r>
-            <a:r>
-              <a:rPr lang="fr-FR" sz="1800" dirty="0"/>
-              <a:t> approximation" </a:t>
-            </a:r>
-            <a:r>
-              <a:rPr lang="fr-FR" sz="1800" dirty="0" smtClean="0"/>
-              <a:t>– 1)</a:t>
-            </a:r>
-            <a:endParaRPr lang="en-US" sz="1800" dirty="0" smtClean="0"/>
+              <a:rPr lang="fr-FR" dirty="0" err="1" smtClean="0"/>
+              <a:t>dataframe.surface</a:t>
+            </a:r>
+            <a:r>
+              <a:rPr lang="fr-FR" dirty="0" smtClean="0"/>
+              <a:t> </a:t>
+            </a:r>
+            <a:r>
+              <a:rPr lang="fr-FR" dirty="0"/>
+              <a:t>= </a:t>
+            </a:r>
+            <a:r>
+              <a:rPr lang="fr-FR" dirty="0" err="1" smtClean="0"/>
+              <a:t>dataframe</a:t>
+            </a:r>
+            <a:r>
+              <a:rPr lang="fr-FR" dirty="0" smtClean="0"/>
+              <a:t>[‘surface'].</a:t>
+            </a:r>
+            <a:r>
+              <a:rPr lang="fr-FR" dirty="0"/>
+              <a:t>replace(',', '.',</a:t>
+            </a:r>
+            <a:r>
+              <a:rPr lang="fr-FR" dirty="0" err="1"/>
+              <a:t>regex</a:t>
+            </a:r>
+            <a:r>
+              <a:rPr lang="fr-FR" dirty="0"/>
+              <a:t>=</a:t>
+            </a:r>
+            <a:r>
+              <a:rPr lang="fr-FR" dirty="0" err="1"/>
+              <a:t>True</a:t>
+            </a:r>
+            <a:r>
+              <a:rPr lang="fr-FR" dirty="0"/>
+              <a:t>).</a:t>
+            </a:r>
+            <a:r>
+              <a:rPr lang="fr-FR" dirty="0" err="1"/>
+              <a:t>astype</a:t>
+            </a:r>
+            <a:r>
+              <a:rPr lang="fr-FR" dirty="0"/>
+              <a:t>(</a:t>
+            </a:r>
+            <a:r>
+              <a:rPr lang="fr-FR" dirty="0" err="1"/>
+              <a:t>float</a:t>
+            </a:r>
+            <a:r>
+              <a:rPr lang="fr-FR" dirty="0" smtClean="0"/>
+              <a:t>)</a:t>
+            </a:r>
+            <a:endParaRPr lang="fr-FR" dirty="0"/>
+          </a:p>
+          <a:p>
+            <a:endParaRPr lang="fr-FR" dirty="0" smtClean="0"/>
           </a:p>
         </p:txBody>
       </p:sp>
-      <p:pic>
-        <p:nvPicPr>
-          <p:cNvPr id="4" name="Image 3"/>
-          <p:cNvPicPr>
-            <a:picLocks noChangeAspect="1"/>
-          </p:cNvPicPr>
-          <p:nvPr/>
-        </p:nvPicPr>
-        <p:blipFill>
-          <a:blip r:embed="rId2"/>
-          <a:stretch>
-            <a:fillRect/>
-          </a:stretch>
-        </p:blipFill>
-        <p:spPr>
-          <a:xfrm>
-            <a:off x="6528998" y="2852936"/>
-            <a:ext cx="2448272" cy="2378321"/>
-          </a:xfrm>
-          <a:prstGeom prst="rect">
-            <a:avLst/>
-          </a:prstGeom>
-        </p:spPr>
-      </p:pic>
     </p:spTree>
     <p:extLst>
       <p:ext uri="{BB962C8B-B14F-4D97-AF65-F5344CB8AC3E}">
-        <p14:creationId xmlns:p14="http://schemas.microsoft.com/office/powerpoint/2010/main" val="70697007"/>
+        <p14:creationId xmlns:p14="http://schemas.microsoft.com/office/powerpoint/2010/main" val="2942252075"/>
       </p:ext>
     </p:extLst>
   </p:cSld>

--- a/ppt/PythonMath11-Pandas.pptx
+++ b/ppt/PythonMath11-Pandas.pptx
@@ -5,10 +5,10 @@
     <p:sldMasterId id="2147483653" r:id="rId1"/>
   </p:sldMasterIdLst>
   <p:notesMasterIdLst>
-    <p:notesMasterId r:id="rId14"/>
+    <p:notesMasterId r:id="rId13"/>
   </p:notesMasterIdLst>
   <p:handoutMasterIdLst>
-    <p:handoutMasterId r:id="rId15"/>
+    <p:handoutMasterId r:id="rId14"/>
   </p:handoutMasterIdLst>
   <p:sldIdLst>
     <p:sldId id="264" r:id="rId2"/>
@@ -22,7 +22,6 @@
     <p:sldId id="282" r:id="rId10"/>
     <p:sldId id="283" r:id="rId11"/>
     <p:sldId id="278" r:id="rId12"/>
-    <p:sldId id="279" r:id="rId13"/>
   </p:sldIdLst>
   <p:sldSz cx="9144000" cy="6858000" type="screen4x3"/>
   <p:notesSz cx="6648450" cy="9782175"/>
@@ -615,35 +614,35 @@
           <a:p>
             <a:pPr lvl="0"/>
             <a:r>
-              <a:rPr lang="fr-FR" noProof="0" smtClean="0"/>
+              <a:rPr lang="fr-FR" noProof="0"/>
               <a:t>Cliquez pour modifier les styles du texte du masque</a:t>
             </a:r>
           </a:p>
           <a:p>
             <a:pPr lvl="1"/>
             <a:r>
-              <a:rPr lang="fr-FR" noProof="0" smtClean="0"/>
+              <a:rPr lang="fr-FR" noProof="0"/>
               <a:t>Deuxième niveau</a:t>
             </a:r>
           </a:p>
           <a:p>
             <a:pPr lvl="2"/>
             <a:r>
-              <a:rPr lang="fr-FR" noProof="0" smtClean="0"/>
+              <a:rPr lang="fr-FR" noProof="0"/>
               <a:t>Troisième niveau</a:t>
             </a:r>
           </a:p>
           <a:p>
             <a:pPr lvl="3"/>
             <a:r>
-              <a:rPr lang="fr-FR" noProof="0" smtClean="0"/>
+              <a:rPr lang="fr-FR" noProof="0"/>
               <a:t>Quatrième niveau</a:t>
             </a:r>
           </a:p>
           <a:p>
             <a:pPr lvl="4"/>
             <a:r>
-              <a:rPr lang="fr-FR" noProof="0" smtClean="0"/>
+              <a:rPr lang="fr-FR" noProof="0"/>
               <a:t>Cinquième niveau</a:t>
             </a:r>
           </a:p>
@@ -931,10 +930,9 @@
           <a:lstStyle/>
           <a:p>
             <a:r>
-              <a:rPr lang="fr-FR" smtClean="0"/>
+              <a:rPr lang="fr-FR"/>
               <a:t>Cliquez pour modifier le style du titre</a:t>
             </a:r>
-            <a:endParaRPr lang="fr-FR"/>
           </a:p>
         </p:txBody>
       </p:sp>
@@ -996,10 +994,9 @@
           </a:lstStyle>
           <a:p>
             <a:r>
-              <a:rPr lang="fr-FR" smtClean="0"/>
+              <a:rPr lang="fr-FR"/>
               <a:t>Cliquez pour modifier le style des sous-titres du masque</a:t>
             </a:r>
-            <a:endParaRPr lang="fr-FR"/>
           </a:p>
         </p:txBody>
       </p:sp>
@@ -1054,10 +1051,9 @@
           <a:lstStyle/>
           <a:p>
             <a:r>
-              <a:rPr lang="fr-FR" smtClean="0"/>
+              <a:rPr lang="fr-FR"/>
               <a:t>Cliquez pour modifier le style du titre</a:t>
             </a:r>
-            <a:endParaRPr lang="fr-FR"/>
           </a:p>
         </p:txBody>
       </p:sp>
@@ -1083,38 +1079,37 @@
           <a:p>
             <a:pPr lvl="0"/>
             <a:r>
-              <a:rPr lang="fr-FR" smtClean="0"/>
+              <a:rPr lang="fr-FR"/>
               <a:t>Cliquez pour modifier les styles du texte du masque</a:t>
             </a:r>
           </a:p>
           <a:p>
             <a:pPr lvl="1"/>
             <a:r>
-              <a:rPr lang="fr-FR" smtClean="0"/>
+              <a:rPr lang="fr-FR"/>
               <a:t>Deuxième niveau</a:t>
             </a:r>
           </a:p>
           <a:p>
             <a:pPr lvl="2"/>
             <a:r>
-              <a:rPr lang="fr-FR" smtClean="0"/>
+              <a:rPr lang="fr-FR"/>
               <a:t>Troisième niveau</a:t>
             </a:r>
           </a:p>
           <a:p>
             <a:pPr lvl="3"/>
             <a:r>
-              <a:rPr lang="fr-FR" smtClean="0"/>
+              <a:rPr lang="fr-FR"/>
               <a:t>Quatrième niveau</a:t>
             </a:r>
           </a:p>
           <a:p>
             <a:pPr lvl="4"/>
             <a:r>
-              <a:rPr lang="fr-FR" smtClean="0"/>
+              <a:rPr lang="fr-FR"/>
               <a:t>Cinquième niveau</a:t>
             </a:r>
-            <a:endParaRPr lang="fr-FR"/>
           </a:p>
         </p:txBody>
       </p:sp>
@@ -1173,10 +1168,9 @@
           </a:lstStyle>
           <a:p>
             <a:r>
-              <a:rPr lang="fr-FR" dirty="0" smtClean="0"/>
+              <a:rPr lang="fr-FR" dirty="0"/>
               <a:t>Cliquez pour modifier le style du titre</a:t>
             </a:r>
-            <a:endParaRPr lang="fr-FR" dirty="0"/>
           </a:p>
         </p:txBody>
       </p:sp>
@@ -1202,38 +1196,37 @@
           <a:p>
             <a:pPr lvl="0"/>
             <a:r>
-              <a:rPr lang="fr-FR" dirty="0" smtClean="0"/>
+              <a:rPr lang="fr-FR" dirty="0"/>
               <a:t>Cliquez pour modifier les styles du texte du masque</a:t>
             </a:r>
           </a:p>
           <a:p>
             <a:pPr lvl="1"/>
             <a:r>
-              <a:rPr lang="fr-FR" dirty="0" smtClean="0"/>
+              <a:rPr lang="fr-FR" dirty="0"/>
               <a:t>Deuxième niveau</a:t>
             </a:r>
           </a:p>
           <a:p>
             <a:pPr lvl="2"/>
             <a:r>
-              <a:rPr lang="fr-FR" dirty="0" smtClean="0"/>
+              <a:rPr lang="fr-FR" dirty="0"/>
               <a:t>Troisième niveau</a:t>
             </a:r>
           </a:p>
           <a:p>
             <a:pPr lvl="3"/>
             <a:r>
-              <a:rPr lang="fr-FR" dirty="0" smtClean="0"/>
+              <a:rPr lang="fr-FR" dirty="0"/>
               <a:t>Quatrième niveau</a:t>
             </a:r>
           </a:p>
           <a:p>
             <a:pPr lvl="4"/>
             <a:r>
-              <a:rPr lang="fr-FR" dirty="0" smtClean="0"/>
+              <a:rPr lang="fr-FR" dirty="0"/>
               <a:t>Cinquième niveau</a:t>
             </a:r>
-            <a:endParaRPr lang="fr-FR" dirty="0"/>
           </a:p>
         </p:txBody>
       </p:sp>
@@ -1283,10 +1276,9 @@
           <a:lstStyle/>
           <a:p>
             <a:r>
-              <a:rPr lang="fr-FR" smtClean="0"/>
+              <a:rPr lang="fr-FR"/>
               <a:t>Cliquez pour modifier le style du titre</a:t>
             </a:r>
-            <a:endParaRPr lang="fr-FR"/>
           </a:p>
         </p:txBody>
       </p:sp>
@@ -1340,38 +1332,37 @@
           <a:p>
             <a:pPr lvl="0"/>
             <a:r>
-              <a:rPr lang="fr-FR" smtClean="0"/>
+              <a:rPr lang="fr-FR"/>
               <a:t>Cliquez pour modifier les styles du texte du masque</a:t>
             </a:r>
           </a:p>
           <a:p>
             <a:pPr lvl="1"/>
             <a:r>
-              <a:rPr lang="fr-FR" smtClean="0"/>
+              <a:rPr lang="fr-FR"/>
               <a:t>Deuxième niveau</a:t>
             </a:r>
           </a:p>
           <a:p>
             <a:pPr lvl="2"/>
             <a:r>
-              <a:rPr lang="fr-FR" smtClean="0"/>
+              <a:rPr lang="fr-FR"/>
               <a:t>Troisième niveau</a:t>
             </a:r>
           </a:p>
           <a:p>
             <a:pPr lvl="3"/>
             <a:r>
-              <a:rPr lang="fr-FR" smtClean="0"/>
+              <a:rPr lang="fr-FR"/>
               <a:t>Quatrième niveau</a:t>
             </a:r>
           </a:p>
           <a:p>
             <a:pPr lvl="4"/>
             <a:r>
-              <a:rPr lang="fr-FR" smtClean="0"/>
+              <a:rPr lang="fr-FR"/>
               <a:t>Cinquième niveau</a:t>
             </a:r>
-            <a:endParaRPr lang="fr-FR"/>
           </a:p>
         </p:txBody>
       </p:sp>
@@ -1425,38 +1416,37 @@
           <a:p>
             <a:pPr lvl="0"/>
             <a:r>
-              <a:rPr lang="fr-FR" smtClean="0"/>
+              <a:rPr lang="fr-FR"/>
               <a:t>Cliquez pour modifier les styles du texte du masque</a:t>
             </a:r>
           </a:p>
           <a:p>
             <a:pPr lvl="1"/>
             <a:r>
-              <a:rPr lang="fr-FR" smtClean="0"/>
+              <a:rPr lang="fr-FR"/>
               <a:t>Deuxième niveau</a:t>
             </a:r>
           </a:p>
           <a:p>
             <a:pPr lvl="2"/>
             <a:r>
-              <a:rPr lang="fr-FR" smtClean="0"/>
+              <a:rPr lang="fr-FR"/>
               <a:t>Troisième niveau</a:t>
             </a:r>
           </a:p>
           <a:p>
             <a:pPr lvl="3"/>
             <a:r>
-              <a:rPr lang="fr-FR" smtClean="0"/>
+              <a:rPr lang="fr-FR"/>
               <a:t>Quatrième niveau</a:t>
             </a:r>
           </a:p>
           <a:p>
             <a:pPr lvl="4"/>
             <a:r>
-              <a:rPr lang="fr-FR" smtClean="0"/>
+              <a:rPr lang="fr-FR"/>
               <a:t>Cinquième niveau</a:t>
             </a:r>
-            <a:endParaRPr lang="fr-FR"/>
           </a:p>
         </p:txBody>
       </p:sp>
@@ -1515,10 +1505,9 @@
           </a:lstStyle>
           <a:p>
             <a:r>
-              <a:rPr lang="fr-FR" smtClean="0"/>
+              <a:rPr lang="fr-FR"/>
               <a:t>Cliquez pour modifier le style du titre</a:t>
             </a:r>
-            <a:endParaRPr lang="fr-FR"/>
           </a:p>
         </p:txBody>
       </p:sp>
@@ -1581,7 +1570,7 @@
           <a:p>
             <a:pPr lvl="0"/>
             <a:r>
-              <a:rPr lang="fr-FR" smtClean="0"/>
+              <a:rPr lang="fr-FR"/>
               <a:t>Cliquez pour modifier les styles du texte du masque</a:t>
             </a:r>
           </a:p>
@@ -1637,38 +1626,37 @@
           <a:p>
             <a:pPr lvl="0"/>
             <a:r>
-              <a:rPr lang="fr-FR" smtClean="0"/>
+              <a:rPr lang="fr-FR"/>
               <a:t>Cliquez pour modifier les styles du texte du masque</a:t>
             </a:r>
           </a:p>
           <a:p>
             <a:pPr lvl="1"/>
             <a:r>
-              <a:rPr lang="fr-FR" smtClean="0"/>
+              <a:rPr lang="fr-FR"/>
               <a:t>Deuxième niveau</a:t>
             </a:r>
           </a:p>
           <a:p>
             <a:pPr lvl="2"/>
             <a:r>
-              <a:rPr lang="fr-FR" smtClean="0"/>
+              <a:rPr lang="fr-FR"/>
               <a:t>Troisième niveau</a:t>
             </a:r>
           </a:p>
           <a:p>
             <a:pPr lvl="3"/>
             <a:r>
-              <a:rPr lang="fr-FR" smtClean="0"/>
+              <a:rPr lang="fr-FR"/>
               <a:t>Quatrième niveau</a:t>
             </a:r>
           </a:p>
           <a:p>
             <a:pPr lvl="4"/>
             <a:r>
-              <a:rPr lang="fr-FR" smtClean="0"/>
+              <a:rPr lang="fr-FR"/>
               <a:t>Cinquième niveau</a:t>
             </a:r>
-            <a:endParaRPr lang="fr-FR"/>
           </a:p>
         </p:txBody>
       </p:sp>
@@ -1731,7 +1719,7 @@
           <a:p>
             <a:pPr lvl="0"/>
             <a:r>
-              <a:rPr lang="fr-FR" smtClean="0"/>
+              <a:rPr lang="fr-FR"/>
               <a:t>Cliquez pour modifier les styles du texte du masque</a:t>
             </a:r>
           </a:p>
@@ -1787,38 +1775,37 @@
           <a:p>
             <a:pPr lvl="0"/>
             <a:r>
-              <a:rPr lang="fr-FR" smtClean="0"/>
+              <a:rPr lang="fr-FR"/>
               <a:t>Cliquez pour modifier les styles du texte du masque</a:t>
             </a:r>
           </a:p>
           <a:p>
             <a:pPr lvl="1"/>
             <a:r>
-              <a:rPr lang="fr-FR" smtClean="0"/>
+              <a:rPr lang="fr-FR"/>
               <a:t>Deuxième niveau</a:t>
             </a:r>
           </a:p>
           <a:p>
             <a:pPr lvl="2"/>
             <a:r>
-              <a:rPr lang="fr-FR" smtClean="0"/>
+              <a:rPr lang="fr-FR"/>
               <a:t>Troisième niveau</a:t>
             </a:r>
           </a:p>
           <a:p>
             <a:pPr lvl="3"/>
             <a:r>
-              <a:rPr lang="fr-FR" smtClean="0"/>
+              <a:rPr lang="fr-FR"/>
               <a:t>Quatrième niveau</a:t>
             </a:r>
           </a:p>
           <a:p>
             <a:pPr lvl="4"/>
             <a:r>
-              <a:rPr lang="fr-FR" smtClean="0"/>
+              <a:rPr lang="fr-FR"/>
               <a:t>Cinquième niveau</a:t>
             </a:r>
-            <a:endParaRPr lang="fr-FR"/>
           </a:p>
         </p:txBody>
       </p:sp>
@@ -1868,10 +1855,9 @@
           <a:lstStyle/>
           <a:p>
             <a:r>
-              <a:rPr lang="fr-FR" smtClean="0"/>
+              <a:rPr lang="fr-FR"/>
               <a:t>Cliquez pour modifier le style du titre</a:t>
             </a:r>
-            <a:endParaRPr lang="fr-FR"/>
           </a:p>
         </p:txBody>
       </p:sp>
@@ -1960,10 +1946,9 @@
           </a:lstStyle>
           <a:p>
             <a:r>
-              <a:rPr lang="fr-FR" smtClean="0"/>
+              <a:rPr lang="fr-FR"/>
               <a:t>Cliquez pour modifier le style du titre</a:t>
             </a:r>
-            <a:endParaRPr lang="fr-FR"/>
           </a:p>
         </p:txBody>
       </p:sp>
@@ -2017,38 +2002,37 @@
           <a:p>
             <a:pPr lvl="0"/>
             <a:r>
-              <a:rPr lang="fr-FR" smtClean="0"/>
+              <a:rPr lang="fr-FR"/>
               <a:t>Cliquez pour modifier les styles du texte du masque</a:t>
             </a:r>
           </a:p>
           <a:p>
             <a:pPr lvl="1"/>
             <a:r>
-              <a:rPr lang="fr-FR" smtClean="0"/>
+              <a:rPr lang="fr-FR"/>
               <a:t>Deuxième niveau</a:t>
             </a:r>
           </a:p>
           <a:p>
             <a:pPr lvl="2"/>
             <a:r>
-              <a:rPr lang="fr-FR" smtClean="0"/>
+              <a:rPr lang="fr-FR"/>
               <a:t>Troisième niveau</a:t>
             </a:r>
           </a:p>
           <a:p>
             <a:pPr lvl="3"/>
             <a:r>
-              <a:rPr lang="fr-FR" smtClean="0"/>
+              <a:rPr lang="fr-FR"/>
               <a:t>Quatrième niveau</a:t>
             </a:r>
           </a:p>
           <a:p>
             <a:pPr lvl="4"/>
             <a:r>
-              <a:rPr lang="fr-FR" smtClean="0"/>
+              <a:rPr lang="fr-FR"/>
               <a:t>Cinquième niveau</a:t>
             </a:r>
-            <a:endParaRPr lang="fr-FR"/>
           </a:p>
         </p:txBody>
       </p:sp>
@@ -2111,7 +2095,7 @@
           <a:p>
             <a:pPr lvl="0"/>
             <a:r>
-              <a:rPr lang="fr-FR" smtClean="0"/>
+              <a:rPr lang="fr-FR"/>
               <a:t>Cliquez pour modifier les styles du texte du masque</a:t>
             </a:r>
           </a:p>
@@ -2172,10 +2156,9 @@
           </a:lstStyle>
           <a:p>
             <a:r>
-              <a:rPr lang="fr-FR" smtClean="0"/>
+              <a:rPr lang="fr-FR"/>
               <a:t>Cliquez pour modifier le style du titre</a:t>
             </a:r>
-            <a:endParaRPr lang="fr-FR"/>
           </a:p>
         </p:txBody>
       </p:sp>
@@ -2237,7 +2220,7 @@
           </a:lstStyle>
           <a:p>
             <a:pPr lvl="0"/>
-            <a:endParaRPr lang="fr-FR" noProof="0" smtClean="0"/>
+            <a:endParaRPr lang="fr-FR" noProof="0"/>
           </a:p>
         </p:txBody>
       </p:sp>
@@ -2300,7 +2283,7 @@
           <a:p>
             <a:pPr lvl="0"/>
             <a:r>
-              <a:rPr lang="fr-FR" smtClean="0"/>
+              <a:rPr lang="fr-FR"/>
               <a:t>Cliquez pour modifier les styles du texte du masque</a:t>
             </a:r>
           </a:p>
@@ -2352,10 +2335,9 @@
           <a:lstStyle/>
           <a:p>
             <a:r>
-              <a:rPr lang="fr-FR" smtClean="0"/>
+              <a:rPr lang="fr-FR"/>
               <a:t>Cliquez pour modifier le style du titre</a:t>
             </a:r>
-            <a:endParaRPr lang="fr-FR"/>
           </a:p>
         </p:txBody>
       </p:sp>
@@ -2376,38 +2358,37 @@
           <a:p>
             <a:pPr lvl="0"/>
             <a:r>
-              <a:rPr lang="fr-FR" smtClean="0"/>
+              <a:rPr lang="fr-FR"/>
               <a:t>Cliquez pour modifier les styles du texte du masque</a:t>
             </a:r>
           </a:p>
           <a:p>
             <a:pPr lvl="1"/>
             <a:r>
-              <a:rPr lang="fr-FR" smtClean="0"/>
+              <a:rPr lang="fr-FR"/>
               <a:t>Deuxième niveau</a:t>
             </a:r>
           </a:p>
           <a:p>
             <a:pPr lvl="2"/>
             <a:r>
-              <a:rPr lang="fr-FR" smtClean="0"/>
+              <a:rPr lang="fr-FR"/>
               <a:t>Troisième niveau</a:t>
             </a:r>
           </a:p>
           <a:p>
             <a:pPr lvl="3"/>
             <a:r>
-              <a:rPr lang="fr-FR" smtClean="0"/>
+              <a:rPr lang="fr-FR"/>
               <a:t>Quatrième niveau</a:t>
             </a:r>
           </a:p>
           <a:p>
             <a:pPr lvl="4"/>
             <a:r>
-              <a:rPr lang="fr-FR" smtClean="0"/>
+              <a:rPr lang="fr-FR"/>
               <a:t>Cinquième niveau</a:t>
             </a:r>
-            <a:endParaRPr lang="fr-FR"/>
           </a:p>
         </p:txBody>
       </p:sp>
@@ -2588,7 +2569,7 @@
             <a:pPr eaLnBrk="1" hangingPunct="1">
               <a:defRPr/>
             </a:pPr>
-            <a:endParaRPr lang="fr-FR" altLang="fr-FR" smtClean="0"/>
+            <a:endParaRPr lang="fr-FR" altLang="fr-FR"/>
           </a:p>
         </p:txBody>
       </p:sp>
@@ -2742,7 +2723,7 @@
               <a:defRPr/>
             </a:pPr>
             <a:r>
-              <a:rPr lang="fr-FR" sz="1200" dirty="0" smtClean="0"/>
+              <a:rPr lang="fr-FR" sz="1200" dirty="0"/>
               <a:t>Page </a:t>
             </a:r>
             <a:fld id="{E218E9B1-FD08-4C80-902E-210BA2967D0D}" type="slidenum">
@@ -2755,7 +2736,7 @@
               </a:pPr>
               <a:t>‹N°›</a:t>
             </a:fld>
-            <a:endParaRPr lang="fr-FR" dirty="0" smtClean="0">
+            <a:endParaRPr lang="fr-FR" dirty="0">
               <a:latin typeface="Times New Roman" pitchFamily="18" charset="0"/>
             </a:endParaRPr>
           </a:p>
@@ -2911,10 +2892,10 @@
               <a:defRPr/>
             </a:pPr>
             <a:r>
-              <a:rPr lang="fr-FR" sz="1600" dirty="0" smtClean="0"/>
+              <a:rPr lang="fr-FR" sz="1600" dirty="0"/>
               <a:t>Python</a:t>
             </a:r>
-            <a:endParaRPr lang="fr-FR" dirty="0" smtClean="0">
+            <a:endParaRPr lang="fr-FR" dirty="0">
               <a:latin typeface="Times New Roman" pitchFamily="18" charset="0"/>
             </a:endParaRPr>
           </a:p>
@@ -2972,7 +2953,7 @@
           <a:p>
             <a:pPr lvl="0"/>
             <a:r>
-              <a:rPr lang="fr-FR" altLang="fr-FR" smtClean="0"/>
+              <a:rPr lang="fr-FR" altLang="fr-FR"/>
               <a:t>Cliquez pour modifier le style du titre du masque</a:t>
             </a:r>
           </a:p>
@@ -3030,35 +3011,35 @@
           <a:p>
             <a:pPr lvl="0"/>
             <a:r>
-              <a:rPr lang="fr-FR" altLang="fr-FR" smtClean="0"/>
+              <a:rPr lang="fr-FR" altLang="fr-FR"/>
               <a:t>Cliquez pour modifier les styles du texte du masque</a:t>
             </a:r>
           </a:p>
           <a:p>
             <a:pPr lvl="1"/>
             <a:r>
-              <a:rPr lang="fr-FR" altLang="fr-FR" smtClean="0"/>
+              <a:rPr lang="fr-FR" altLang="fr-FR"/>
               <a:t>Deuxième niveau</a:t>
             </a:r>
           </a:p>
           <a:p>
             <a:pPr lvl="2"/>
             <a:r>
-              <a:rPr lang="fr-FR" altLang="fr-FR" smtClean="0"/>
+              <a:rPr lang="fr-FR" altLang="fr-FR"/>
               <a:t>Troisième niveau</a:t>
             </a:r>
           </a:p>
           <a:p>
             <a:pPr lvl="3"/>
             <a:r>
-              <a:rPr lang="fr-FR" altLang="fr-FR" smtClean="0"/>
+              <a:rPr lang="fr-FR" altLang="fr-FR"/>
               <a:t>Quatrième niveau</a:t>
             </a:r>
           </a:p>
           <a:p>
             <a:pPr lvl="4"/>
             <a:r>
-              <a:rPr lang="fr-FR" altLang="fr-FR" smtClean="0"/>
+              <a:rPr lang="fr-FR" altLang="fr-FR"/>
               <a:t>Cinquième niveau</a:t>
             </a:r>
           </a:p>
@@ -3214,10 +3195,10 @@
               <a:defRPr/>
             </a:pPr>
             <a:r>
-              <a:rPr lang="fr-FR" sz="1200" smtClean="0"/>
+              <a:rPr lang="fr-FR" sz="1200"/>
               <a:t>© Cyril Vincent Conseil</a:t>
             </a:r>
-            <a:endParaRPr lang="fr-FR" smtClean="0">
+            <a:endParaRPr lang="fr-FR">
               <a:latin typeface="Times New Roman" pitchFamily="18" charset="0"/>
             </a:endParaRPr>
           </a:p>
@@ -3699,15 +3680,15 @@
           <a:p>
             <a:pPr eaLnBrk="1" hangingPunct="1"/>
             <a:r>
-              <a:rPr lang="fr-FR" altLang="fr-FR" smtClean="0"/>
+              <a:rPr lang="fr-FR" altLang="fr-FR"/>
               <a:t>Chapitre 11</a:t>
             </a:r>
-            <a:endParaRPr lang="fr-FR" altLang="fr-FR" dirty="0" smtClean="0"/>
+            <a:endParaRPr lang="fr-FR" altLang="fr-FR" dirty="0"/>
           </a:p>
           <a:p>
             <a:pPr eaLnBrk="1" hangingPunct="1"/>
             <a:r>
-              <a:rPr lang="fr-FR" altLang="fr-FR" dirty="0" smtClean="0"/>
+              <a:rPr lang="fr-FR" altLang="fr-FR" dirty="0"/>
               <a:t>Pandas</a:t>
             </a:r>
           </a:p>
@@ -3760,10 +3741,9 @@
           <a:lstStyle/>
           <a:p>
             <a:r>
-              <a:rPr lang="fr-FR" sz="3600" dirty="0" smtClean="0"/>
+              <a:rPr lang="fr-FR" sz="3600" dirty="0"/>
               <a:t>Data Science</a:t>
             </a:r>
-            <a:endParaRPr lang="fr-FR" sz="3600" dirty="0"/>
           </a:p>
         </p:txBody>
       </p:sp>
@@ -3796,13 +3776,6 @@
   <p:clrMapOvr>
     <a:masterClrMapping/>
   </p:clrMapOvr>
-  <p:timing>
-    <p:tnLst>
-      <p:par>
-        <p:cTn id="1" dur="indefinite" restart="never" nodeType="tmRoot"/>
-      </p:par>
-    </p:tnLst>
-  </p:timing>
 </p:sld>
 </file>
 
@@ -3839,10 +3812,9 @@
           <a:lstStyle/>
           <a:p>
             <a:r>
-              <a:rPr lang="fr-FR" dirty="0" smtClean="0"/>
+              <a:rPr lang="fr-FR" dirty="0"/>
               <a:t>Structure de la base</a:t>
             </a:r>
-            <a:endParaRPr lang="fr-FR" dirty="0"/>
           </a:p>
         </p:txBody>
       </p:sp>
@@ -3862,154 +3834,142 @@
           <a:lstStyle/>
           <a:p>
             <a:r>
-              <a:rPr lang="fr-FR" sz="2000" dirty="0" err="1" smtClean="0"/>
+              <a:rPr lang="fr-FR" sz="2000" dirty="0" err="1"/>
               <a:t>Wdbc.data</a:t>
             </a:r>
-            <a:endParaRPr lang="fr-FR" sz="2000" dirty="0" smtClean="0"/>
+            <a:endParaRPr lang="fr-FR" sz="2000" dirty="0"/>
           </a:p>
           <a:p>
             <a:pPr lvl="1"/>
             <a:r>
-              <a:rPr lang="fr-FR" sz="1800" dirty="0" smtClean="0"/>
+              <a:rPr lang="fr-FR" sz="1800" dirty="0"/>
               <a:t>Id</a:t>
             </a:r>
           </a:p>
           <a:p>
             <a:pPr lvl="1"/>
             <a:r>
-              <a:rPr lang="fr-FR" sz="1800" dirty="0" smtClean="0"/>
+              <a:rPr lang="fr-FR" sz="1800" dirty="0"/>
               <a:t>Diagnostique M = Maligne, B = </a:t>
             </a:r>
             <a:r>
-              <a:rPr lang="fr-FR" sz="1800" dirty="0" err="1" smtClean="0"/>
+              <a:rPr lang="fr-FR" sz="1800" dirty="0" err="1"/>
               <a:t>Benigne</a:t>
             </a:r>
-            <a:endParaRPr lang="fr-FR" sz="1800" dirty="0" smtClean="0"/>
-          </a:p>
-          <a:p>
-            <a:r>
-              <a:rPr lang="fr-FR" sz="2000" dirty="0" smtClean="0"/>
+            <a:endParaRPr lang="fr-FR" sz="1800" dirty="0"/>
+          </a:p>
+          <a:p>
+            <a:r>
+              <a:rPr lang="fr-FR" sz="2000" dirty="0"/>
               <a:t>Les données biologique sont interprétés depuis l’image de la tumeur</a:t>
             </a:r>
           </a:p>
           <a:p>
             <a:pPr lvl="1"/>
             <a:r>
-              <a:rPr lang="fr-FR" sz="1800" dirty="0" smtClean="0"/>
+              <a:rPr lang="fr-FR" sz="1800" dirty="0"/>
               <a:t>Rayon</a:t>
             </a:r>
           </a:p>
           <a:p>
             <a:pPr lvl="1"/>
             <a:r>
-              <a:rPr lang="fr-FR" sz="1800" dirty="0" smtClean="0"/>
+              <a:rPr lang="fr-FR" sz="1800" dirty="0"/>
               <a:t>Texture (</a:t>
             </a:r>
             <a:r>
               <a:rPr lang="en-US" sz="1800" dirty="0"/>
-              <a:t>standard deviation of gray-scale </a:t>
-            </a:r>
-            <a:r>
-              <a:rPr lang="en-US" sz="1800" dirty="0" smtClean="0"/>
-              <a:t>values)</a:t>
+              <a:t>standard deviation of gray-scale values)</a:t>
             </a:r>
           </a:p>
           <a:p>
             <a:pPr lvl="1"/>
             <a:r>
-              <a:rPr lang="en-US" sz="1800" dirty="0" err="1" smtClean="0"/>
+              <a:rPr lang="en-US" sz="1800" dirty="0" err="1"/>
               <a:t>Périmetre</a:t>
             </a:r>
-            <a:endParaRPr lang="en-US" sz="1800" dirty="0" smtClean="0"/>
+            <a:endParaRPr lang="en-US" sz="1800" dirty="0"/>
           </a:p>
           <a:p>
             <a:pPr lvl="1"/>
             <a:r>
-              <a:rPr lang="en-US" sz="1800" dirty="0" err="1" smtClean="0"/>
+              <a:rPr lang="en-US" sz="1800" dirty="0" err="1"/>
               <a:t>Superficie</a:t>
             </a:r>
-            <a:endParaRPr lang="en-US" sz="1800" dirty="0" smtClean="0"/>
+            <a:endParaRPr lang="en-US" sz="1800" dirty="0"/>
           </a:p>
           <a:p>
             <a:pPr lvl="1"/>
             <a:r>
-              <a:rPr lang="en-US" sz="1800" dirty="0" smtClean="0"/>
+              <a:rPr lang="en-US" sz="1800" dirty="0"/>
               <a:t>Smoothness (variation du rayon)</a:t>
             </a:r>
           </a:p>
           <a:p>
             <a:pPr lvl="1"/>
             <a:r>
-              <a:rPr lang="en-US" sz="1800" dirty="0" err="1" smtClean="0"/>
+              <a:rPr lang="en-US" sz="1800" dirty="0" err="1"/>
               <a:t>Compacité</a:t>
             </a:r>
             <a:r>
-              <a:rPr lang="en-US" sz="1800" dirty="0" smtClean="0"/>
+              <a:rPr lang="en-US" sz="1800" dirty="0"/>
               <a:t> (perimeter**2 / </a:t>
             </a:r>
             <a:r>
-              <a:rPr lang="en-US" sz="1800" dirty="0" err="1" smtClean="0"/>
+              <a:rPr lang="en-US" sz="1800" dirty="0" err="1"/>
               <a:t>superficie</a:t>
             </a:r>
             <a:r>
-              <a:rPr lang="en-US" sz="1800" dirty="0" smtClean="0"/>
+              <a:rPr lang="en-US" sz="1800" dirty="0"/>
               <a:t> – 1)</a:t>
             </a:r>
           </a:p>
           <a:p>
             <a:pPr lvl="1"/>
             <a:r>
-              <a:rPr lang="en-US" sz="1800" dirty="0" err="1" smtClean="0"/>
+              <a:rPr lang="en-US" sz="1800" dirty="0" err="1"/>
               <a:t>Concavité</a:t>
             </a:r>
             <a:r>
-              <a:rPr lang="en-US" sz="1800" dirty="0" smtClean="0"/>
-              <a:t> (</a:t>
-            </a:r>
-            <a:r>
               <a:rPr lang="en-US" sz="1800" dirty="0"/>
-              <a:t>severity of concave portions of the </a:t>
-            </a:r>
-            <a:r>
-              <a:rPr lang="en-US" sz="1800" dirty="0" smtClean="0"/>
-              <a:t>contour)</a:t>
+              <a:t> (severity of concave portions of the contour)</a:t>
             </a:r>
           </a:p>
           <a:p>
             <a:pPr lvl="1"/>
             <a:r>
-              <a:rPr lang="en-US" sz="1800" dirty="0" smtClean="0"/>
+              <a:rPr lang="en-US" sz="1800" dirty="0"/>
               <a:t>Points concaves (</a:t>
             </a:r>
             <a:r>
-              <a:rPr lang="en-US" sz="1800" dirty="0" err="1" smtClean="0"/>
+              <a:rPr lang="en-US" sz="1800" dirty="0" err="1"/>
               <a:t>nombre</a:t>
             </a:r>
             <a:r>
-              <a:rPr lang="en-US" sz="1800" dirty="0" smtClean="0"/>
+              <a:rPr lang="en-US" sz="1800" dirty="0"/>
               <a:t> de portion concave)</a:t>
             </a:r>
           </a:p>
           <a:p>
             <a:pPr lvl="1"/>
             <a:r>
-              <a:rPr lang="en-US" sz="1800" dirty="0" err="1" smtClean="0"/>
+              <a:rPr lang="en-US" sz="1800" dirty="0" err="1"/>
               <a:t>Symetrie</a:t>
             </a:r>
-            <a:endParaRPr lang="en-US" sz="1800" dirty="0" smtClean="0"/>
+            <a:endParaRPr lang="en-US" sz="1800" dirty="0"/>
           </a:p>
           <a:p>
             <a:pPr lvl="1"/>
             <a:r>
-              <a:rPr lang="en-US" sz="1800" dirty="0" smtClean="0"/>
+              <a:rPr lang="en-US" sz="1800" dirty="0"/>
               <a:t>Dimension </a:t>
             </a:r>
             <a:r>
-              <a:rPr lang="en-US" sz="1800" dirty="0" err="1" smtClean="0"/>
+              <a:rPr lang="en-US" sz="1800" dirty="0" err="1"/>
               <a:t>Fractale</a:t>
             </a:r>
             <a:r>
-              <a:rPr lang="en-US" sz="1800" dirty="0" smtClean="0"/>
+              <a:rPr lang="en-US" sz="1800" dirty="0"/>
               <a:t> (</a:t>
             </a:r>
             <a:r>
@@ -4022,13 +3982,9 @@
             </a:r>
             <a:r>
               <a:rPr lang="fr-FR" sz="1800" dirty="0"/>
-              <a:t> approximation" </a:t>
-            </a:r>
-            <a:r>
-              <a:rPr lang="fr-FR" sz="1800" dirty="0" smtClean="0"/>
-              <a:t>– 1)</a:t>
-            </a:r>
-            <a:endParaRPr lang="en-US" sz="1800" dirty="0" smtClean="0"/>
+              <a:t> approximation" – 1)</a:t>
+            </a:r>
+            <a:endParaRPr lang="en-US" sz="1800" dirty="0"/>
           </a:p>
         </p:txBody>
       </p:sp>
@@ -4066,13 +4022,6 @@
   <p:clrMapOvr>
     <a:masterClrMapping/>
   </p:clrMapOvr>
-  <p:timing>
-    <p:tnLst>
-      <p:par>
-        <p:cTn id="1" dur="indefinite" restart="never" nodeType="tmRoot"/>
-      </p:par>
-    </p:tnLst>
-  </p:timing>
 </p:sld>
 </file>
 
@@ -4109,10 +4058,9 @@
           <a:lstStyle/>
           <a:p>
             <a:r>
-              <a:rPr lang="fr-FR" dirty="0" smtClean="0"/>
+              <a:rPr lang="fr-FR" dirty="0"/>
               <a:t>MNIST</a:t>
             </a:r>
-            <a:endParaRPr lang="fr-FR" dirty="0"/>
           </a:p>
         </p:txBody>
       </p:sp>
@@ -4132,14 +4080,14 @@
           <a:lstStyle/>
           <a:p>
             <a:r>
-              <a:rPr lang="fr-FR" dirty="0" smtClean="0"/>
+              <a:rPr lang="fr-FR" dirty="0"/>
               <a:t>Banque de données</a:t>
             </a:r>
           </a:p>
           <a:p>
             <a:pPr lvl="1"/>
             <a:r>
-              <a:rPr lang="fr-FR" dirty="0" smtClean="0"/>
+              <a:rPr lang="fr-FR" dirty="0"/>
               <a:t>Ici des chiffres manuscrits 24x24 en 16 niveaux de gris</a:t>
             </a:r>
           </a:p>
@@ -4200,199 +4148,6 @@
   <p:clrMapOvr>
     <a:masterClrMapping/>
   </p:clrMapOvr>
-  <p:timing>
-    <p:tnLst>
-      <p:par>
-        <p:cTn id="1" dur="indefinite" restart="never" nodeType="tmRoot"/>
-      </p:par>
-    </p:tnLst>
-  </p:timing>
-</p:sld>
-</file>
-
-<file path=ppt/slides/slide12.xml><?xml version="1.0" encoding="utf-8"?>
-<p:sld xmlns:a="http://schemas.openxmlformats.org/drawingml/2006/main" xmlns:r="http://schemas.openxmlformats.org/officeDocument/2006/relationships" xmlns:p="http://schemas.openxmlformats.org/presentationml/2006/main">
-  <p:cSld>
-    <p:spTree>
-      <p:nvGrpSpPr>
-        <p:cNvPr id="1" name=""/>
-        <p:cNvGrpSpPr/>
-        <p:nvPr/>
-      </p:nvGrpSpPr>
-      <p:grpSpPr>
-        <a:xfrm>
-          <a:off x="0" y="0"/>
-          <a:ext cx="0" cy="0"/>
-          <a:chOff x="0" y="0"/>
-          <a:chExt cx="0" cy="0"/>
-        </a:xfrm>
-      </p:grpSpPr>
-      <p:sp>
-        <p:nvSpPr>
-          <p:cNvPr id="2" name="Titre 1"/>
-          <p:cNvSpPr>
-            <a:spLocks noGrp="1"/>
-          </p:cNvSpPr>
-          <p:nvPr>
-            <p:ph type="title"/>
-          </p:nvPr>
-        </p:nvSpPr>
-        <p:spPr/>
-        <p:txBody>
-          <a:bodyPr/>
-          <a:lstStyle/>
-          <a:p>
-            <a:r>
-              <a:rPr lang="fr-FR" dirty="0" smtClean="0"/>
-              <a:t>MNIST</a:t>
-            </a:r>
-            <a:endParaRPr lang="fr-FR" dirty="0"/>
-          </a:p>
-        </p:txBody>
-      </p:sp>
-      <p:sp>
-        <p:nvSpPr>
-          <p:cNvPr id="3" name="Espace réservé du contenu 2"/>
-          <p:cNvSpPr>
-            <a:spLocks noGrp="1"/>
-          </p:cNvSpPr>
-          <p:nvPr>
-            <p:ph idx="1"/>
-          </p:nvPr>
-        </p:nvSpPr>
-        <p:spPr/>
-        <p:txBody>
-          <a:bodyPr/>
-          <a:lstStyle/>
-          <a:p>
-            <a:r>
-              <a:rPr lang="fr-FR" dirty="0" smtClean="0"/>
-              <a:t>Chargement des données</a:t>
-            </a:r>
-          </a:p>
-          <a:p>
-            <a:pPr lvl="1"/>
-            <a:r>
-              <a:rPr lang="fr-FR" dirty="0" err="1">
-                <a:latin typeface="Courier New" panose="02070309020205020404" pitchFamily="49" charset="0"/>
-                <a:cs typeface="Courier New" panose="02070309020205020404" pitchFamily="49" charset="0"/>
-              </a:rPr>
-              <a:t>mnist</a:t>
-            </a:r>
-            <a:r>
-              <a:rPr lang="fr-FR" dirty="0">
-                <a:latin typeface="Courier New" panose="02070309020205020404" pitchFamily="49" charset="0"/>
-                <a:cs typeface="Courier New" panose="02070309020205020404" pitchFamily="49" charset="0"/>
-              </a:rPr>
-              <a:t> = </a:t>
-            </a:r>
-            <a:r>
-              <a:rPr lang="fr-FR" dirty="0" err="1">
-                <a:latin typeface="Courier New" panose="02070309020205020404" pitchFamily="49" charset="0"/>
-                <a:cs typeface="Courier New" panose="02070309020205020404" pitchFamily="49" charset="0"/>
-              </a:rPr>
-              <a:t>ds.fetch_mldata</a:t>
-            </a:r>
-            <a:r>
-              <a:rPr lang="fr-FR" dirty="0">
-                <a:latin typeface="Courier New" panose="02070309020205020404" pitchFamily="49" charset="0"/>
-                <a:cs typeface="Courier New" panose="02070309020205020404" pitchFamily="49" charset="0"/>
-              </a:rPr>
-              <a:t>('MNIST original',</a:t>
-            </a:r>
-            <a:r>
-              <a:rPr lang="fr-FR" dirty="0" err="1">
-                <a:latin typeface="Courier New" panose="02070309020205020404" pitchFamily="49" charset="0"/>
-                <a:cs typeface="Courier New" panose="02070309020205020404" pitchFamily="49" charset="0"/>
-              </a:rPr>
-              <a:t>data_home</a:t>
-            </a:r>
-            <a:r>
-              <a:rPr lang="fr-FR" dirty="0">
-                <a:latin typeface="Courier New" panose="02070309020205020404" pitchFamily="49" charset="0"/>
-                <a:cs typeface="Courier New" panose="02070309020205020404" pitchFamily="49" charset="0"/>
-              </a:rPr>
-              <a:t>='./</a:t>
-            </a:r>
-            <a:r>
-              <a:rPr lang="fr-FR" dirty="0" err="1">
-                <a:latin typeface="Courier New" panose="02070309020205020404" pitchFamily="49" charset="0"/>
-                <a:cs typeface="Courier New" panose="02070309020205020404" pitchFamily="49" charset="0"/>
-              </a:rPr>
-              <a:t>mnist</a:t>
-            </a:r>
-            <a:r>
-              <a:rPr lang="fr-FR" dirty="0" smtClean="0">
-                <a:latin typeface="Courier New" panose="02070309020205020404" pitchFamily="49" charset="0"/>
-                <a:cs typeface="Courier New" panose="02070309020205020404" pitchFamily="49" charset="0"/>
-              </a:rPr>
-              <a:t>/')</a:t>
-            </a:r>
-          </a:p>
-          <a:p>
-            <a:pPr lvl="1"/>
-            <a:r>
-              <a:rPr lang="fr-FR" dirty="0" err="1" smtClean="0">
-                <a:latin typeface="Courier New" panose="02070309020205020404" pitchFamily="49" charset="0"/>
-                <a:cs typeface="Courier New" panose="02070309020205020404" pitchFamily="49" charset="0"/>
-              </a:rPr>
-              <a:t>mnist.data</a:t>
-            </a:r>
-            <a:r>
-              <a:rPr lang="fr-FR" dirty="0" smtClean="0">
-                <a:latin typeface="Courier New" panose="02070309020205020404" pitchFamily="49" charset="0"/>
-                <a:cs typeface="Courier New" panose="02070309020205020404" pitchFamily="49" charset="0"/>
-              </a:rPr>
-              <a:t> contient les images (70000)</a:t>
-            </a:r>
-          </a:p>
-          <a:p>
-            <a:pPr lvl="1"/>
-            <a:r>
-              <a:rPr lang="fr-FR" dirty="0" err="1">
-                <a:latin typeface="Courier New" panose="02070309020205020404" pitchFamily="49" charset="0"/>
-                <a:cs typeface="Courier New" panose="02070309020205020404" pitchFamily="49" charset="0"/>
-              </a:rPr>
-              <a:t>m</a:t>
-            </a:r>
-            <a:r>
-              <a:rPr lang="fr-FR" dirty="0" err="1" smtClean="0">
-                <a:latin typeface="Courier New" panose="02070309020205020404" pitchFamily="49" charset="0"/>
-                <a:cs typeface="Courier New" panose="02070309020205020404" pitchFamily="49" charset="0"/>
-              </a:rPr>
-              <a:t>nist.target</a:t>
-            </a:r>
-            <a:r>
-              <a:rPr lang="fr-FR" dirty="0" smtClean="0">
-                <a:latin typeface="Courier New" panose="02070309020205020404" pitchFamily="49" charset="0"/>
-                <a:cs typeface="Courier New" panose="02070309020205020404" pitchFamily="49" charset="0"/>
-              </a:rPr>
-              <a:t> contient les chiffres</a:t>
-            </a:r>
-          </a:p>
-          <a:p>
-            <a:pPr lvl="1"/>
-            <a:endParaRPr lang="fr-FR" dirty="0"/>
-          </a:p>
-        </p:txBody>
-      </p:sp>
-    </p:spTree>
-    <p:extLst>
-      <p:ext uri="{BB962C8B-B14F-4D97-AF65-F5344CB8AC3E}">
-        <p14:creationId xmlns:p14="http://schemas.microsoft.com/office/powerpoint/2010/main" val="3227662392"/>
-      </p:ext>
-    </p:extLst>
-  </p:cSld>
-  <p:clrMapOvr>
-    <a:masterClrMapping/>
-  </p:clrMapOvr>
-  <p:timing>
-    <p:tnLst>
-      <p:par>
-        <p:cTn id="1" dur="indefinite" restart="never" nodeType="tmRoot"/>
-      </p:par>
-    </p:tnLst>
-  </p:timing>
 </p:sld>
 </file>
 
@@ -4429,10 +4184,9 @@
           <a:lstStyle/>
           <a:p>
             <a:r>
-              <a:rPr lang="fr-FR" dirty="0" smtClean="0"/>
+              <a:rPr lang="fr-FR" dirty="0"/>
               <a:t>Pandas</a:t>
             </a:r>
-            <a:endParaRPr lang="fr-FR" dirty="0"/>
           </a:p>
         </p:txBody>
       </p:sp>
@@ -4466,47 +4220,47 @@
           </a:p>
           <a:p>
             <a:r>
-              <a:rPr lang="fr-FR" dirty="0" smtClean="0"/>
+              <a:rPr lang="fr-FR" dirty="0"/>
               <a:t>Module Python</a:t>
             </a:r>
           </a:p>
           <a:p>
             <a:pPr lvl="1"/>
             <a:r>
-              <a:rPr lang="fr-FR" dirty="0" smtClean="0"/>
+              <a:rPr lang="fr-FR" dirty="0"/>
               <a:t>Disponible dans Anaconda</a:t>
             </a:r>
           </a:p>
           <a:p>
             <a:pPr lvl="1"/>
             <a:r>
-              <a:rPr lang="fr-FR" dirty="0" err="1" smtClean="0"/>
+              <a:rPr lang="fr-FR" dirty="0" err="1"/>
               <a:t>Pip</a:t>
             </a:r>
             <a:r>
-              <a:rPr lang="fr-FR" dirty="0" smtClean="0"/>
+              <a:rPr lang="fr-FR" dirty="0"/>
               <a:t> </a:t>
             </a:r>
             <a:r>
-              <a:rPr lang="fr-FR" dirty="0" err="1" smtClean="0"/>
+              <a:rPr lang="fr-FR" dirty="0" err="1"/>
               <a:t>install</a:t>
             </a:r>
             <a:r>
-              <a:rPr lang="fr-FR" dirty="0" smtClean="0"/>
+              <a:rPr lang="fr-FR" dirty="0"/>
               <a:t> pandas</a:t>
             </a:r>
           </a:p>
           <a:p>
             <a:pPr lvl="1"/>
             <a:r>
-              <a:rPr lang="fr-FR" dirty="0" smtClean="0"/>
+              <a:rPr lang="fr-FR" dirty="0"/>
               <a:t>import pandas as </a:t>
             </a:r>
             <a:r>
-              <a:rPr lang="fr-FR" dirty="0" err="1" smtClean="0"/>
+              <a:rPr lang="fr-FR" dirty="0" err="1"/>
               <a:t>pd</a:t>
             </a:r>
-            <a:endParaRPr lang="fr-FR" dirty="0" smtClean="0"/>
+            <a:endParaRPr lang="fr-FR" dirty="0"/>
           </a:p>
         </p:txBody>
       </p:sp>
@@ -4520,13 +4274,6 @@
   <p:clrMapOvr>
     <a:masterClrMapping/>
   </p:clrMapOvr>
-  <p:timing>
-    <p:tnLst>
-      <p:par>
-        <p:cTn id="1" dur="indefinite" restart="never" nodeType="tmRoot"/>
-      </p:par>
-    </p:tnLst>
-  </p:timing>
 </p:sld>
 </file>
 
@@ -4563,10 +4310,9 @@
           <a:lstStyle/>
           <a:p>
             <a:r>
-              <a:rPr lang="fr-FR" dirty="0" smtClean="0"/>
+              <a:rPr lang="fr-FR" dirty="0"/>
               <a:t>Les structures de données</a:t>
             </a:r>
-            <a:endParaRPr lang="fr-FR" dirty="0"/>
           </a:p>
         </p:txBody>
       </p:sp>
@@ -4586,101 +4332,65 @@
           <a:lstStyle/>
           <a:p>
             <a:r>
-              <a:rPr lang="fr-FR" dirty="0" smtClean="0"/>
-              <a:t>Pandas </a:t>
-            </a:r>
-            <a:r>
-              <a:rPr lang="fr-FR" dirty="0"/>
-              <a:t>fournit </a:t>
-            </a:r>
-            <a:r>
-              <a:rPr lang="fr-FR" dirty="0" smtClean="0"/>
-              <a:t>2 structures </a:t>
-            </a:r>
-            <a:r>
-              <a:rPr lang="fr-FR" dirty="0"/>
-              <a:t>de données </a:t>
-            </a:r>
-            <a:r>
-              <a:rPr lang="fr-FR" dirty="0" smtClean="0"/>
-              <a:t>fondamentales</a:t>
+              <a:rPr lang="fr-FR" dirty="0"/>
+              <a:t>Pandas fournit 2 structures de données fondamentales</a:t>
             </a:r>
           </a:p>
           <a:p>
             <a:pPr lvl="1"/>
             <a:r>
-              <a:rPr lang="fr-FR" dirty="0" smtClean="0"/>
+              <a:rPr lang="fr-FR" dirty="0"/>
               <a:t>la </a:t>
             </a:r>
             <a:r>
-              <a:rPr lang="fr-FR" dirty="0" err="1" smtClean="0"/>
+              <a:rPr lang="fr-FR" dirty="0" err="1"/>
               <a:t>Series</a:t>
             </a:r>
             <a:r>
-              <a:rPr lang="fr-FR" dirty="0" smtClean="0"/>
-              <a:t> </a:t>
-            </a:r>
-            <a:r>
-              <a:rPr lang="fr-FR" dirty="0"/>
-              <a:t>et le </a:t>
-            </a:r>
-            <a:r>
-              <a:rPr lang="fr-FR" dirty="0" err="1" smtClean="0"/>
+              <a:rPr lang="fr-FR" dirty="0"/>
+              <a:t> et le </a:t>
+            </a:r>
+            <a:r>
+              <a:rPr lang="fr-FR" dirty="0" err="1"/>
               <a:t>DataFrame</a:t>
             </a:r>
             <a:r>
-              <a:rPr lang="fr-FR" dirty="0" smtClean="0"/>
+              <a:rPr lang="fr-FR" dirty="0"/>
               <a:t> </a:t>
             </a:r>
           </a:p>
           <a:p>
             <a:pPr lvl="1"/>
             <a:r>
-              <a:rPr lang="fr-FR" dirty="0" smtClean="0"/>
-              <a:t>On </a:t>
-            </a:r>
-            <a:r>
-              <a:rPr lang="fr-FR" dirty="0"/>
-              <a:t>peut voir ces structures comme une généralisation des tableaux et des matrices de </a:t>
-            </a:r>
-            <a:r>
-              <a:rPr lang="fr-FR" dirty="0" err="1" smtClean="0"/>
-              <a:t>Numpy</a:t>
-            </a:r>
-            <a:endParaRPr lang="fr-FR" dirty="0" smtClean="0"/>
-          </a:p>
-          <a:p>
-            <a:pPr lvl="1"/>
-            <a:r>
-              <a:rPr lang="fr-FR" dirty="0" smtClean="0"/>
-              <a:t>La </a:t>
-            </a:r>
-            <a:r>
-              <a:rPr lang="fr-FR" dirty="0"/>
-              <a:t>différence fondamentale entre ces structures et les versions de </a:t>
+              <a:rPr lang="fr-FR" dirty="0"/>
+              <a:t>On peut voir ces structures comme une généralisation des tableaux et des matrices de </a:t>
             </a:r>
             <a:r>
               <a:rPr lang="fr-FR" dirty="0" err="1"/>
               <a:t>Numpy</a:t>
             </a:r>
-            <a:r>
-              <a:rPr lang="fr-FR" dirty="0"/>
-              <a:t> est que les objets Pandas possèdent des indices </a:t>
-            </a:r>
-            <a:r>
-              <a:rPr lang="fr-FR" dirty="0" smtClean="0"/>
-              <a:t>explicites</a:t>
-            </a:r>
+            <a:endParaRPr lang="fr-FR" dirty="0"/>
           </a:p>
           <a:p>
             <a:pPr lvl="1"/>
             <a:r>
-              <a:rPr lang="fr-FR" dirty="0" smtClean="0"/>
-              <a:t>Là </a:t>
-            </a:r>
-            <a:r>
-              <a:rPr lang="fr-FR" dirty="0"/>
-              <a:t>où on ne pouvait se référer à un élément d'un tableau </a:t>
+              <a:rPr lang="fr-FR" dirty="0"/>
+              <a:t>La différence fondamentale entre ces structures et les versions de </a:t>
+            </a:r>
+            <a:r>
+              <a:rPr lang="fr-FR" dirty="0" err="1"/>
+              <a:t>Numpy</a:t>
+            </a:r>
+            <a:r>
+              <a:rPr lang="fr-FR" dirty="0"/>
+              <a:t> est que les objets Pandas possèdent des indices explicites</a:t>
+            </a:r>
+          </a:p>
+          <a:p>
+            <a:pPr lvl="1"/>
+            <a:r>
+              <a:rPr lang="fr-FR" dirty="0"/>
+              <a:t>Là où on ne pouvait se référer à un élément d'un tableau </a:t>
             </a:r>
             <a:r>
               <a:rPr lang="fr-FR" dirty="0" err="1"/>
@@ -4719,13 +4429,6 @@
   <p:clrMapOvr>
     <a:masterClrMapping/>
   </p:clrMapOvr>
-  <p:timing>
-    <p:tnLst>
-      <p:par>
-        <p:cTn id="1" dur="indefinite" restart="never" nodeType="tmRoot"/>
-      </p:par>
-    </p:tnLst>
-  </p:timing>
 </p:sld>
 </file>
 
@@ -4762,10 +4465,9 @@
           <a:lstStyle/>
           <a:p>
             <a:r>
-              <a:rPr lang="fr-FR" dirty="0" smtClean="0"/>
+              <a:rPr lang="fr-FR" dirty="0"/>
               <a:t>Import de données</a:t>
             </a:r>
-            <a:endParaRPr lang="fr-FR" dirty="0"/>
           </a:p>
         </p:txBody>
       </p:sp>
@@ -4785,25 +4487,25 @@
           <a:lstStyle/>
           <a:p>
             <a:r>
-              <a:rPr lang="fr-FR" dirty="0" smtClean="0"/>
+              <a:rPr lang="fr-FR" dirty="0"/>
               <a:t>Pandas possède une librairie très puissante pour importer des données depuis n’importe quelle source</a:t>
             </a:r>
           </a:p>
           <a:p>
             <a:pPr lvl="1"/>
             <a:r>
-              <a:rPr lang="fr-FR" dirty="0" smtClean="0"/>
+              <a:rPr lang="fr-FR" dirty="0"/>
               <a:t>Puis les converti en </a:t>
             </a:r>
             <a:r>
-              <a:rPr lang="fr-FR" dirty="0" err="1" smtClean="0"/>
+              <a:rPr lang="fr-FR" dirty="0" err="1"/>
               <a:t>DataFrame</a:t>
             </a:r>
-            <a:endParaRPr lang="fr-FR" dirty="0" smtClean="0"/>
-          </a:p>
-          <a:p>
-            <a:r>
-              <a:rPr lang="fr-FR" dirty="0" smtClean="0"/>
+            <a:endParaRPr lang="fr-FR" dirty="0"/>
+          </a:p>
+          <a:p>
+            <a:r>
+              <a:rPr lang="fr-FR" dirty="0"/>
               <a:t>CSV</a:t>
             </a:r>
           </a:p>
@@ -4845,21 +4547,21 @@
               <a:buNone/>
             </a:pPr>
             <a:r>
-              <a:rPr lang="fr-FR" sz="2000" dirty="0" err="1" smtClean="0">
+              <a:rPr lang="fr-FR" sz="2000" dirty="0" err="1">
                 <a:latin typeface="Courier New" panose="02070309020205020404" pitchFamily="49" charset="0"/>
                 <a:cs typeface="Courier New" panose="02070309020205020404" pitchFamily="49" charset="0"/>
               </a:rPr>
               <a:t>plt.plot</a:t>
             </a:r>
             <a:r>
-              <a:rPr lang="fr-FR" sz="2000" dirty="0" smtClean="0">
+              <a:rPr lang="fr-FR" sz="2000" dirty="0">
                 <a:latin typeface="Courier New" panose="02070309020205020404" pitchFamily="49" charset="0"/>
                 <a:cs typeface="Courier New" panose="02070309020205020404" pitchFamily="49" charset="0"/>
               </a:rPr>
               <a:t>(</a:t>
             </a:r>
             <a:r>
-              <a:rPr lang="fr-FR" sz="2000" dirty="0" err="1" smtClean="0">
+              <a:rPr lang="fr-FR" sz="2000" dirty="0" err="1">
                 <a:latin typeface="Courier New" panose="02070309020205020404" pitchFamily="49" charset="0"/>
                 <a:cs typeface="Courier New" panose="02070309020205020404" pitchFamily="49" charset="0"/>
               </a:rPr>
@@ -4933,10 +4635,6 @@
               </a:rPr>
               <a:t>()</a:t>
             </a:r>
-            <a:endParaRPr lang="fr-FR" sz="2000" dirty="0" smtClean="0">
-              <a:latin typeface="Courier New" panose="02070309020205020404" pitchFamily="49" charset="0"/>
-              <a:cs typeface="Courier New" panose="02070309020205020404" pitchFamily="49" charset="0"/>
-            </a:endParaRPr>
           </a:p>
           <a:p>
             <a:pPr lvl="1"/>
@@ -4954,13 +4652,6 @@
   <p:clrMapOvr>
     <a:masterClrMapping/>
   </p:clrMapOvr>
-  <p:timing>
-    <p:tnLst>
-      <p:par>
-        <p:cTn id="1" dur="indefinite" restart="never" nodeType="tmRoot"/>
-      </p:par>
-    </p:tnLst>
-  </p:timing>
 </p:sld>
 </file>
 
@@ -4997,10 +4688,9 @@
           <a:lstStyle/>
           <a:p>
             <a:r>
-              <a:rPr lang="fr-FR" dirty="0" smtClean="0"/>
+              <a:rPr lang="fr-FR" dirty="0"/>
               <a:t>Import de données</a:t>
             </a:r>
-            <a:endParaRPr lang="fr-FR" dirty="0"/>
           </a:p>
         </p:txBody>
       </p:sp>
@@ -5020,7 +4710,7 @@
           <a:lstStyle/>
           <a:p>
             <a:r>
-              <a:rPr lang="fr-FR" dirty="0" smtClean="0"/>
+              <a:rPr lang="fr-FR" dirty="0"/>
               <a:t>SQL</a:t>
             </a:r>
           </a:p>
@@ -5087,19 +4777,12 @@
                 <a:latin typeface="Courier New" panose="02070309020205020404" pitchFamily="49" charset="0"/>
                 <a:cs typeface="Courier New" panose="02070309020205020404" pitchFamily="49" charset="0"/>
               </a:rPr>
-              <a:t> from house', conn</a:t>
-            </a:r>
-            <a:r>
-              <a:rPr lang="en-US" sz="2000" dirty="0" smtClean="0">
-                <a:latin typeface="Courier New" panose="02070309020205020404" pitchFamily="49" charset="0"/>
-                <a:cs typeface="Courier New" panose="02070309020205020404" pitchFamily="49" charset="0"/>
-              </a:rPr>
-              <a:t>)</a:t>
-            </a:r>
-          </a:p>
-          <a:p>
-            <a:r>
-              <a:rPr lang="fr-FR" dirty="0" smtClean="0"/>
+              <a:t> from house', conn)</a:t>
+            </a:r>
+          </a:p>
+          <a:p>
+            <a:r>
+              <a:rPr lang="fr-FR" dirty="0"/>
               <a:t>Mongo DB</a:t>
             </a:r>
           </a:p>
@@ -5299,7 +4982,7 @@
             <a:pPr marL="457200" lvl="1" indent="0">
               <a:buNone/>
             </a:pPr>
-            <a:endParaRPr lang="en-US" sz="2000" dirty="0" smtClean="0">
+            <a:endParaRPr lang="en-US" sz="2000" dirty="0">
               <a:latin typeface="Courier New" panose="02070309020205020404" pitchFamily="49" charset="0"/>
               <a:cs typeface="Courier New" panose="02070309020205020404" pitchFamily="49" charset="0"/>
             </a:endParaRPr>
@@ -5316,13 +4999,6 @@
   <p:clrMapOvr>
     <a:masterClrMapping/>
   </p:clrMapOvr>
-  <p:timing>
-    <p:tnLst>
-      <p:par>
-        <p:cTn id="1" dur="indefinite" restart="never" nodeType="tmRoot"/>
-      </p:par>
-    </p:tnLst>
-  </p:timing>
 </p:sld>
 </file>
 
@@ -5359,10 +5035,9 @@
           <a:lstStyle/>
           <a:p>
             <a:r>
-              <a:rPr lang="fr-FR" dirty="0" smtClean="0"/>
+              <a:rPr lang="fr-FR" dirty="0"/>
               <a:t>Filtrage</a:t>
             </a:r>
-            <a:endParaRPr lang="fr-FR" dirty="0"/>
           </a:p>
         </p:txBody>
       </p:sp>
@@ -5382,22 +5057,21 @@
           <a:lstStyle/>
           <a:p>
             <a:r>
-              <a:rPr lang="fr-FR" dirty="0" smtClean="0"/>
+              <a:rPr lang="fr-FR" dirty="0"/>
               <a:t>Il faut pouvoir enlever les données aberrante</a:t>
             </a:r>
           </a:p>
           <a:p>
             <a:r>
-              <a:rPr lang="fr-FR" dirty="0" smtClean="0"/>
+              <a:rPr lang="fr-FR" dirty="0"/>
               <a:t>Ou les données non significatives</a:t>
             </a:r>
           </a:p>
           <a:p>
             <a:r>
-              <a:rPr lang="fr-FR" dirty="0" smtClean="0"/>
+              <a:rPr lang="fr-FR" dirty="0"/>
               <a:t>Ou les données trop en dehors de l’écart type</a:t>
             </a:r>
-            <a:endParaRPr lang="fr-FR" dirty="0"/>
           </a:p>
         </p:txBody>
       </p:sp>
@@ -5452,13 +5126,6 @@
   <p:clrMapOvr>
     <a:masterClrMapping/>
   </p:clrMapOvr>
-  <p:timing>
-    <p:tnLst>
-      <p:par>
-        <p:cTn id="1" dur="indefinite" restart="never" nodeType="tmRoot"/>
-      </p:par>
-    </p:tnLst>
-  </p:timing>
 </p:sld>
 </file>
 
@@ -5495,10 +5162,9 @@
           <a:lstStyle/>
           <a:p>
             <a:r>
-              <a:rPr lang="fr-FR" dirty="0" smtClean="0"/>
+              <a:rPr lang="fr-FR" dirty="0"/>
               <a:t>Interprétation après filtrage</a:t>
             </a:r>
-            <a:endParaRPr lang="fr-FR" dirty="0"/>
           </a:p>
         </p:txBody>
       </p:sp>
@@ -5518,13 +5184,13 @@
           <a:lstStyle/>
           <a:p>
             <a:r>
-              <a:rPr lang="fr-FR" dirty="0" smtClean="0"/>
+              <a:rPr lang="fr-FR" dirty="0"/>
               <a:t>Nous pouvons filtrer les surfaces &gt; 300</a:t>
             </a:r>
           </a:p>
           <a:p>
             <a:r>
-              <a:rPr lang="fr-FR" dirty="0" smtClean="0"/>
+              <a:rPr lang="fr-FR" dirty="0"/>
               <a:t>Avec </a:t>
             </a:r>
             <a:r>
@@ -5540,32 +5206,21 @@
             <a:pPr lvl="1"/>
             <a:r>
               <a:rPr lang="fr-FR" dirty="0"/>
-              <a:t>Loyer = </a:t>
-            </a:r>
-            <a:r>
-              <a:rPr lang="fr-FR" dirty="0" smtClean="0"/>
-              <a:t>34.Surface + 71</a:t>
-            </a:r>
-            <a:endParaRPr lang="fr-FR" dirty="0"/>
+              <a:t>Loyer = 34.Surface + 71</a:t>
+            </a:r>
           </a:p>
           <a:p>
             <a:pPr lvl="1"/>
             <a:r>
               <a:rPr lang="fr-FR" dirty="0"/>
-              <a:t>Corrélation = </a:t>
-            </a:r>
-            <a:r>
-              <a:rPr lang="fr-FR" dirty="0" smtClean="0"/>
-              <a:t>84.7% (En baisse)</a:t>
-            </a:r>
-            <a:endParaRPr lang="fr-FR" dirty="0"/>
-          </a:p>
-          <a:p>
-            <a:r>
-              <a:rPr lang="fr-FR" dirty="0" smtClean="0"/>
+              <a:t>Corrélation = 84.7% (En baisse)</a:t>
+            </a:r>
+          </a:p>
+          <a:p>
+            <a:r>
+              <a:rPr lang="fr-FR" dirty="0"/>
               <a:t>Meilleur résultat</a:t>
             </a:r>
-            <a:endParaRPr lang="fr-FR" dirty="0"/>
           </a:p>
         </p:txBody>
       </p:sp>
@@ -5603,13 +5258,6 @@
   <p:clrMapOvr>
     <a:masterClrMapping/>
   </p:clrMapOvr>
-  <p:timing>
-    <p:tnLst>
-      <p:par>
-        <p:cTn id="1" dur="indefinite" restart="never" nodeType="tmRoot"/>
-      </p:par>
-    </p:tnLst>
-  </p:timing>
 </p:sld>
 </file>
 
@@ -5646,10 +5294,9 @@
           <a:lstStyle/>
           <a:p>
             <a:r>
-              <a:rPr lang="fr-FR" dirty="0" smtClean="0"/>
+              <a:rPr lang="fr-FR" dirty="0"/>
               <a:t>Filtrage</a:t>
             </a:r>
-            <a:endParaRPr lang="fr-FR" dirty="0"/>
           </a:p>
         </p:txBody>
       </p:sp>
@@ -5669,62 +5316,83 @@
           <a:lstStyle/>
           <a:p>
             <a:r>
-              <a:rPr lang="fr-FR" dirty="0" smtClean="0"/>
+              <a:rPr lang="fr-FR" dirty="0"/>
               <a:t>Filtrage du </a:t>
             </a:r>
             <a:r>
-              <a:rPr lang="fr-FR" dirty="0" err="1" smtClean="0"/>
+              <a:rPr lang="fr-FR" dirty="0" err="1"/>
               <a:t>DataFrame</a:t>
             </a:r>
-            <a:endParaRPr lang="fr-FR" dirty="0" smtClean="0"/>
+            <a:endParaRPr lang="fr-FR" dirty="0"/>
           </a:p>
           <a:p>
             <a:pPr lvl="1"/>
             <a:r>
-              <a:rPr lang="fr-FR" dirty="0" err="1" smtClean="0"/>
+              <a:rPr lang="fr-FR" dirty="0" err="1"/>
               <a:t>Dataframe</a:t>
             </a:r>
             <a:r>
-              <a:rPr lang="fr-FR" dirty="0" smtClean="0"/>
+              <a:rPr lang="fr-FR" dirty="0"/>
               <a:t> = </a:t>
             </a:r>
             <a:r>
-              <a:rPr lang="fr-FR" dirty="0" err="1" smtClean="0"/>
+              <a:rPr lang="fr-FR" dirty="0" err="1"/>
               <a:t>dataframe</a:t>
             </a:r>
             <a:r>
-              <a:rPr lang="fr-FR" dirty="0" smtClean="0"/>
+              <a:rPr lang="fr-FR" dirty="0"/>
               <a:t>[</a:t>
             </a:r>
             <a:r>
-              <a:rPr lang="fr-FR" dirty="0" err="1" smtClean="0"/>
+              <a:rPr lang="fr-FR" dirty="0" err="1"/>
               <a:t>dataframe.surface</a:t>
             </a:r>
             <a:r>
-              <a:rPr lang="fr-FR" dirty="0" smtClean="0"/>
+              <a:rPr lang="fr-FR" dirty="0"/>
               <a:t> &lt; 200]</a:t>
             </a:r>
+          </a:p>
+          <a:p>
+            <a:r>
+              <a:rPr lang="fr-FR" dirty="0"/>
+              <a:t>Enlever une dimension</a:t>
+            </a:r>
+          </a:p>
+          <a:p>
+            <a:pPr lvl="1"/>
+            <a:r>
+              <a:rPr lang="fr-FR" dirty="0" err="1"/>
+              <a:t>Dataframe.drop</a:t>
+            </a:r>
+            <a:r>
+              <a:rPr lang="fr-FR" dirty="0"/>
+              <a:t>(‘Colonne’,1)</a:t>
+            </a:r>
+          </a:p>
+          <a:p>
+            <a:r>
+              <a:rPr lang="fr-FR" dirty="0"/>
+              <a:t>Ajouter un colonne</a:t>
+            </a:r>
+          </a:p>
+          <a:p>
+            <a:pPr lvl="1"/>
+            <a:r>
+              <a:rPr lang="fr-FR" dirty="0" err="1"/>
+              <a:t>Dataframe</a:t>
+            </a:r>
+            <a:r>
+              <a:rPr lang="fr-FR" dirty="0"/>
+              <a:t>["Colonne"] = </a:t>
+            </a:r>
+            <a:r>
+              <a:rPr lang="fr-FR" dirty="0" err="1"/>
+              <a:t>series</a:t>
+            </a:r>
             <a:endParaRPr lang="fr-FR" dirty="0"/>
           </a:p>
           <a:p>
-            <a:r>
-              <a:rPr lang="fr-FR" dirty="0" smtClean="0"/>
-              <a:t>Enlever une dimension</a:t>
-            </a:r>
-          </a:p>
-          <a:p>
-            <a:pPr lvl="1"/>
-            <a:r>
-              <a:rPr lang="fr-FR" dirty="0" err="1" smtClean="0"/>
-              <a:t>Dataframe.drop</a:t>
-            </a:r>
-            <a:r>
-              <a:rPr lang="fr-FR" dirty="0" smtClean="0"/>
-              <a:t>(‘Colonne’,1)</a:t>
-            </a:r>
-          </a:p>
-          <a:p>
-            <a:endParaRPr lang="fr-FR" dirty="0" smtClean="0"/>
+            <a:endParaRPr lang="fr-FR" dirty="0"/>
           </a:p>
         </p:txBody>
       </p:sp>
@@ -5738,13 +5406,6 @@
   <p:clrMapOvr>
     <a:masterClrMapping/>
   </p:clrMapOvr>
-  <p:timing>
-    <p:tnLst>
-      <p:par>
-        <p:cTn id="1" dur="indefinite" restart="never" nodeType="tmRoot"/>
-      </p:par>
-    </p:tnLst>
-  </p:timing>
 </p:sld>
 </file>
 
@@ -5781,10 +5442,9 @@
           <a:lstStyle/>
           <a:p>
             <a:r>
-              <a:rPr lang="fr-FR" dirty="0" smtClean="0"/>
+              <a:rPr lang="fr-FR" dirty="0"/>
               <a:t>Filtrage</a:t>
             </a:r>
-            <a:endParaRPr lang="fr-FR" dirty="0"/>
           </a:p>
         </p:txBody>
       </p:sp>
@@ -5804,40 +5464,58 @@
           <a:lstStyle/>
           <a:p>
             <a:r>
-              <a:rPr lang="fr-FR" dirty="0" smtClean="0"/>
+              <a:rPr lang="fr-FR" dirty="0"/>
+              <a:t>Chargement des na values</a:t>
+            </a:r>
+          </a:p>
+          <a:p>
+            <a:pPr lvl="1"/>
+            <a:r>
+              <a:rPr lang="fr-FR" dirty="0"/>
+              <a:t>Attribut </a:t>
+            </a:r>
+            <a:r>
+              <a:rPr lang="fr-FR" dirty="0" err="1"/>
+              <a:t>na_values</a:t>
+            </a:r>
+            <a:r>
+              <a:rPr lang="fr-FR" dirty="0"/>
+              <a:t>="." dans </a:t>
+            </a:r>
+            <a:r>
+              <a:rPr lang="fr-FR" dirty="0" err="1"/>
+              <a:t>read_csv</a:t>
+            </a:r>
+            <a:endParaRPr lang="fr-FR" dirty="0"/>
+          </a:p>
+          <a:p>
+            <a:r>
+              <a:rPr lang="fr-FR" dirty="0"/>
               <a:t>Remplacer les champs nuls</a:t>
             </a:r>
           </a:p>
           <a:p>
             <a:pPr lvl="1"/>
             <a:r>
-              <a:rPr lang="fr-FR" dirty="0" err="1" smtClean="0"/>
+              <a:rPr lang="fr-FR" dirty="0" err="1"/>
               <a:t>dataframe.codePostal</a:t>
             </a:r>
             <a:r>
-              <a:rPr lang="fr-FR" dirty="0" smtClean="0"/>
-              <a:t> </a:t>
-            </a:r>
-            <a:r>
-              <a:rPr lang="fr-FR" dirty="0"/>
-              <a:t>= </a:t>
-            </a:r>
-            <a:r>
-              <a:rPr lang="fr-FR" dirty="0" err="1" smtClean="0"/>
+              <a:rPr lang="fr-FR" dirty="0"/>
+              <a:t> = </a:t>
+            </a:r>
+            <a:r>
+              <a:rPr lang="fr-FR" dirty="0" err="1"/>
               <a:t>dataframe.codePostal.fillna</a:t>
             </a:r>
             <a:r>
               <a:rPr lang="fr-FR" dirty="0"/>
-              <a:t>('38000</a:t>
-            </a:r>
-            <a:r>
-              <a:rPr lang="fr-FR" dirty="0" smtClean="0"/>
-              <a:t>')</a:t>
-            </a:r>
-          </a:p>
-          <a:p>
-            <a:r>
-              <a:rPr lang="fr-FR" dirty="0" smtClean="0"/>
+              <a:t>('38000')</a:t>
+            </a:r>
+          </a:p>
+          <a:p>
+            <a:r>
+              <a:rPr lang="fr-FR" dirty="0"/>
               <a:t>Effacer les lignes nuls</a:t>
             </a:r>
           </a:p>
@@ -5845,52 +5523,36 @@
             <a:pPr lvl="1"/>
             <a:r>
               <a:rPr lang="fr-FR" dirty="0" err="1"/>
-              <a:t>d</a:t>
-            </a:r>
-            <a:r>
-              <a:rPr lang="fr-FR" dirty="0" err="1" smtClean="0"/>
-              <a:t>ropna</a:t>
-            </a:r>
-            <a:r>
-              <a:rPr lang="fr-FR" dirty="0" smtClean="0"/>
+              <a:t>dropna</a:t>
+            </a:r>
+            <a:r>
+              <a:rPr lang="fr-FR" dirty="0"/>
               <a:t>()</a:t>
             </a:r>
           </a:p>
           <a:p>
             <a:r>
-              <a:rPr lang="fr-FR" smtClean="0"/>
-              <a:t>Changement </a:t>
-            </a:r>
-            <a:r>
-              <a:rPr lang="fr-FR" dirty="0" smtClean="0"/>
-              <a:t>de valeurs</a:t>
+              <a:rPr lang="fr-FR" dirty="0"/>
+              <a:t>Changement de valeurs</a:t>
             </a:r>
           </a:p>
           <a:p>
             <a:pPr lvl="1"/>
             <a:r>
-              <a:rPr lang="fr-FR" dirty="0" err="1" smtClean="0"/>
+              <a:rPr lang="fr-FR" dirty="0" err="1"/>
               <a:t>dataframe.surface</a:t>
             </a:r>
             <a:r>
-              <a:rPr lang="fr-FR" dirty="0" smtClean="0"/>
-              <a:t> </a:t>
-            </a:r>
-            <a:r>
-              <a:rPr lang="fr-FR" dirty="0"/>
-              <a:t>= </a:t>
-            </a:r>
-            <a:r>
-              <a:rPr lang="fr-FR" dirty="0" err="1" smtClean="0"/>
+              <a:rPr lang="fr-FR" dirty="0"/>
+              <a:t> = </a:t>
+            </a:r>
+            <a:r>
+              <a:rPr lang="fr-FR" dirty="0" err="1"/>
               <a:t>dataframe</a:t>
             </a:r>
             <a:r>
-              <a:rPr lang="fr-FR" dirty="0" smtClean="0"/>
-              <a:t>[‘surface'].</a:t>
-            </a:r>
-            <a:r>
-              <a:rPr lang="fr-FR" dirty="0"/>
-              <a:t>replace(',', '.',</a:t>
+              <a:rPr lang="fr-FR" dirty="0"/>
+              <a:t>[‘surface'].replace(',', '.',</a:t>
             </a:r>
             <a:r>
               <a:rPr lang="fr-FR" dirty="0" err="1"/>
@@ -5921,13 +5583,12 @@
               <a:t>float</a:t>
             </a:r>
             <a:r>
-              <a:rPr lang="fr-FR" dirty="0" smtClean="0"/>
+              <a:rPr lang="fr-FR" dirty="0"/>
               <a:t>)</a:t>
             </a:r>
+          </a:p>
+          <a:p>
             <a:endParaRPr lang="fr-FR" dirty="0"/>
-          </a:p>
-          <a:p>
-            <a:endParaRPr lang="fr-FR" dirty="0" smtClean="0"/>
           </a:p>
         </p:txBody>
       </p:sp>
@@ -5941,13 +5602,6 @@
   <p:clrMapOvr>
     <a:masterClrMapping/>
   </p:clrMapOvr>
-  <p:timing>
-    <p:tnLst>
-      <p:par>
-        <p:cTn id="1" dur="indefinite" restart="never" nodeType="tmRoot"/>
-      </p:par>
-    </p:tnLst>
-  </p:timing>
 </p:sld>
 </file>
 

--- a/ppt/PythonMath11-Pandas.pptx
+++ b/ppt/PythonMath11-Pandas.pptx
@@ -4088,7 +4088,15 @@
             <a:pPr lvl="1"/>
             <a:r>
               <a:rPr lang="fr-FR" dirty="0"/>
-              <a:t>Ici des chiffres manuscrits 24x24 en 16 niveaux de gris</a:t>
+              <a:t>Ici des chiffres manuscrits 24x24 </a:t>
+            </a:r>
+            <a:r>
+              <a:rPr lang="fr-FR"/>
+              <a:t>en 255 </a:t>
+            </a:r>
+            <a:r>
+              <a:rPr lang="fr-FR" dirty="0"/>
+              <a:t>niveaux de gris</a:t>
             </a:r>
           </a:p>
           <a:p>

--- a/ppt/PythonMath11-Pandas.pptx
+++ b/ppt/PythonMath11-Pandas.pptx
@@ -4088,15 +4088,7 @@
             <a:pPr lvl="1"/>
             <a:r>
               <a:rPr lang="fr-FR" dirty="0"/>
-              <a:t>Ici des chiffres manuscrits 24x24 </a:t>
-            </a:r>
-            <a:r>
-              <a:rPr lang="fr-FR"/>
-              <a:t>en 255 </a:t>
-            </a:r>
-            <a:r>
-              <a:rPr lang="fr-FR" dirty="0"/>
-              <a:t>niveaux de gris</a:t>
+              <a:t>Ici des chiffres manuscrits 28x28 en 255 niveaux de gris</a:t>
             </a:r>
           </a:p>
           <a:p>

--- a/ppt/PythonMath11-Pandas.pptx
+++ b/ppt/PythonMath11-Pandas.pptx
@@ -5,10 +5,10 @@
     <p:sldMasterId id="2147483653" r:id="rId1"/>
   </p:sldMasterIdLst>
   <p:notesMasterIdLst>
-    <p:notesMasterId r:id="rId13"/>
+    <p:notesMasterId r:id="rId14"/>
   </p:notesMasterIdLst>
   <p:handoutMasterIdLst>
-    <p:handoutMasterId r:id="rId14"/>
+    <p:handoutMasterId r:id="rId15"/>
   </p:handoutMasterIdLst>
   <p:sldIdLst>
     <p:sldId id="264" r:id="rId2"/>
@@ -16,12 +16,13 @@
     <p:sldId id="266" r:id="rId4"/>
     <p:sldId id="274" r:id="rId5"/>
     <p:sldId id="275" r:id="rId6"/>
-    <p:sldId id="280" r:id="rId7"/>
-    <p:sldId id="281" r:id="rId8"/>
-    <p:sldId id="276" r:id="rId9"/>
-    <p:sldId id="282" r:id="rId10"/>
-    <p:sldId id="283" r:id="rId11"/>
-    <p:sldId id="278" r:id="rId12"/>
+    <p:sldId id="279" r:id="rId7"/>
+    <p:sldId id="280" r:id="rId8"/>
+    <p:sldId id="281" r:id="rId9"/>
+    <p:sldId id="276" r:id="rId10"/>
+    <p:sldId id="282" r:id="rId11"/>
+    <p:sldId id="283" r:id="rId12"/>
+    <p:sldId id="278" r:id="rId13"/>
   </p:sldIdLst>
   <p:sldSz cx="9144000" cy="6858000" type="screen4x3"/>
   <p:notesSz cx="6648450" cy="9782175"/>
@@ -3813,6 +3814,202 @@
           <a:p>
             <a:r>
               <a:rPr lang="fr-FR" dirty="0"/>
+              <a:t>Filtrage</a:t>
+            </a:r>
+          </a:p>
+        </p:txBody>
+      </p:sp>
+      <p:sp>
+        <p:nvSpPr>
+          <p:cNvPr id="3" name="Espace réservé du contenu 2"/>
+          <p:cNvSpPr>
+            <a:spLocks noGrp="1"/>
+          </p:cNvSpPr>
+          <p:nvPr>
+            <p:ph idx="1"/>
+          </p:nvPr>
+        </p:nvSpPr>
+        <p:spPr/>
+        <p:txBody>
+          <a:bodyPr/>
+          <a:lstStyle/>
+          <a:p>
+            <a:r>
+              <a:rPr lang="fr-FR" dirty="0"/>
+              <a:t>Chargement des na values</a:t>
+            </a:r>
+          </a:p>
+          <a:p>
+            <a:pPr lvl="1"/>
+            <a:r>
+              <a:rPr lang="fr-FR" dirty="0"/>
+              <a:t>Attribut </a:t>
+            </a:r>
+            <a:r>
+              <a:rPr lang="fr-FR" dirty="0" err="1"/>
+              <a:t>na_values</a:t>
+            </a:r>
+            <a:r>
+              <a:rPr lang="fr-FR" dirty="0"/>
+              <a:t>="." dans </a:t>
+            </a:r>
+            <a:r>
+              <a:rPr lang="fr-FR" dirty="0" err="1"/>
+              <a:t>read_csv</a:t>
+            </a:r>
+            <a:endParaRPr lang="fr-FR" dirty="0"/>
+          </a:p>
+          <a:p>
+            <a:r>
+              <a:rPr lang="fr-FR" dirty="0"/>
+              <a:t>Remplacer les champs nuls</a:t>
+            </a:r>
+          </a:p>
+          <a:p>
+            <a:pPr lvl="1"/>
+            <a:r>
+              <a:rPr lang="fr-FR" dirty="0" err="1"/>
+              <a:t>dataframe.codePostal</a:t>
+            </a:r>
+            <a:r>
+              <a:rPr lang="fr-FR" dirty="0"/>
+              <a:t> = </a:t>
+            </a:r>
+            <a:r>
+              <a:rPr lang="fr-FR" dirty="0" err="1"/>
+              <a:t>dataframe.codePostal.fillna</a:t>
+            </a:r>
+            <a:r>
+              <a:rPr lang="fr-FR" dirty="0"/>
+              <a:t>('38000')</a:t>
+            </a:r>
+          </a:p>
+          <a:p>
+            <a:r>
+              <a:rPr lang="fr-FR" dirty="0"/>
+              <a:t>Effacer les lignes nuls</a:t>
+            </a:r>
+          </a:p>
+          <a:p>
+            <a:pPr lvl="1"/>
+            <a:r>
+              <a:rPr lang="fr-FR" dirty="0" err="1"/>
+              <a:t>dropna</a:t>
+            </a:r>
+            <a:r>
+              <a:rPr lang="fr-FR" dirty="0"/>
+              <a:t>()</a:t>
+            </a:r>
+          </a:p>
+          <a:p>
+            <a:r>
+              <a:rPr lang="fr-FR" dirty="0"/>
+              <a:t>Changement de valeurs</a:t>
+            </a:r>
+          </a:p>
+          <a:p>
+            <a:pPr lvl="1"/>
+            <a:r>
+              <a:rPr lang="fr-FR" dirty="0" err="1"/>
+              <a:t>dataframe.surface</a:t>
+            </a:r>
+            <a:r>
+              <a:rPr lang="fr-FR" dirty="0"/>
+              <a:t> = </a:t>
+            </a:r>
+            <a:r>
+              <a:rPr lang="fr-FR" dirty="0" err="1"/>
+              <a:t>dataframe</a:t>
+            </a:r>
+            <a:r>
+              <a:rPr lang="fr-FR" dirty="0"/>
+              <a:t>[‘surface'].replace(',', '.',</a:t>
+            </a:r>
+            <a:r>
+              <a:rPr lang="fr-FR" dirty="0" err="1"/>
+              <a:t>regex</a:t>
+            </a:r>
+            <a:r>
+              <a:rPr lang="fr-FR" dirty="0"/>
+              <a:t>=</a:t>
+            </a:r>
+            <a:r>
+              <a:rPr lang="fr-FR" dirty="0" err="1"/>
+              <a:t>True</a:t>
+            </a:r>
+            <a:r>
+              <a:rPr lang="fr-FR" dirty="0"/>
+              <a:t>).</a:t>
+            </a:r>
+            <a:r>
+              <a:rPr lang="fr-FR" dirty="0" err="1"/>
+              <a:t>astype</a:t>
+            </a:r>
+            <a:r>
+              <a:rPr lang="fr-FR" dirty="0"/>
+              <a:t>(</a:t>
+            </a:r>
+            <a:r>
+              <a:rPr lang="fr-FR" dirty="0" err="1"/>
+              <a:t>float</a:t>
+            </a:r>
+            <a:r>
+              <a:rPr lang="fr-FR" dirty="0"/>
+              <a:t>)</a:t>
+            </a:r>
+          </a:p>
+          <a:p>
+            <a:endParaRPr lang="fr-FR" dirty="0"/>
+          </a:p>
+        </p:txBody>
+      </p:sp>
+    </p:spTree>
+    <p:extLst>
+      <p:ext uri="{BB962C8B-B14F-4D97-AF65-F5344CB8AC3E}">
+        <p14:creationId xmlns:p14="http://schemas.microsoft.com/office/powerpoint/2010/main" val="2942252075"/>
+      </p:ext>
+    </p:extLst>
+  </p:cSld>
+  <p:clrMapOvr>
+    <a:masterClrMapping/>
+  </p:clrMapOvr>
+</p:sld>
+</file>
+
+<file path=ppt/slides/slide11.xml><?xml version="1.0" encoding="utf-8"?>
+<p:sld xmlns:a="http://schemas.openxmlformats.org/drawingml/2006/main" xmlns:r="http://schemas.openxmlformats.org/officeDocument/2006/relationships" xmlns:p="http://schemas.openxmlformats.org/presentationml/2006/main">
+  <p:cSld>
+    <p:spTree>
+      <p:nvGrpSpPr>
+        <p:cNvPr id="1" name=""/>
+        <p:cNvGrpSpPr/>
+        <p:nvPr/>
+      </p:nvGrpSpPr>
+      <p:grpSpPr>
+        <a:xfrm>
+          <a:off x="0" y="0"/>
+          <a:ext cx="0" cy="0"/>
+          <a:chOff x="0" y="0"/>
+          <a:chExt cx="0" cy="0"/>
+        </a:xfrm>
+      </p:grpSpPr>
+      <p:sp>
+        <p:nvSpPr>
+          <p:cNvPr id="2" name="Titre 1"/>
+          <p:cNvSpPr>
+            <a:spLocks noGrp="1"/>
+          </p:cNvSpPr>
+          <p:nvPr>
+            <p:ph type="title"/>
+          </p:nvPr>
+        </p:nvSpPr>
+        <p:spPr/>
+        <p:txBody>
+          <a:bodyPr/>
+          <a:lstStyle/>
+          <a:p>
+            <a:r>
+              <a:rPr lang="fr-FR" dirty="0"/>
               <a:t>Structure de la base</a:t>
             </a:r>
           </a:p>
@@ -4025,7 +4222,7 @@
 </p:sld>
 </file>
 
-<file path=ppt/slides/slide11.xml><?xml version="1.0" encoding="utf-8"?>
+<file path=ppt/slides/slide12.xml><?xml version="1.0" encoding="utf-8"?>
 <p:sld xmlns:a="http://schemas.openxmlformats.org/drawingml/2006/main" xmlns:r="http://schemas.openxmlformats.org/officeDocument/2006/relationships" xmlns:p="http://schemas.openxmlformats.org/presentationml/2006/main">
   <p:cSld>
     <p:spTree>
@@ -5021,6 +5218,130 @@
       </p:grpSpPr>
       <p:sp>
         <p:nvSpPr>
+          <p:cNvPr id="2" name="Titre 1">
+            <a:extLst>
+              <a:ext uri="{FF2B5EF4-FFF2-40B4-BE49-F238E27FC236}">
+                <a16:creationId xmlns:a16="http://schemas.microsoft.com/office/drawing/2014/main" id="{24956A91-4F66-46CD-A8A1-53898EF00548}"/>
+              </a:ext>
+            </a:extLst>
+          </p:cNvPr>
+          <p:cNvSpPr>
+            <a:spLocks noGrp="1"/>
+          </p:cNvSpPr>
+          <p:nvPr>
+            <p:ph type="title"/>
+          </p:nvPr>
+        </p:nvSpPr>
+        <p:spPr/>
+        <p:txBody>
+          <a:bodyPr/>
+          <a:lstStyle/>
+          <a:p>
+            <a:r>
+              <a:rPr lang="fr-FR" dirty="0" err="1"/>
+              <a:t>Describe</a:t>
+            </a:r>
+            <a:endParaRPr lang="fr-FR" dirty="0"/>
+          </a:p>
+        </p:txBody>
+      </p:sp>
+      <p:sp>
+        <p:nvSpPr>
+          <p:cNvPr id="3" name="Espace réservé du contenu 2">
+            <a:extLst>
+              <a:ext uri="{FF2B5EF4-FFF2-40B4-BE49-F238E27FC236}">
+                <a16:creationId xmlns:a16="http://schemas.microsoft.com/office/drawing/2014/main" id="{D3BD2517-F64F-4502-9320-C748206CCA83}"/>
+              </a:ext>
+            </a:extLst>
+          </p:cNvPr>
+          <p:cNvSpPr>
+            <a:spLocks noGrp="1"/>
+          </p:cNvSpPr>
+          <p:nvPr>
+            <p:ph idx="1"/>
+          </p:nvPr>
+        </p:nvSpPr>
+        <p:spPr/>
+        <p:txBody>
+          <a:bodyPr/>
+          <a:lstStyle/>
+          <a:p>
+            <a:r>
+              <a:rPr lang="fr-FR" dirty="0" err="1"/>
+              <a:t>Describe</a:t>
+            </a:r>
+            <a:r>
+              <a:rPr lang="fr-FR" dirty="0"/>
+              <a:t> permet de calculer les données de bases de chaque colonne</a:t>
+            </a:r>
+          </a:p>
+          <a:p>
+            <a:endParaRPr lang="fr-FR" dirty="0"/>
+          </a:p>
+        </p:txBody>
+      </p:sp>
+      <p:pic>
+        <p:nvPicPr>
+          <p:cNvPr id="5" name="Image 4">
+            <a:extLst>
+              <a:ext uri="{FF2B5EF4-FFF2-40B4-BE49-F238E27FC236}">
+                <a16:creationId xmlns:a16="http://schemas.microsoft.com/office/drawing/2014/main" id="{4E8BBD6F-ED22-4F1F-B0DB-F1243EDC1160}"/>
+              </a:ext>
+            </a:extLst>
+          </p:cNvPr>
+          <p:cNvPicPr>
+            <a:picLocks noChangeAspect="1"/>
+          </p:cNvPicPr>
+          <p:nvPr/>
+        </p:nvPicPr>
+        <p:blipFill>
+          <a:blip r:embed="rId2"/>
+          <a:stretch>
+            <a:fillRect/>
+          </a:stretch>
+        </p:blipFill>
+        <p:spPr>
+          <a:xfrm>
+            <a:off x="852487" y="3058309"/>
+            <a:ext cx="7439025" cy="2371725"/>
+          </a:xfrm>
+          <a:prstGeom prst="rect">
+            <a:avLst/>
+          </a:prstGeom>
+        </p:spPr>
+      </p:pic>
+    </p:spTree>
+    <p:extLst>
+      <p:ext uri="{BB962C8B-B14F-4D97-AF65-F5344CB8AC3E}">
+        <p14:creationId xmlns:p14="http://schemas.microsoft.com/office/powerpoint/2010/main" val="325946070"/>
+      </p:ext>
+    </p:extLst>
+  </p:cSld>
+  <p:clrMapOvr>
+    <a:masterClrMapping/>
+  </p:clrMapOvr>
+</p:sld>
+</file>
+
+<file path=ppt/slides/slide7.xml><?xml version="1.0" encoding="utf-8"?>
+<p:sld xmlns:a="http://schemas.openxmlformats.org/drawingml/2006/main" xmlns:r="http://schemas.openxmlformats.org/officeDocument/2006/relationships" xmlns:p="http://schemas.openxmlformats.org/presentationml/2006/main">
+  <p:cSld>
+    <p:spTree>
+      <p:nvGrpSpPr>
+        <p:cNvPr id="1" name=""/>
+        <p:cNvGrpSpPr/>
+        <p:nvPr/>
+      </p:nvGrpSpPr>
+      <p:grpSpPr>
+        <a:xfrm>
+          <a:off x="0" y="0"/>
+          <a:ext cx="0" cy="0"/>
+          <a:chOff x="0" y="0"/>
+          <a:chExt cx="0" cy="0"/>
+        </a:xfrm>
+      </p:grpSpPr>
+      <p:sp>
+        <p:nvSpPr>
           <p:cNvPr id="2" name="Titre 1"/>
           <p:cNvSpPr>
             <a:spLocks noGrp="1"/>
@@ -5129,138 +5450,6 @@
 </p:sld>
 </file>
 
-<file path=ppt/slides/slide7.xml><?xml version="1.0" encoding="utf-8"?>
-<p:sld xmlns:a="http://schemas.openxmlformats.org/drawingml/2006/main" xmlns:r="http://schemas.openxmlformats.org/officeDocument/2006/relationships" xmlns:p="http://schemas.openxmlformats.org/presentationml/2006/main">
-  <p:cSld>
-    <p:spTree>
-      <p:nvGrpSpPr>
-        <p:cNvPr id="1" name=""/>
-        <p:cNvGrpSpPr/>
-        <p:nvPr/>
-      </p:nvGrpSpPr>
-      <p:grpSpPr>
-        <a:xfrm>
-          <a:off x="0" y="0"/>
-          <a:ext cx="0" cy="0"/>
-          <a:chOff x="0" y="0"/>
-          <a:chExt cx="0" cy="0"/>
-        </a:xfrm>
-      </p:grpSpPr>
-      <p:sp>
-        <p:nvSpPr>
-          <p:cNvPr id="2" name="Titre 1"/>
-          <p:cNvSpPr>
-            <a:spLocks noGrp="1"/>
-          </p:cNvSpPr>
-          <p:nvPr>
-            <p:ph type="title"/>
-          </p:nvPr>
-        </p:nvSpPr>
-        <p:spPr/>
-        <p:txBody>
-          <a:bodyPr/>
-          <a:lstStyle/>
-          <a:p>
-            <a:r>
-              <a:rPr lang="fr-FR" dirty="0"/>
-              <a:t>Interprétation après filtrage</a:t>
-            </a:r>
-          </a:p>
-        </p:txBody>
-      </p:sp>
-      <p:sp>
-        <p:nvSpPr>
-          <p:cNvPr id="3" name="Espace réservé du contenu 2"/>
-          <p:cNvSpPr>
-            <a:spLocks noGrp="1"/>
-          </p:cNvSpPr>
-          <p:nvPr>
-            <p:ph idx="1"/>
-          </p:nvPr>
-        </p:nvSpPr>
-        <p:spPr/>
-        <p:txBody>
-          <a:bodyPr/>
-          <a:lstStyle/>
-          <a:p>
-            <a:r>
-              <a:rPr lang="fr-FR" dirty="0"/>
-              <a:t>Nous pouvons filtrer les surfaces &gt; 300</a:t>
-            </a:r>
-          </a:p>
-          <a:p>
-            <a:r>
-              <a:rPr lang="fr-FR" dirty="0"/>
-              <a:t>Avec </a:t>
-            </a:r>
-            <a:r>
-              <a:rPr lang="fr-FR" dirty="0" err="1"/>
-              <a:t>SciPy</a:t>
-            </a:r>
-            <a:r>
-              <a:rPr lang="fr-FR" dirty="0"/>
-              <a:t> nous obtenons</a:t>
-            </a:r>
-          </a:p>
-          <a:p>
-            <a:pPr lvl="1"/>
-            <a:r>
-              <a:rPr lang="fr-FR" dirty="0"/>
-              <a:t>Loyer = 34.Surface + 71</a:t>
-            </a:r>
-          </a:p>
-          <a:p>
-            <a:pPr lvl="1"/>
-            <a:r>
-              <a:rPr lang="fr-FR" dirty="0"/>
-              <a:t>Corrélation = 84.7% (En baisse)</a:t>
-            </a:r>
-          </a:p>
-          <a:p>
-            <a:r>
-              <a:rPr lang="fr-FR" dirty="0"/>
-              <a:t>Meilleur résultat</a:t>
-            </a:r>
-          </a:p>
-        </p:txBody>
-      </p:sp>
-      <p:pic>
-        <p:nvPicPr>
-          <p:cNvPr id="4" name="Image 3"/>
-          <p:cNvPicPr>
-            <a:picLocks noChangeAspect="1"/>
-          </p:cNvPicPr>
-          <p:nvPr/>
-        </p:nvPicPr>
-        <p:blipFill>
-          <a:blip r:embed="rId2"/>
-          <a:stretch>
-            <a:fillRect/>
-          </a:stretch>
-        </p:blipFill>
-        <p:spPr>
-          <a:xfrm>
-            <a:off x="4211960" y="3412666"/>
-            <a:ext cx="4190237" cy="3040831"/>
-          </a:xfrm>
-          <a:prstGeom prst="rect">
-            <a:avLst/>
-          </a:prstGeom>
-        </p:spPr>
-      </p:pic>
-    </p:spTree>
-    <p:extLst>
-      <p:ext uri="{BB962C8B-B14F-4D97-AF65-F5344CB8AC3E}">
-        <p14:creationId xmlns:p14="http://schemas.microsoft.com/office/powerpoint/2010/main" val="1127232265"/>
-      </p:ext>
-    </p:extLst>
-  </p:cSld>
-  <p:clrMapOvr>
-    <a:masterClrMapping/>
-  </p:clrMapOvr>
-</p:sld>
-</file>
-
 <file path=ppt/slides/slide8.xml><?xml version="1.0" encoding="utf-8"?>
 <p:sld xmlns:a="http://schemas.openxmlformats.org/drawingml/2006/main" xmlns:r="http://schemas.openxmlformats.org/officeDocument/2006/relationships" xmlns:p="http://schemas.openxmlformats.org/presentationml/2006/main">
   <p:cSld>
@@ -5295,7 +5484,7 @@
           <a:p>
             <a:r>
               <a:rPr lang="fr-FR" dirty="0"/>
-              <a:t>Filtrage</a:t>
+              <a:t>Interprétation après filtrage</a:t>
             </a:r>
           </a:p>
         </p:txBody>
@@ -5317,89 +5506,73 @@
           <a:p>
             <a:r>
               <a:rPr lang="fr-FR" dirty="0"/>
-              <a:t>Filtrage du </a:t>
+              <a:t>Nous pouvons filtrer les surfaces &gt; 300</a:t>
+            </a:r>
+          </a:p>
+          <a:p>
+            <a:r>
+              <a:rPr lang="fr-FR" dirty="0"/>
+              <a:t>Avec </a:t>
             </a:r>
             <a:r>
               <a:rPr lang="fr-FR" dirty="0" err="1"/>
-              <a:t>DataFrame</a:t>
-            </a:r>
-            <a:endParaRPr lang="fr-FR" dirty="0"/>
+              <a:t>SciPy</a:t>
+            </a:r>
+            <a:r>
+              <a:rPr lang="fr-FR" dirty="0"/>
+              <a:t> nous obtenons</a:t>
+            </a:r>
           </a:p>
           <a:p>
             <a:pPr lvl="1"/>
             <a:r>
-              <a:rPr lang="fr-FR" dirty="0" err="1"/>
-              <a:t>Dataframe</a:t>
-            </a:r>
-            <a:r>
-              <a:rPr lang="fr-FR" dirty="0"/>
-              <a:t> = </a:t>
-            </a:r>
-            <a:r>
-              <a:rPr lang="fr-FR" dirty="0" err="1"/>
-              <a:t>dataframe</a:t>
-            </a:r>
-            <a:r>
-              <a:rPr lang="fr-FR" dirty="0"/>
-              <a:t>[</a:t>
-            </a:r>
-            <a:r>
-              <a:rPr lang="fr-FR" dirty="0" err="1"/>
-              <a:t>dataframe.surface</a:t>
-            </a:r>
-            <a:r>
-              <a:rPr lang="fr-FR" dirty="0"/>
-              <a:t> &lt; 200]</a:t>
-            </a:r>
-          </a:p>
-          <a:p>
-            <a:r>
-              <a:rPr lang="fr-FR" dirty="0"/>
-              <a:t>Enlever une dimension</a:t>
+              <a:rPr lang="fr-FR" dirty="0"/>
+              <a:t>Loyer = 34.Surface + 71</a:t>
             </a:r>
           </a:p>
           <a:p>
             <a:pPr lvl="1"/>
             <a:r>
-              <a:rPr lang="fr-FR" dirty="0" err="1"/>
-              <a:t>Dataframe.drop</a:t>
-            </a:r>
-            <a:r>
-              <a:rPr lang="fr-FR" dirty="0"/>
-              <a:t>(‘Colonne’,1)</a:t>
-            </a:r>
-          </a:p>
-          <a:p>
-            <a:r>
-              <a:rPr lang="fr-FR" dirty="0"/>
-              <a:t>Ajouter un colonne</a:t>
-            </a:r>
-          </a:p>
-          <a:p>
-            <a:pPr lvl="1"/>
-            <a:r>
-              <a:rPr lang="fr-FR" dirty="0" err="1"/>
-              <a:t>Dataframe</a:t>
-            </a:r>
-            <a:r>
-              <a:rPr lang="fr-FR" dirty="0"/>
-              <a:t>["Colonne"] = </a:t>
-            </a:r>
-            <a:r>
-              <a:rPr lang="fr-FR" dirty="0" err="1"/>
-              <a:t>series</a:t>
-            </a:r>
-            <a:endParaRPr lang="fr-FR" dirty="0"/>
-          </a:p>
-          <a:p>
-            <a:endParaRPr lang="fr-FR" dirty="0"/>
+              <a:rPr lang="fr-FR" dirty="0"/>
+              <a:t>Corrélation = 84.7% (En baisse)</a:t>
+            </a:r>
+          </a:p>
+          <a:p>
+            <a:r>
+              <a:rPr lang="fr-FR" dirty="0"/>
+              <a:t>Meilleur résultat</a:t>
+            </a:r>
           </a:p>
         </p:txBody>
       </p:sp>
+      <p:pic>
+        <p:nvPicPr>
+          <p:cNvPr id="4" name="Image 3"/>
+          <p:cNvPicPr>
+            <a:picLocks noChangeAspect="1"/>
+          </p:cNvPicPr>
+          <p:nvPr/>
+        </p:nvPicPr>
+        <p:blipFill>
+          <a:blip r:embed="rId2"/>
+          <a:stretch>
+            <a:fillRect/>
+          </a:stretch>
+        </p:blipFill>
+        <p:spPr>
+          <a:xfrm>
+            <a:off x="4211960" y="3412666"/>
+            <a:ext cx="4190237" cy="3040831"/>
+          </a:xfrm>
+          <a:prstGeom prst="rect">
+            <a:avLst/>
+          </a:prstGeom>
+        </p:spPr>
+      </p:pic>
     </p:spTree>
     <p:extLst>
       <p:ext uri="{BB962C8B-B14F-4D97-AF65-F5344CB8AC3E}">
-        <p14:creationId xmlns:p14="http://schemas.microsoft.com/office/powerpoint/2010/main" val="3332384904"/>
+        <p14:creationId xmlns:p14="http://schemas.microsoft.com/office/powerpoint/2010/main" val="1127232265"/>
       </p:ext>
     </p:extLst>
   </p:cSld>
@@ -5465,127 +5638,79 @@
           <a:p>
             <a:r>
               <a:rPr lang="fr-FR" dirty="0"/>
-              <a:t>Chargement des na values</a:t>
-            </a:r>
+              <a:t>Filtrage du </a:t>
+            </a:r>
+            <a:r>
+              <a:rPr lang="fr-FR" dirty="0" err="1"/>
+              <a:t>DataFrame</a:t>
+            </a:r>
+            <a:endParaRPr lang="fr-FR" dirty="0"/>
           </a:p>
           <a:p>
             <a:pPr lvl="1"/>
             <a:r>
-              <a:rPr lang="fr-FR" dirty="0"/>
-              <a:t>Attribut </a:t>
-            </a:r>
-            <a:r>
               <a:rPr lang="fr-FR" dirty="0" err="1"/>
-              <a:t>na_values</a:t>
-            </a:r>
-            <a:r>
-              <a:rPr lang="fr-FR" dirty="0"/>
-              <a:t>="." dans </a:t>
+              <a:t>Dataframe</a:t>
+            </a:r>
+            <a:r>
+              <a:rPr lang="fr-FR" dirty="0"/>
+              <a:t> = </a:t>
             </a:r>
             <a:r>
               <a:rPr lang="fr-FR" dirty="0" err="1"/>
-              <a:t>read_csv</a:t>
-            </a:r>
-            <a:endParaRPr lang="fr-FR" dirty="0"/>
-          </a:p>
-          <a:p>
-            <a:r>
-              <a:rPr lang="fr-FR" dirty="0"/>
-              <a:t>Remplacer les champs nuls</a:t>
-            </a:r>
-          </a:p>
-          <a:p>
-            <a:pPr lvl="1"/>
-            <a:r>
-              <a:rPr lang="fr-FR" dirty="0" err="1"/>
-              <a:t>dataframe.codePostal</a:t>
-            </a:r>
-            <a:r>
-              <a:rPr lang="fr-FR" dirty="0"/>
-              <a:t> = </a:t>
-            </a:r>
-            <a:r>
-              <a:rPr lang="fr-FR" dirty="0" err="1"/>
-              <a:t>dataframe.codePostal.fillna</a:t>
-            </a:r>
-            <a:r>
-              <a:rPr lang="fr-FR" dirty="0"/>
-              <a:t>('38000')</a:t>
-            </a:r>
-          </a:p>
-          <a:p>
-            <a:r>
-              <a:rPr lang="fr-FR" dirty="0"/>
-              <a:t>Effacer les lignes nuls</a:t>
-            </a:r>
-          </a:p>
-          <a:p>
-            <a:pPr lvl="1"/>
-            <a:r>
-              <a:rPr lang="fr-FR" dirty="0" err="1"/>
-              <a:t>dropna</a:t>
-            </a:r>
-            <a:r>
-              <a:rPr lang="fr-FR" dirty="0"/>
-              <a:t>()</a:t>
-            </a:r>
-          </a:p>
-          <a:p>
-            <a:r>
-              <a:rPr lang="fr-FR" dirty="0"/>
-              <a:t>Changement de valeurs</a:t>
-            </a:r>
-          </a:p>
-          <a:p>
-            <a:pPr lvl="1"/>
+              <a:t>dataframe</a:t>
+            </a:r>
+            <a:r>
+              <a:rPr lang="fr-FR" dirty="0"/>
+              <a:t>[</a:t>
+            </a:r>
             <a:r>
               <a:rPr lang="fr-FR" dirty="0" err="1"/>
               <a:t>dataframe.surface</a:t>
             </a:r>
             <a:r>
               <a:rPr lang="fr-FR" dirty="0"/>
-              <a:t> = </a:t>
-            </a:r>
+              <a:t> &lt; 200]</a:t>
+            </a:r>
+          </a:p>
+          <a:p>
+            <a:r>
+              <a:rPr lang="fr-FR" dirty="0"/>
+              <a:t>Enlever une dimension</a:t>
+            </a:r>
+          </a:p>
+          <a:p>
+            <a:pPr lvl="1"/>
             <a:r>
               <a:rPr lang="fr-FR" dirty="0" err="1"/>
-              <a:t>dataframe</a:t>
-            </a:r>
-            <a:r>
-              <a:rPr lang="fr-FR" dirty="0"/>
-              <a:t>[‘surface'].replace(',', '.',</a:t>
-            </a:r>
+              <a:t>Dataframe.drop</a:t>
+            </a:r>
+            <a:r>
+              <a:rPr lang="fr-FR" dirty="0"/>
+              <a:t>(‘Colonne’,1)</a:t>
+            </a:r>
+          </a:p>
+          <a:p>
+            <a:r>
+              <a:rPr lang="fr-FR" dirty="0"/>
+              <a:t>Ajouter un colonne</a:t>
+            </a:r>
+          </a:p>
+          <a:p>
+            <a:pPr lvl="1"/>
             <a:r>
               <a:rPr lang="fr-FR" dirty="0" err="1"/>
-              <a:t>regex</a:t>
-            </a:r>
-            <a:r>
-              <a:rPr lang="fr-FR" dirty="0"/>
-              <a:t>=</a:t>
+              <a:t>Dataframe</a:t>
+            </a:r>
+            <a:r>
+              <a:rPr lang="fr-FR" dirty="0"/>
+              <a:t>["Colonne"] = </a:t>
             </a:r>
             <a:r>
               <a:rPr lang="fr-FR" dirty="0" err="1"/>
-              <a:t>True</a:t>
-            </a:r>
-            <a:r>
-              <a:rPr lang="fr-FR" dirty="0"/>
-              <a:t>).</a:t>
-            </a:r>
-            <a:r>
-              <a:rPr lang="fr-FR" dirty="0" err="1"/>
-              <a:t>astype</a:t>
-            </a:r>
-            <a:r>
-              <a:rPr lang="fr-FR" dirty="0"/>
-              <a:t>(</a:t>
-            </a:r>
-            <a:r>
-              <a:rPr lang="fr-FR" dirty="0" err="1"/>
-              <a:t>float</a:t>
-            </a:r>
-            <a:r>
-              <a:rPr lang="fr-FR" dirty="0"/>
-              <a:t>)</a:t>
-            </a:r>
+              <a:t>series</a:t>
+            </a:r>
+            <a:endParaRPr lang="fr-FR" dirty="0"/>
           </a:p>
           <a:p>
             <a:endParaRPr lang="fr-FR" dirty="0"/>
@@ -5595,7 +5720,7 @@
     </p:spTree>
     <p:extLst>
       <p:ext uri="{BB962C8B-B14F-4D97-AF65-F5344CB8AC3E}">
-        <p14:creationId xmlns:p14="http://schemas.microsoft.com/office/powerpoint/2010/main" val="2942252075"/>
+        <p14:creationId xmlns:p14="http://schemas.microsoft.com/office/powerpoint/2010/main" val="3332384904"/>
       </p:ext>
     </p:extLst>
   </p:cSld>

--- a/ppt/PythonMath11-Pandas.pptx
+++ b/ppt/PythonMath11-Pandas.pptx
@@ -5687,7 +5687,7 @@
             </a:r>
             <a:r>
               <a:rPr lang="fr-FR" dirty="0"/>
-              <a:t>(‘Colonne’,1)</a:t>
+              <a:t>(‘Colonne’, axis=1)</a:t>
             </a:r>
           </a:p>
           <a:p>

--- a/ppt/PythonMath11-Pandas.pptx
+++ b/ppt/PythonMath11-Pandas.pptx
@@ -5379,7 +5379,7 @@
           <a:p>
             <a:r>
               <a:rPr lang="fr-FR" dirty="0"/>
-              <a:t>Il faut pouvoir enlever les données aberrante</a:t>
+              <a:t>Il faut pouvoir enlever les données aberrantes</a:t>
             </a:r>
           </a:p>
           <a:p>

--- a/ppt/PythonMath11-Pandas.pptx
+++ b/ppt/PythonMath11-Pandas.pptx
@@ -5,10 +5,10 @@
     <p:sldMasterId id="2147483653" r:id="rId1"/>
   </p:sldMasterIdLst>
   <p:notesMasterIdLst>
-    <p:notesMasterId r:id="rId14"/>
+    <p:notesMasterId r:id="rId12"/>
   </p:notesMasterIdLst>
   <p:handoutMasterIdLst>
-    <p:handoutMasterId r:id="rId15"/>
+    <p:handoutMasterId r:id="rId13"/>
   </p:handoutMasterIdLst>
   <p:sldIdLst>
     <p:sldId id="264" r:id="rId2"/>
@@ -21,8 +21,6 @@
     <p:sldId id="281" r:id="rId9"/>
     <p:sldId id="276" r:id="rId10"/>
     <p:sldId id="282" r:id="rId11"/>
-    <p:sldId id="283" r:id="rId12"/>
-    <p:sldId id="278" r:id="rId13"/>
   </p:sldIdLst>
   <p:sldSz cx="9144000" cy="6858000" type="screen4x3"/>
   <p:notesSz cx="6648450" cy="9782175"/>
@@ -3976,378 +3974,6 @@
 </p:sld>
 </file>
 
-<file path=ppt/slides/slide11.xml><?xml version="1.0" encoding="utf-8"?>
-<p:sld xmlns:a="http://schemas.openxmlformats.org/drawingml/2006/main" xmlns:r="http://schemas.openxmlformats.org/officeDocument/2006/relationships" xmlns:p="http://schemas.openxmlformats.org/presentationml/2006/main">
-  <p:cSld>
-    <p:spTree>
-      <p:nvGrpSpPr>
-        <p:cNvPr id="1" name=""/>
-        <p:cNvGrpSpPr/>
-        <p:nvPr/>
-      </p:nvGrpSpPr>
-      <p:grpSpPr>
-        <a:xfrm>
-          <a:off x="0" y="0"/>
-          <a:ext cx="0" cy="0"/>
-          <a:chOff x="0" y="0"/>
-          <a:chExt cx="0" cy="0"/>
-        </a:xfrm>
-      </p:grpSpPr>
-      <p:sp>
-        <p:nvSpPr>
-          <p:cNvPr id="2" name="Titre 1"/>
-          <p:cNvSpPr>
-            <a:spLocks noGrp="1"/>
-          </p:cNvSpPr>
-          <p:nvPr>
-            <p:ph type="title"/>
-          </p:nvPr>
-        </p:nvSpPr>
-        <p:spPr/>
-        <p:txBody>
-          <a:bodyPr/>
-          <a:lstStyle/>
-          <a:p>
-            <a:r>
-              <a:rPr lang="fr-FR" dirty="0"/>
-              <a:t>Structure de la base</a:t>
-            </a:r>
-          </a:p>
-        </p:txBody>
-      </p:sp>
-      <p:sp>
-        <p:nvSpPr>
-          <p:cNvPr id="3" name="Espace réservé du contenu 2"/>
-          <p:cNvSpPr>
-            <a:spLocks noGrp="1"/>
-          </p:cNvSpPr>
-          <p:nvPr>
-            <p:ph idx="1"/>
-          </p:nvPr>
-        </p:nvSpPr>
-        <p:spPr/>
-        <p:txBody>
-          <a:bodyPr/>
-          <a:lstStyle/>
-          <a:p>
-            <a:r>
-              <a:rPr lang="fr-FR" sz="2000" dirty="0" err="1"/>
-              <a:t>Wdbc.data</a:t>
-            </a:r>
-            <a:endParaRPr lang="fr-FR" sz="2000" dirty="0"/>
-          </a:p>
-          <a:p>
-            <a:pPr lvl="1"/>
-            <a:r>
-              <a:rPr lang="fr-FR" sz="1800" dirty="0"/>
-              <a:t>Id</a:t>
-            </a:r>
-          </a:p>
-          <a:p>
-            <a:pPr lvl="1"/>
-            <a:r>
-              <a:rPr lang="fr-FR" sz="1800" dirty="0"/>
-              <a:t>Diagnostique M = Maligne, B = </a:t>
-            </a:r>
-            <a:r>
-              <a:rPr lang="fr-FR" sz="1800" dirty="0" err="1"/>
-              <a:t>Benigne</a:t>
-            </a:r>
-            <a:endParaRPr lang="fr-FR" sz="1800" dirty="0"/>
-          </a:p>
-          <a:p>
-            <a:r>
-              <a:rPr lang="fr-FR" sz="2000" dirty="0"/>
-              <a:t>Les données biologique sont interprétés depuis l’image de la tumeur</a:t>
-            </a:r>
-          </a:p>
-          <a:p>
-            <a:pPr lvl="1"/>
-            <a:r>
-              <a:rPr lang="fr-FR" sz="1800" dirty="0"/>
-              <a:t>Rayon</a:t>
-            </a:r>
-          </a:p>
-          <a:p>
-            <a:pPr lvl="1"/>
-            <a:r>
-              <a:rPr lang="fr-FR" sz="1800" dirty="0"/>
-              <a:t>Texture (</a:t>
-            </a:r>
-            <a:r>
-              <a:rPr lang="en-US" sz="1800" dirty="0"/>
-              <a:t>standard deviation of gray-scale values)</a:t>
-            </a:r>
-          </a:p>
-          <a:p>
-            <a:pPr lvl="1"/>
-            <a:r>
-              <a:rPr lang="en-US" sz="1800" dirty="0" err="1"/>
-              <a:t>Périmetre</a:t>
-            </a:r>
-            <a:endParaRPr lang="en-US" sz="1800" dirty="0"/>
-          </a:p>
-          <a:p>
-            <a:pPr lvl="1"/>
-            <a:r>
-              <a:rPr lang="en-US" sz="1800" dirty="0" err="1"/>
-              <a:t>Superficie</a:t>
-            </a:r>
-            <a:endParaRPr lang="en-US" sz="1800" dirty="0"/>
-          </a:p>
-          <a:p>
-            <a:pPr lvl="1"/>
-            <a:r>
-              <a:rPr lang="en-US" sz="1800" dirty="0"/>
-              <a:t>Smoothness (variation du rayon)</a:t>
-            </a:r>
-          </a:p>
-          <a:p>
-            <a:pPr lvl="1"/>
-            <a:r>
-              <a:rPr lang="en-US" sz="1800" dirty="0" err="1"/>
-              <a:t>Compacité</a:t>
-            </a:r>
-            <a:r>
-              <a:rPr lang="en-US" sz="1800" dirty="0"/>
-              <a:t> (perimeter**2 / </a:t>
-            </a:r>
-            <a:r>
-              <a:rPr lang="en-US" sz="1800" dirty="0" err="1"/>
-              <a:t>superficie</a:t>
-            </a:r>
-            <a:r>
-              <a:rPr lang="en-US" sz="1800" dirty="0"/>
-              <a:t> – 1)</a:t>
-            </a:r>
-          </a:p>
-          <a:p>
-            <a:pPr lvl="1"/>
-            <a:r>
-              <a:rPr lang="en-US" sz="1800" dirty="0" err="1"/>
-              <a:t>Concavité</a:t>
-            </a:r>
-            <a:r>
-              <a:rPr lang="en-US" sz="1800" dirty="0"/>
-              <a:t> (severity of concave portions of the contour)</a:t>
-            </a:r>
-          </a:p>
-          <a:p>
-            <a:pPr lvl="1"/>
-            <a:r>
-              <a:rPr lang="en-US" sz="1800" dirty="0"/>
-              <a:t>Points concaves (</a:t>
-            </a:r>
-            <a:r>
-              <a:rPr lang="en-US" sz="1800" dirty="0" err="1"/>
-              <a:t>nombre</a:t>
-            </a:r>
-            <a:r>
-              <a:rPr lang="en-US" sz="1800" dirty="0"/>
-              <a:t> de portion concave)</a:t>
-            </a:r>
-          </a:p>
-          <a:p>
-            <a:pPr lvl="1"/>
-            <a:r>
-              <a:rPr lang="en-US" sz="1800" dirty="0" err="1"/>
-              <a:t>Symetrie</a:t>
-            </a:r>
-            <a:endParaRPr lang="en-US" sz="1800" dirty="0"/>
-          </a:p>
-          <a:p>
-            <a:pPr lvl="1"/>
-            <a:r>
-              <a:rPr lang="en-US" sz="1800" dirty="0"/>
-              <a:t>Dimension </a:t>
-            </a:r>
-            <a:r>
-              <a:rPr lang="en-US" sz="1800" dirty="0" err="1"/>
-              <a:t>Fractale</a:t>
-            </a:r>
-            <a:r>
-              <a:rPr lang="en-US" sz="1800" dirty="0"/>
-              <a:t> (</a:t>
-            </a:r>
-            <a:r>
-              <a:rPr lang="fr-FR" sz="1800" dirty="0"/>
-              <a:t>"</a:t>
-            </a:r>
-            <a:r>
-              <a:rPr lang="fr-FR" sz="1800" dirty="0" err="1"/>
-              <a:t>coastline</a:t>
-            </a:r>
-            <a:r>
-              <a:rPr lang="fr-FR" sz="1800" dirty="0"/>
-              <a:t> approximation" – 1)</a:t>
-            </a:r>
-            <a:endParaRPr lang="en-US" sz="1800" dirty="0"/>
-          </a:p>
-        </p:txBody>
-      </p:sp>
-      <p:pic>
-        <p:nvPicPr>
-          <p:cNvPr id="4" name="Image 3"/>
-          <p:cNvPicPr>
-            <a:picLocks noChangeAspect="1"/>
-          </p:cNvPicPr>
-          <p:nvPr/>
-        </p:nvPicPr>
-        <p:blipFill>
-          <a:blip r:embed="rId2"/>
-          <a:stretch>
-            <a:fillRect/>
-          </a:stretch>
-        </p:blipFill>
-        <p:spPr>
-          <a:xfrm>
-            <a:off x="6528998" y="2852936"/>
-            <a:ext cx="2448272" cy="2378321"/>
-          </a:xfrm>
-          <a:prstGeom prst="rect">
-            <a:avLst/>
-          </a:prstGeom>
-        </p:spPr>
-      </p:pic>
-    </p:spTree>
-    <p:extLst>
-      <p:ext uri="{BB962C8B-B14F-4D97-AF65-F5344CB8AC3E}">
-        <p14:creationId xmlns:p14="http://schemas.microsoft.com/office/powerpoint/2010/main" val="3101526758"/>
-      </p:ext>
-    </p:extLst>
-  </p:cSld>
-  <p:clrMapOvr>
-    <a:masterClrMapping/>
-  </p:clrMapOvr>
-</p:sld>
-</file>
-
-<file path=ppt/slides/slide12.xml><?xml version="1.0" encoding="utf-8"?>
-<p:sld xmlns:a="http://schemas.openxmlformats.org/drawingml/2006/main" xmlns:r="http://schemas.openxmlformats.org/officeDocument/2006/relationships" xmlns:p="http://schemas.openxmlformats.org/presentationml/2006/main">
-  <p:cSld>
-    <p:spTree>
-      <p:nvGrpSpPr>
-        <p:cNvPr id="1" name=""/>
-        <p:cNvGrpSpPr/>
-        <p:nvPr/>
-      </p:nvGrpSpPr>
-      <p:grpSpPr>
-        <a:xfrm>
-          <a:off x="0" y="0"/>
-          <a:ext cx="0" cy="0"/>
-          <a:chOff x="0" y="0"/>
-          <a:chExt cx="0" cy="0"/>
-        </a:xfrm>
-      </p:grpSpPr>
-      <p:sp>
-        <p:nvSpPr>
-          <p:cNvPr id="2" name="Titre 1"/>
-          <p:cNvSpPr>
-            <a:spLocks noGrp="1"/>
-          </p:cNvSpPr>
-          <p:nvPr>
-            <p:ph type="title"/>
-          </p:nvPr>
-        </p:nvSpPr>
-        <p:spPr/>
-        <p:txBody>
-          <a:bodyPr/>
-          <a:lstStyle/>
-          <a:p>
-            <a:r>
-              <a:rPr lang="fr-FR" dirty="0"/>
-              <a:t>MNIST</a:t>
-            </a:r>
-          </a:p>
-        </p:txBody>
-      </p:sp>
-      <p:sp>
-        <p:nvSpPr>
-          <p:cNvPr id="3" name="Espace réservé du contenu 2"/>
-          <p:cNvSpPr>
-            <a:spLocks noGrp="1"/>
-          </p:cNvSpPr>
-          <p:nvPr>
-            <p:ph idx="1"/>
-          </p:nvPr>
-        </p:nvSpPr>
-        <p:spPr/>
-        <p:txBody>
-          <a:bodyPr/>
-          <a:lstStyle/>
-          <a:p>
-            <a:r>
-              <a:rPr lang="fr-FR" dirty="0"/>
-              <a:t>Banque de données</a:t>
-            </a:r>
-          </a:p>
-          <a:p>
-            <a:pPr lvl="1"/>
-            <a:r>
-              <a:rPr lang="fr-FR" dirty="0"/>
-              <a:t>Ici des chiffres manuscrits 28x28 en 255 niveaux de gris</a:t>
-            </a:r>
-          </a:p>
-          <a:p>
-            <a:pPr lvl="1"/>
-            <a:endParaRPr lang="fr-FR" dirty="0"/>
-          </a:p>
-        </p:txBody>
-      </p:sp>
-      <p:pic>
-        <p:nvPicPr>
-          <p:cNvPr id="4098" name="Picture 2" descr="Résultat de recherche d'images pour &quot;mnist&quot;"/>
-          <p:cNvPicPr>
-            <a:picLocks noChangeAspect="1" noChangeArrowheads="1"/>
-          </p:cNvPicPr>
-          <p:nvPr/>
-        </p:nvPicPr>
-        <p:blipFill>
-          <a:blip r:embed="rId2">
-            <a:extLst>
-              <a:ext uri="{28A0092B-C50C-407E-A947-70E740481C1C}">
-                <a14:useLocalDpi xmlns:a14="http://schemas.microsoft.com/office/drawing/2010/main" val="0"/>
-              </a:ext>
-            </a:extLst>
-          </a:blip>
-          <a:srcRect/>
-          <a:stretch>
-            <a:fillRect/>
-          </a:stretch>
-        </p:blipFill>
-        <p:spPr bwMode="auto">
-          <a:xfrm>
-            <a:off x="1169296" y="2780928"/>
-            <a:ext cx="6969149" cy="3430129"/>
-          </a:xfrm>
-          <a:prstGeom prst="rect">
-            <a:avLst/>
-          </a:prstGeom>
-          <a:noFill/>
-          <a:extLst>
-            <a:ext uri="{909E8E84-426E-40DD-AFC4-6F175D3DCCD1}">
-              <a14:hiddenFill xmlns:a14="http://schemas.microsoft.com/office/drawing/2010/main">
-                <a:solidFill>
-                  <a:srgbClr val="FFFFFF"/>
-                </a:solidFill>
-              </a14:hiddenFill>
-            </a:ext>
-          </a:extLst>
-        </p:spPr>
-      </p:pic>
-    </p:spTree>
-    <p:extLst>
-      <p:ext uri="{BB962C8B-B14F-4D97-AF65-F5344CB8AC3E}">
-        <p14:creationId xmlns:p14="http://schemas.microsoft.com/office/powerpoint/2010/main" val="3666731918"/>
-      </p:ext>
-    </p:extLst>
-  </p:cSld>
-  <p:clrMapOvr>
-    <a:masterClrMapping/>
-  </p:clrMapOvr>
-</p:sld>
-</file>
-
 <file path=ppt/slides/slide2.xml><?xml version="1.0" encoding="utf-8"?>
 <p:sld xmlns:a="http://schemas.openxmlformats.org/drawingml/2006/main" xmlns:r="http://schemas.openxmlformats.org/officeDocument/2006/relationships" xmlns:p="http://schemas.openxmlformats.org/presentationml/2006/main">
   <p:cSld>
@@ -5693,7 +5319,7 @@
           <a:p>
             <a:r>
               <a:rPr lang="fr-FR" dirty="0"/>
-              <a:t>Ajouter un colonne</a:t>
+              <a:t>Ajouter une colonne</a:t>
             </a:r>
           </a:p>
           <a:p>

--- a/ppt/PythonMath11-Pandas.pptx
+++ b/ppt/PythonMath11-Pandas.pptx
@@ -5,10 +5,10 @@
     <p:sldMasterId id="2147483653" r:id="rId1"/>
   </p:sldMasterIdLst>
   <p:notesMasterIdLst>
-    <p:notesMasterId r:id="rId12"/>
+    <p:notesMasterId r:id="rId13"/>
   </p:notesMasterIdLst>
   <p:handoutMasterIdLst>
-    <p:handoutMasterId r:id="rId13"/>
+    <p:handoutMasterId r:id="rId14"/>
   </p:handoutMasterIdLst>
   <p:sldIdLst>
     <p:sldId id="264" r:id="rId2"/>
@@ -21,6 +21,7 @@
     <p:sldId id="281" r:id="rId9"/>
     <p:sldId id="276" r:id="rId10"/>
     <p:sldId id="282" r:id="rId11"/>
+    <p:sldId id="283" r:id="rId12"/>
   </p:sldIdLst>
   <p:sldSz cx="9144000" cy="6858000" type="screen4x3"/>
   <p:notesSz cx="6648450" cy="9782175"/>
@@ -3965,6 +3966,165 @@
     <p:extLst>
       <p:ext uri="{BB962C8B-B14F-4D97-AF65-F5344CB8AC3E}">
         <p14:creationId xmlns:p14="http://schemas.microsoft.com/office/powerpoint/2010/main" val="2942252075"/>
+      </p:ext>
+    </p:extLst>
+  </p:cSld>
+  <p:clrMapOvr>
+    <a:masterClrMapping/>
+  </p:clrMapOvr>
+</p:sld>
+</file>
+
+<file path=ppt/slides/slide11.xml><?xml version="1.0" encoding="utf-8"?>
+<p:sld xmlns:a="http://schemas.openxmlformats.org/drawingml/2006/main" xmlns:r="http://schemas.openxmlformats.org/officeDocument/2006/relationships" xmlns:p="http://schemas.openxmlformats.org/presentationml/2006/main">
+  <p:cSld>
+    <p:spTree>
+      <p:nvGrpSpPr>
+        <p:cNvPr id="1" name=""/>
+        <p:cNvGrpSpPr/>
+        <p:nvPr/>
+      </p:nvGrpSpPr>
+      <p:grpSpPr>
+        <a:xfrm>
+          <a:off x="0" y="0"/>
+          <a:ext cx="0" cy="0"/>
+          <a:chOff x="0" y="0"/>
+          <a:chExt cx="0" cy="0"/>
+        </a:xfrm>
+      </p:grpSpPr>
+      <p:sp>
+        <p:nvSpPr>
+          <p:cNvPr id="2" name="Titre 1">
+            <a:extLst>
+              <a:ext uri="{FF2B5EF4-FFF2-40B4-BE49-F238E27FC236}">
+                <a16:creationId xmlns:a16="http://schemas.microsoft.com/office/drawing/2014/main" id="{AA09BC61-C093-2D88-B76D-C5EE4D49CB52}"/>
+              </a:ext>
+            </a:extLst>
+          </p:cNvPr>
+          <p:cNvSpPr>
+            <a:spLocks noGrp="1"/>
+          </p:cNvSpPr>
+          <p:nvPr>
+            <p:ph type="title"/>
+          </p:nvPr>
+        </p:nvSpPr>
+        <p:spPr/>
+        <p:txBody>
+          <a:bodyPr/>
+          <a:lstStyle/>
+          <a:p>
+            <a:r>
+              <a:rPr lang="fr-FR" dirty="0"/>
+              <a:t>Exemple</a:t>
+            </a:r>
+          </a:p>
+        </p:txBody>
+      </p:sp>
+      <p:sp>
+        <p:nvSpPr>
+          <p:cNvPr id="3" name="Espace réservé du contenu 2">
+            <a:extLst>
+              <a:ext uri="{FF2B5EF4-FFF2-40B4-BE49-F238E27FC236}">
+                <a16:creationId xmlns:a16="http://schemas.microsoft.com/office/drawing/2014/main" id="{CDC966DC-89F9-31C5-C605-5D6308477F6D}"/>
+              </a:ext>
+            </a:extLst>
+          </p:cNvPr>
+          <p:cNvSpPr>
+            <a:spLocks noGrp="1"/>
+          </p:cNvSpPr>
+          <p:nvPr>
+            <p:ph idx="1"/>
+          </p:nvPr>
+        </p:nvSpPr>
+        <p:spPr/>
+        <p:txBody>
+          <a:bodyPr/>
+          <a:lstStyle/>
+          <a:p>
+            <a:r>
+              <a:rPr lang="fr-FR" dirty="0"/>
+              <a:t>Trouver le nombre de NaN dans une </a:t>
+            </a:r>
+            <a:r>
+              <a:rPr lang="fr-FR" dirty="0" err="1"/>
+              <a:t>serie</a:t>
+            </a:r>
+            <a:endParaRPr lang="fr-FR" dirty="0"/>
+          </a:p>
+          <a:p>
+            <a:pPr lvl="1"/>
+            <a:r>
+              <a:rPr lang="fr-FR" dirty="0" err="1"/>
+              <a:t>dataframe.chol.isnull</a:t>
+            </a:r>
+            <a:r>
+              <a:rPr lang="fr-FR" dirty="0"/>
+              <a:t>().</a:t>
+            </a:r>
+            <a:r>
+              <a:rPr lang="fr-FR" dirty="0" err="1"/>
+              <a:t>sum</a:t>
+            </a:r>
+            <a:r>
+              <a:rPr lang="fr-FR" dirty="0"/>
+              <a:t>()</a:t>
+            </a:r>
+          </a:p>
+          <a:p>
+            <a:r>
+              <a:rPr lang="fr-FR" dirty="0"/>
+              <a:t>Remplacer les valeurs nulles par un moyenne + du bruit</a:t>
+            </a:r>
+          </a:p>
+          <a:p>
+            <a:pPr lvl="1"/>
+            <a:r>
+              <a:rPr lang="fr-FR" dirty="0" err="1"/>
+              <a:t>ok.chol.fillna</a:t>
+            </a:r>
+            <a:r>
+              <a:rPr lang="fr-FR" dirty="0"/>
+              <a:t>(</a:t>
+            </a:r>
+            <a:r>
+              <a:rPr lang="fr-FR" dirty="0" err="1"/>
+              <a:t>mean</a:t>
+            </a:r>
+            <a:r>
+              <a:rPr lang="fr-FR" dirty="0"/>
+              <a:t> + (</a:t>
+            </a:r>
+            <a:r>
+              <a:rPr lang="fr-FR" dirty="0" err="1"/>
+              <a:t>np.random.rand</a:t>
+            </a:r>
+            <a:r>
+              <a:rPr lang="fr-FR" dirty="0"/>
+              <a:t>() - 0.5) * std, </a:t>
+            </a:r>
+            <a:r>
+              <a:rPr lang="fr-FR" dirty="0" err="1"/>
+              <a:t>inplace</a:t>
+            </a:r>
+            <a:r>
+              <a:rPr lang="fr-FR" dirty="0"/>
+              <a:t>=</a:t>
+            </a:r>
+            <a:r>
+              <a:rPr lang="fr-FR" dirty="0" err="1"/>
+              <a:t>True</a:t>
+            </a:r>
+            <a:r>
+              <a:rPr lang="fr-FR" dirty="0"/>
+              <a:t>)</a:t>
+            </a:r>
+          </a:p>
+        </p:txBody>
+      </p:sp>
+    </p:spTree>
+    <p:extLst>
+      <p:ext uri="{BB962C8B-B14F-4D97-AF65-F5344CB8AC3E}">
+        <p14:creationId xmlns:p14="http://schemas.microsoft.com/office/powerpoint/2010/main" val="506944565"/>
       </p:ext>
     </p:extLst>
   </p:cSld>

--- a/ppt/PythonMath11-Pandas.pptx
+++ b/ppt/PythonMath11-Pandas.pptx
@@ -4079,43 +4079,59 @@
           <a:p>
             <a:pPr lvl="1"/>
             <a:r>
-              <a:rPr lang="fr-FR" dirty="0" err="1"/>
-              <a:t>ok.chol.fillna</a:t>
-            </a:r>
-            <a:r>
-              <a:rPr lang="fr-FR" dirty="0"/>
-              <a:t>(</a:t>
-            </a:r>
-            <a:r>
-              <a:rPr lang="fr-FR" dirty="0" err="1"/>
-              <a:t>mean</a:t>
-            </a:r>
-            <a:r>
-              <a:rPr lang="fr-FR" dirty="0"/>
+              <a:rPr lang="fr-FR" sz="1600" dirty="0" err="1"/>
+              <a:t>df.fillna</a:t>
+            </a:r>
+            <a:r>
+              <a:rPr lang="fr-FR" sz="1600" dirty="0"/>
+              <a:t>({"</a:t>
+            </a:r>
+            <a:r>
+              <a:rPr lang="fr-FR" sz="1600" dirty="0" err="1"/>
+              <a:t>chol</a:t>
+            </a:r>
+            <a:r>
+              <a:rPr lang="fr-FR" sz="1600" dirty="0"/>
+              <a:t>": </a:t>
+            </a:r>
+            <a:r>
+              <a:rPr lang="fr-FR" sz="1600" dirty="0" err="1"/>
+              <a:t>mean_chol</a:t>
+            </a:r>
+            <a:r>
+              <a:rPr lang="fr-FR" sz="1600" dirty="0"/>
               <a:t> + (</a:t>
             </a:r>
             <a:r>
-              <a:rPr lang="fr-FR" dirty="0" err="1"/>
+              <a:rPr lang="fr-FR" sz="1600" dirty="0" err="1"/>
               <a:t>np.random.rand</a:t>
             </a:r>
             <a:r>
-              <a:rPr lang="fr-FR" dirty="0"/>
-              <a:t>() - 0.5) * std, </a:t>
-            </a:r>
-            <a:r>
-              <a:rPr lang="fr-FR" dirty="0" err="1"/>
+              <a:rPr lang="fr-FR" sz="1600" dirty="0"/>
+              <a:t>() - 0.5) * </a:t>
+            </a:r>
+            <a:r>
+              <a:rPr lang="fr-FR" sz="1600" dirty="0" err="1"/>
+              <a:t>std_chol</a:t>
+            </a:r>
+            <a:r>
+              <a:rPr lang="fr-FR" sz="1600" dirty="0"/>
+              <a:t>}, </a:t>
+            </a:r>
+            <a:r>
+              <a:rPr lang="fr-FR" sz="1600" dirty="0" err="1"/>
               <a:t>inplace</a:t>
             </a:r>
             <a:r>
-              <a:rPr lang="fr-FR" dirty="0"/>
+              <a:rPr lang="fr-FR" sz="1600" dirty="0"/>
               <a:t>=</a:t>
             </a:r>
             <a:r>
-              <a:rPr lang="fr-FR" dirty="0" err="1"/>
+              <a:rPr lang="fr-FR" sz="1600" dirty="0" err="1"/>
               <a:t>True</a:t>
             </a:r>
             <a:r>
-              <a:rPr lang="fr-FR" dirty="0"/>
+              <a:rPr lang="fr-FR" sz="1600" dirty="0"/>
               <a:t>)</a:t>
             </a:r>
           </a:p>

--- a/ppt/PythonMath11-Pandas.pptx
+++ b/ppt/PythonMath11-Pandas.pptx
@@ -3776,6 +3776,13 @@
   <p:clrMapOvr>
     <a:masterClrMapping/>
   </p:clrMapOvr>
+  <p:timing>
+    <p:tnLst>
+      <p:par>
+        <p:cTn id="1" dur="indefinite" restart="never" nodeType="tmRoot"/>
+      </p:par>
+    </p:tnLst>
+  </p:timing>
 </p:sld>
 </file>
 
@@ -3972,6 +3979,13 @@
   <p:clrMapOvr>
     <a:masterClrMapping/>
   </p:clrMapOvr>
+  <p:timing>
+    <p:tnLst>
+      <p:par>
+        <p:cTn id="1" dur="indefinite" restart="never" nodeType="tmRoot"/>
+      </p:par>
+    </p:tnLst>
+  </p:timing>
 </p:sld>
 </file>
 
@@ -4054,8 +4068,8 @@
           <a:p>
             <a:pPr lvl="1"/>
             <a:r>
-              <a:rPr lang="fr-FR" dirty="0" err="1"/>
-              <a:t>dataframe.chol.isnull</a:t>
+              <a:rPr lang="fr-FR" dirty="0" err="1" smtClean="0"/>
+              <a:t>dataframe.isnull</a:t>
             </a:r>
             <a:r>
               <a:rPr lang="fr-FR" dirty="0"/>
@@ -4147,6 +4161,13 @@
   <p:clrMapOvr>
     <a:masterClrMapping/>
   </p:clrMapOvr>
+  <p:timing>
+    <p:tnLst>
+      <p:par>
+        <p:cTn id="1" dur="indefinite" restart="never" nodeType="tmRoot"/>
+      </p:par>
+    </p:tnLst>
+  </p:timing>
 </p:sld>
 </file>
 
@@ -4273,6 +4294,13 @@
   <p:clrMapOvr>
     <a:masterClrMapping/>
   </p:clrMapOvr>
+  <p:timing>
+    <p:tnLst>
+      <p:par>
+        <p:cTn id="1" dur="indefinite" restart="never" nodeType="tmRoot"/>
+      </p:par>
+    </p:tnLst>
+  </p:timing>
 </p:sld>
 </file>
 
@@ -4428,6 +4456,13 @@
   <p:clrMapOvr>
     <a:masterClrMapping/>
   </p:clrMapOvr>
+  <p:timing>
+    <p:tnLst>
+      <p:par>
+        <p:cTn id="1" dur="indefinite" restart="never" nodeType="tmRoot"/>
+      </p:par>
+    </p:tnLst>
+  </p:timing>
 </p:sld>
 </file>
 
@@ -4651,6 +4686,13 @@
   <p:clrMapOvr>
     <a:masterClrMapping/>
   </p:clrMapOvr>
+  <p:timing>
+    <p:tnLst>
+      <p:par>
+        <p:cTn id="1" dur="indefinite" restart="never" nodeType="tmRoot"/>
+      </p:par>
+    </p:tnLst>
+  </p:timing>
 </p:sld>
 </file>
 
@@ -4998,6 +5040,13 @@
   <p:clrMapOvr>
     <a:masterClrMapping/>
   </p:clrMapOvr>
+  <p:timing>
+    <p:tnLst>
+      <p:par>
+        <p:cTn id="1" dur="indefinite" restart="never" nodeType="tmRoot"/>
+      </p:par>
+    </p:tnLst>
+  </p:timing>
 </p:sld>
 </file>
 
@@ -5122,6 +5171,13 @@
   <p:clrMapOvr>
     <a:masterClrMapping/>
   </p:clrMapOvr>
+  <p:timing>
+    <p:tnLst>
+      <p:par>
+        <p:cTn id="1" dur="indefinite" restart="never" nodeType="tmRoot"/>
+      </p:par>
+    </p:tnLst>
+  </p:timing>
 </p:sld>
 </file>
 
@@ -5249,6 +5305,13 @@
   <p:clrMapOvr>
     <a:masterClrMapping/>
   </p:clrMapOvr>
+  <p:timing>
+    <p:tnLst>
+      <p:par>
+        <p:cTn id="1" dur="indefinite" restart="never" nodeType="tmRoot"/>
+      </p:par>
+    </p:tnLst>
+  </p:timing>
 </p:sld>
 </file>
 
@@ -5381,6 +5444,13 @@
   <p:clrMapOvr>
     <a:masterClrMapping/>
   </p:clrMapOvr>
+  <p:timing>
+    <p:tnLst>
+      <p:par>
+        <p:cTn id="1" dur="indefinite" restart="never" nodeType="tmRoot"/>
+      </p:par>
+    </p:tnLst>
+  </p:timing>
 </p:sld>
 </file>
 
@@ -5529,6 +5599,13 @@
   <p:clrMapOvr>
     <a:masterClrMapping/>
   </p:clrMapOvr>
+  <p:timing>
+    <p:tnLst>
+      <p:par>
+        <p:cTn id="1" dur="indefinite" restart="never" nodeType="tmRoot"/>
+      </p:par>
+    </p:tnLst>
+  </p:timing>
 </p:sld>
 </file>
 

--- a/ppt/PythonMath11-Pandas.pptx
+++ b/ppt/PythonMath11-Pandas.pptx
@@ -3776,13 +3776,6 @@
   <p:clrMapOvr>
     <a:masterClrMapping/>
   </p:clrMapOvr>
-  <p:timing>
-    <p:tnLst>
-      <p:par>
-        <p:cTn id="1" dur="indefinite" restart="never" nodeType="tmRoot"/>
-      </p:par>
-    </p:tnLst>
-  </p:timing>
 </p:sld>
 </file>
 
@@ -3979,13 +3972,6 @@
   <p:clrMapOvr>
     <a:masterClrMapping/>
   </p:clrMapOvr>
-  <p:timing>
-    <p:tnLst>
-      <p:par>
-        <p:cTn id="1" dur="indefinite" restart="never" nodeType="tmRoot"/>
-      </p:par>
-    </p:tnLst>
-  </p:timing>
 </p:sld>
 </file>
 
@@ -4068,7 +4054,7 @@
           <a:p>
             <a:pPr lvl="1"/>
             <a:r>
-              <a:rPr lang="fr-FR" dirty="0" err="1" smtClean="0"/>
+              <a:rPr lang="fr-FR" dirty="0" err="1"/>
               <a:t>dataframe.isnull</a:t>
             </a:r>
             <a:r>
@@ -4094,11 +4080,11 @@
             <a:pPr lvl="1"/>
             <a:r>
               <a:rPr lang="fr-FR" sz="1600" dirty="0" err="1"/>
-              <a:t>df.fillna</a:t>
+              <a:t>df</a:t>
             </a:r>
             <a:r>
               <a:rPr lang="fr-FR" sz="1600" dirty="0"/>
-              <a:t>({"</a:t>
+              <a:t>["</a:t>
             </a:r>
             <a:r>
               <a:rPr lang="fr-FR" sz="1600" dirty="0" err="1"/>
@@ -4106,7 +4092,31 @@
             </a:r>
             <a:r>
               <a:rPr lang="fr-FR" sz="1600" dirty="0"/>
-              <a:t>": </a:t>
+              <a:t>"] = </a:t>
+            </a:r>
+            <a:r>
+              <a:rPr lang="fr-FR" sz="1600" dirty="0" err="1"/>
+              <a:t>df</a:t>
+            </a:r>
+            <a:r>
+              <a:rPr lang="fr-FR" sz="1600" dirty="0"/>
+              <a:t>["</a:t>
+            </a:r>
+            <a:r>
+              <a:rPr lang="fr-FR" sz="1600" dirty="0" err="1"/>
+              <a:t>chol</a:t>
+            </a:r>
+            <a:r>
+              <a:rPr lang="fr-FR" sz="1600" dirty="0"/>
+              <a:t>"].</a:t>
+            </a:r>
+            <a:r>
+              <a:rPr lang="fr-FR" sz="1600" dirty="0" err="1"/>
+              <a:t>fillna</a:t>
+            </a:r>
+            <a:r>
+              <a:rPr lang="fr-FR" sz="1600" dirty="0"/>
+              <a:t>(</a:t>
             </a:r>
             <a:r>
               <a:rPr lang="fr-FR" sz="1600" dirty="0" err="1"/>
@@ -4129,25 +4139,10 @@
               <a:t>std_chol</a:t>
             </a:r>
             <a:r>
-              <a:rPr lang="fr-FR" sz="1600" dirty="0"/>
-              <a:t>}, </a:t>
-            </a:r>
-            <a:r>
-              <a:rPr lang="fr-FR" sz="1600" dirty="0" err="1"/>
-              <a:t>inplace</a:t>
-            </a:r>
-            <a:r>
-              <a:rPr lang="fr-FR" sz="1600" dirty="0"/>
-              <a:t>=</a:t>
-            </a:r>
-            <a:r>
-              <a:rPr lang="fr-FR" sz="1600" dirty="0" err="1"/>
-              <a:t>True</a:t>
-            </a:r>
-            <a:r>
-              <a:rPr lang="fr-FR" sz="1600" dirty="0"/>
+              <a:rPr lang="fr-FR" sz="1600"/>
               <a:t>)</a:t>
             </a:r>
+            <a:endParaRPr lang="fr-FR" sz="1600" dirty="0"/>
           </a:p>
         </p:txBody>
       </p:sp>
@@ -4161,13 +4156,6 @@
   <p:clrMapOvr>
     <a:masterClrMapping/>
   </p:clrMapOvr>
-  <p:timing>
-    <p:tnLst>
-      <p:par>
-        <p:cTn id="1" dur="indefinite" restart="never" nodeType="tmRoot"/>
-      </p:par>
-    </p:tnLst>
-  </p:timing>
 </p:sld>
 </file>
 
@@ -4294,13 +4282,6 @@
   <p:clrMapOvr>
     <a:masterClrMapping/>
   </p:clrMapOvr>
-  <p:timing>
-    <p:tnLst>
-      <p:par>
-        <p:cTn id="1" dur="indefinite" restart="never" nodeType="tmRoot"/>
-      </p:par>
-    </p:tnLst>
-  </p:timing>
 </p:sld>
 </file>
 
@@ -4456,13 +4437,6 @@
   <p:clrMapOvr>
     <a:masterClrMapping/>
   </p:clrMapOvr>
-  <p:timing>
-    <p:tnLst>
-      <p:par>
-        <p:cTn id="1" dur="indefinite" restart="never" nodeType="tmRoot"/>
-      </p:par>
-    </p:tnLst>
-  </p:timing>
 </p:sld>
 </file>
 
@@ -4686,13 +4660,6 @@
   <p:clrMapOvr>
     <a:masterClrMapping/>
   </p:clrMapOvr>
-  <p:timing>
-    <p:tnLst>
-      <p:par>
-        <p:cTn id="1" dur="indefinite" restart="never" nodeType="tmRoot"/>
-      </p:par>
-    </p:tnLst>
-  </p:timing>
 </p:sld>
 </file>
 
@@ -5040,13 +5007,6 @@
   <p:clrMapOvr>
     <a:masterClrMapping/>
   </p:clrMapOvr>
-  <p:timing>
-    <p:tnLst>
-      <p:par>
-        <p:cTn id="1" dur="indefinite" restart="never" nodeType="tmRoot"/>
-      </p:par>
-    </p:tnLst>
-  </p:timing>
 </p:sld>
 </file>
 
@@ -5171,13 +5131,6 @@
   <p:clrMapOvr>
     <a:masterClrMapping/>
   </p:clrMapOvr>
-  <p:timing>
-    <p:tnLst>
-      <p:par>
-        <p:cTn id="1" dur="indefinite" restart="never" nodeType="tmRoot"/>
-      </p:par>
-    </p:tnLst>
-  </p:timing>
 </p:sld>
 </file>
 
@@ -5305,13 +5258,6 @@
   <p:clrMapOvr>
     <a:masterClrMapping/>
   </p:clrMapOvr>
-  <p:timing>
-    <p:tnLst>
-      <p:par>
-        <p:cTn id="1" dur="indefinite" restart="never" nodeType="tmRoot"/>
-      </p:par>
-    </p:tnLst>
-  </p:timing>
 </p:sld>
 </file>
 
@@ -5444,13 +5390,6 @@
   <p:clrMapOvr>
     <a:masterClrMapping/>
   </p:clrMapOvr>
-  <p:timing>
-    <p:tnLst>
-      <p:par>
-        <p:cTn id="1" dur="indefinite" restart="never" nodeType="tmRoot"/>
-      </p:par>
-    </p:tnLst>
-  </p:timing>
 </p:sld>
 </file>
 
@@ -5599,13 +5538,6 @@
   <p:clrMapOvr>
     <a:masterClrMapping/>
   </p:clrMapOvr>
-  <p:timing>
-    <p:tnLst>
-      <p:par>
-        <p:cTn id="1" dur="indefinite" restart="never" nodeType="tmRoot"/>
-      </p:par>
-    </p:tnLst>
-  </p:timing>
 </p:sld>
 </file>
 
